--- a/06. Temp/pLED 2014.pptx
+++ b/06. Temp/pLED 2014.pptx
@@ -5,7 +5,7 @@
     <p:sldMasterId id="2147483648" r:id="rId1"/>
   </p:sldMasterIdLst>
   <p:notesMasterIdLst>
-    <p:notesMasterId r:id="rId37"/>
+    <p:notesMasterId r:id="rId39"/>
   </p:notesMasterIdLst>
   <p:sldIdLst>
     <p:sldId id="256" r:id="rId2"/>
@@ -29,20 +29,22 @@
     <p:sldId id="298" r:id="rId20"/>
     <p:sldId id="299" r:id="rId21"/>
     <p:sldId id="300" r:id="rId22"/>
-    <p:sldId id="301" r:id="rId23"/>
-    <p:sldId id="302" r:id="rId24"/>
-    <p:sldId id="303" r:id="rId25"/>
-    <p:sldId id="304" r:id="rId26"/>
-    <p:sldId id="305" r:id="rId27"/>
-    <p:sldId id="306" r:id="rId28"/>
-    <p:sldId id="308" r:id="rId29"/>
-    <p:sldId id="309" r:id="rId30"/>
-    <p:sldId id="310" r:id="rId31"/>
-    <p:sldId id="311" r:id="rId32"/>
-    <p:sldId id="312" r:id="rId33"/>
-    <p:sldId id="313" r:id="rId34"/>
-    <p:sldId id="275" r:id="rId35"/>
-    <p:sldId id="307" r:id="rId36"/>
+    <p:sldId id="314" r:id="rId23"/>
+    <p:sldId id="301" r:id="rId24"/>
+    <p:sldId id="302" r:id="rId25"/>
+    <p:sldId id="303" r:id="rId26"/>
+    <p:sldId id="304" r:id="rId27"/>
+    <p:sldId id="315" r:id="rId28"/>
+    <p:sldId id="305" r:id="rId29"/>
+    <p:sldId id="306" r:id="rId30"/>
+    <p:sldId id="308" r:id="rId31"/>
+    <p:sldId id="309" r:id="rId32"/>
+    <p:sldId id="310" r:id="rId33"/>
+    <p:sldId id="311" r:id="rId34"/>
+    <p:sldId id="312" r:id="rId35"/>
+    <p:sldId id="313" r:id="rId36"/>
+    <p:sldId id="275" r:id="rId37"/>
+    <p:sldId id="307" r:id="rId38"/>
   </p:sldIdLst>
   <p:sldSz cx="9144000" cy="6858000" type="screen4x3"/>
   <p:notesSz cx="6858000" cy="9144000"/>
@@ -339,7 +341,7 @@
         <p:nvSpPr>
           <p:cNvPr id="67588" name="Rectangle 4"/>
           <p:cNvSpPr>
-            <a:spLocks noRot="1" noChangeArrowheads="1" noTextEdit="1"/>
+            <a:spLocks noGrp="1" noRot="1" noChangeAspect="1" noChangeArrowheads="1" noTextEdit="1"/>
           </p:cNvSpPr>
           <p:nvPr>
             <p:ph type="sldImg" idx="2"/>
@@ -4301,7 +4303,7 @@
           <a:graphicData uri="http://schemas.openxmlformats.org/presentationml/2006/ole">
             <mc:AlternateContent xmlns:mc="http://schemas.openxmlformats.org/markup-compatibility/2006">
               <mc:Choice xmlns:v="urn:schemas-microsoft-com:vml" Requires="v">
-                <p:oleObj spid="_x0000_s1244" name="Image" r:id="rId15" imgW="9561905" imgH="1600000" progId="Photoshop.Image.6">
+                <p:oleObj spid="_x0000_s1331" name="Image" r:id="rId15" imgW="9561905" imgH="1600000" progId="Photoshop.Image.6">
                   <p:embed/>
                 </p:oleObj>
               </mc:Choice>
@@ -5207,7 +5209,6 @@
               <a:rPr lang="en-US" smtClean="0"/>
               <a:t>Fifth level</a:t>
             </a:r>
-            <a:endParaRPr lang="en-US" smtClean="0"/>
           </a:p>
         </p:txBody>
       </p:sp>
@@ -5485,7 +5486,6 @@
               <a:rPr lang="en-US" smtClean="0"/>
               <a:t>Click to edit Master title style</a:t>
             </a:r>
-            <a:endParaRPr lang="en-US" smtClean="0"/>
           </a:p>
         </p:txBody>
       </p:sp>
@@ -5997,7 +5997,6 @@
               <a:rPr lang="en-US" sz="1800" dirty="0" smtClean="0"/>
               <a:t>Extraordinary Display</a:t>
             </a:r>
-            <a:endParaRPr lang="en-US" sz="1800" dirty="0" smtClean="0"/>
           </a:p>
         </p:txBody>
       </p:sp>
@@ -6167,19 +6166,11 @@
             </a:pPr>
             <a:r>
               <a:rPr lang="en-US" dirty="0" smtClean="0"/>
-              <a:t>Less</a:t>
-            </a:r>
-            <a:r>
-              <a:rPr lang="en-US" dirty="0" smtClean="0"/>
-              <a:t> experiences </a:t>
+              <a:t>Less experiences </a:t>
             </a:r>
             <a:r>
               <a:rPr lang="en-US" b="1" dirty="0" smtClean="0"/>
-              <a:t>e</a:t>
-            </a:r>
-            <a:r>
-              <a:rPr lang="en-US" b="1" dirty="0" smtClean="0"/>
-              <a:t>stimate time and resource </a:t>
+              <a:t>estimate time and resource </a:t>
             </a:r>
           </a:p>
           <a:p>
@@ -6414,8 +6405,8 @@
         </p:blipFill>
         <p:spPr bwMode="auto">
           <a:xfrm>
-            <a:off x="914400" y="2362200"/>
-            <a:ext cx="7239000" cy="4267200"/>
+            <a:off x="1295400" y="2362200"/>
+            <a:ext cx="6477000" cy="4495800"/>
           </a:xfrm>
           <a:prstGeom prst="rect">
             <a:avLst/>
@@ -6870,15 +6861,7 @@
             </a:pPr>
             <a:r>
               <a:rPr lang="en-US" dirty="0" smtClean="0"/>
-              <a:t>System demo </a:t>
-            </a:r>
-            <a:r>
-              <a:rPr lang="en-US" dirty="0" smtClean="0"/>
-              <a:t>when </a:t>
-            </a:r>
-            <a:r>
-              <a:rPr lang="en-US" dirty="0" smtClean="0"/>
-              <a:t>learn Embedded System</a:t>
+              <a:t>System demo when learn Embedded System</a:t>
             </a:r>
           </a:p>
         </p:txBody>
@@ -9771,8 +9754,40 @@
                 <a:latin typeface="Arial" pitchFamily="34" charset="0"/>
                 <a:cs typeface="Arial" pitchFamily="34" charset="0"/>
               </a:rPr>
-              <a:t>Mechanical Design</a:t>
-            </a:r>
+              <a:t>Mechanical </a:t>
+            </a:r>
+            <a:r>
+              <a:rPr lang="en-US" sz="3200" b="1" dirty="0" smtClean="0">
+                <a:solidFill>
+                  <a:schemeClr val="accent5">
+                    <a:lumMod val="10000"/>
+                  </a:schemeClr>
+                </a:solidFill>
+                <a:latin typeface="Arial" pitchFamily="34" charset="0"/>
+                <a:cs typeface="Arial" pitchFamily="34" charset="0"/>
+              </a:rPr>
+              <a:t>Design</a:t>
+            </a:r>
+          </a:p>
+          <a:p>
+            <a:pPr marL="0" indent="0">
+              <a:buNone/>
+            </a:pPr>
+            <a:r>
+              <a:rPr lang="en-US" sz="3200" dirty="0"/>
+              <a:t>Supply power for main board using Rolling-element bearing</a:t>
+            </a:r>
+          </a:p>
+          <a:p>
+            <a:endParaRPr lang="en-US" sz="3200" b="1" dirty="0" smtClean="0">
+              <a:solidFill>
+                <a:schemeClr val="accent5">
+                  <a:lumMod val="10000"/>
+                </a:schemeClr>
+              </a:solidFill>
+              <a:latin typeface="Arial" pitchFamily="34" charset="0"/>
+              <a:cs typeface="Arial" pitchFamily="34" charset="0"/>
+            </a:endParaRPr>
           </a:p>
         </p:txBody>
       </p:sp>
@@ -9897,18 +9912,22 @@
           <a:bodyPr/>
           <a:lstStyle/>
           <a:p>
-            <a:r>
-              <a:rPr lang="en-US" sz="3200" b="1" dirty="0" smtClean="0">
-                <a:solidFill>
-                  <a:schemeClr val="accent5">
-                    <a:lumMod val="10000"/>
-                  </a:schemeClr>
-                </a:solidFill>
-                <a:latin typeface="Arial" pitchFamily="34" charset="0"/>
-                <a:cs typeface="Arial" pitchFamily="34" charset="0"/>
-              </a:rPr>
-              <a:t>Schematic, PCB Design</a:t>
-            </a:r>
+            <a:pPr marL="0" indent="0">
+              <a:buNone/>
+            </a:pPr>
+            <a:r>
+              <a:rPr lang="en-US" sz="3200" dirty="0"/>
+              <a:t>Mechanical</a:t>
+            </a:r>
+            <a:endParaRPr lang="en-US" sz="3200" b="1" dirty="0" smtClean="0">
+              <a:solidFill>
+                <a:schemeClr val="accent5">
+                  <a:lumMod val="10000"/>
+                </a:schemeClr>
+              </a:solidFill>
+              <a:latin typeface="Arial" pitchFamily="34" charset="0"/>
+              <a:cs typeface="Arial" pitchFamily="34" charset="0"/>
+            </a:endParaRPr>
           </a:p>
         </p:txBody>
       </p:sp>
@@ -9951,9 +9970,832 @@
           </a:p>
         </p:txBody>
       </p:sp>
+      <p:sp>
+        <p:nvSpPr>
+          <p:cNvPr id="5" name="Title 1"/>
+          <p:cNvSpPr txBox="1">
+            <a:spLocks/>
+          </p:cNvSpPr>
+          <p:nvPr/>
+        </p:nvSpPr>
+        <p:spPr bwMode="white">
+          <a:xfrm>
+            <a:off x="1325532" y="2238180"/>
+            <a:ext cx="2132092" cy="745652"/>
+          </a:xfrm>
+          <a:prstGeom prst="rect">
+            <a:avLst/>
+          </a:prstGeom>
+          <a:noFill/>
+          <a:ln>
+            <a:noFill/>
+          </a:ln>
+          <a:effectLst/>
+          <a:extLst>
+            <a:ext uri="{909E8E84-426E-40DD-AFC4-6F175D3DCCD1}">
+              <a14:hiddenFill xmlns:a14="http://schemas.microsoft.com/office/drawing/2010/main">
+                <a:solidFill>
+                  <a:schemeClr val="accent1"/>
+                </a:solidFill>
+              </a14:hiddenFill>
+            </a:ext>
+            <a:ext uri="{91240B29-F687-4F45-9708-019B960494DF}">
+              <a14:hiddenLine xmlns:a14="http://schemas.microsoft.com/office/drawing/2010/main" w="9525">
+                <a:solidFill>
+                  <a:schemeClr val="tx1"/>
+                </a:solidFill>
+                <a:miter lim="800000"/>
+                <a:headEnd/>
+                <a:tailEnd/>
+              </a14:hiddenLine>
+            </a:ext>
+            <a:ext uri="{AF507438-7753-43E0-B8FC-AC1667EBCBE1}">
+              <a14:hiddenEffects xmlns:a14="http://schemas.microsoft.com/office/drawing/2010/main">
+                <a:effectLst>
+                  <a:outerShdw dist="45791" dir="2021404" algn="ctr" rotWithShape="0">
+                    <a:schemeClr val="tx1"/>
+                  </a:outerShdw>
+                </a:effectLst>
+              </a14:hiddenEffects>
+            </a:ext>
+          </a:extLst>
+        </p:spPr>
+        <p:txBody>
+          <a:bodyPr vert="horz" wrap="square" lIns="91440" tIns="45720" rIns="91440" bIns="45720" numCol="1" anchor="ctr" anchorCtr="0" compatLnSpc="1">
+            <a:prstTxWarp prst="textNoShape">
+              <a:avLst/>
+            </a:prstTxWarp>
+            <a:normAutofit/>
+          </a:bodyPr>
+          <a:lstStyle>
+            <a:lvl1pPr algn="ctr" rtl="0" eaLnBrk="1" fontAlgn="base" hangingPunct="1">
+              <a:spcBef>
+                <a:spcPct val="0"/>
+              </a:spcBef>
+              <a:spcAft>
+                <a:spcPct val="0"/>
+              </a:spcAft>
+              <a:defRPr sz="3600" b="1">
+                <a:solidFill>
+                  <a:schemeClr val="bg1"/>
+                </a:solidFill>
+                <a:latin typeface="+mj-lt"/>
+                <a:ea typeface="+mj-ea"/>
+                <a:cs typeface="+mj-cs"/>
+              </a:defRPr>
+            </a:lvl1pPr>
+            <a:lvl2pPr algn="ctr" rtl="0" eaLnBrk="1" fontAlgn="base" hangingPunct="1">
+              <a:spcBef>
+                <a:spcPct val="0"/>
+              </a:spcBef>
+              <a:spcAft>
+                <a:spcPct val="0"/>
+              </a:spcAft>
+              <a:defRPr sz="3600" b="1">
+                <a:solidFill>
+                  <a:schemeClr val="bg1"/>
+                </a:solidFill>
+                <a:latin typeface="Arial" charset="0"/>
+              </a:defRPr>
+            </a:lvl2pPr>
+            <a:lvl3pPr algn="ctr" rtl="0" eaLnBrk="1" fontAlgn="base" hangingPunct="1">
+              <a:spcBef>
+                <a:spcPct val="0"/>
+              </a:spcBef>
+              <a:spcAft>
+                <a:spcPct val="0"/>
+              </a:spcAft>
+              <a:defRPr sz="3600" b="1">
+                <a:solidFill>
+                  <a:schemeClr val="bg1"/>
+                </a:solidFill>
+                <a:latin typeface="Arial" charset="0"/>
+              </a:defRPr>
+            </a:lvl3pPr>
+            <a:lvl4pPr algn="ctr" rtl="0" eaLnBrk="1" fontAlgn="base" hangingPunct="1">
+              <a:spcBef>
+                <a:spcPct val="0"/>
+              </a:spcBef>
+              <a:spcAft>
+                <a:spcPct val="0"/>
+              </a:spcAft>
+              <a:defRPr sz="3600" b="1">
+                <a:solidFill>
+                  <a:schemeClr val="bg1"/>
+                </a:solidFill>
+                <a:latin typeface="Arial" charset="0"/>
+              </a:defRPr>
+            </a:lvl4pPr>
+            <a:lvl5pPr algn="ctr" rtl="0" eaLnBrk="1" fontAlgn="base" hangingPunct="1">
+              <a:spcBef>
+                <a:spcPct val="0"/>
+              </a:spcBef>
+              <a:spcAft>
+                <a:spcPct val="0"/>
+              </a:spcAft>
+              <a:defRPr sz="3600" b="1">
+                <a:solidFill>
+                  <a:schemeClr val="bg1"/>
+                </a:solidFill>
+                <a:latin typeface="Arial" charset="0"/>
+              </a:defRPr>
+            </a:lvl5pPr>
+            <a:lvl6pPr marL="457200" algn="ctr" rtl="0" eaLnBrk="1" fontAlgn="base" hangingPunct="1">
+              <a:spcBef>
+                <a:spcPct val="0"/>
+              </a:spcBef>
+              <a:spcAft>
+                <a:spcPct val="0"/>
+              </a:spcAft>
+              <a:defRPr sz="3600" b="1">
+                <a:solidFill>
+                  <a:schemeClr val="bg1"/>
+                </a:solidFill>
+                <a:latin typeface="Arial" charset="0"/>
+              </a:defRPr>
+            </a:lvl6pPr>
+            <a:lvl7pPr marL="914400" algn="ctr" rtl="0" eaLnBrk="1" fontAlgn="base" hangingPunct="1">
+              <a:spcBef>
+                <a:spcPct val="0"/>
+              </a:spcBef>
+              <a:spcAft>
+                <a:spcPct val="0"/>
+              </a:spcAft>
+              <a:defRPr sz="3600" b="1">
+                <a:solidFill>
+                  <a:schemeClr val="bg1"/>
+                </a:solidFill>
+                <a:latin typeface="Arial" charset="0"/>
+              </a:defRPr>
+            </a:lvl7pPr>
+            <a:lvl8pPr marL="1371600" algn="ctr" rtl="0" eaLnBrk="1" fontAlgn="base" hangingPunct="1">
+              <a:spcBef>
+                <a:spcPct val="0"/>
+              </a:spcBef>
+              <a:spcAft>
+                <a:spcPct val="0"/>
+              </a:spcAft>
+              <a:defRPr sz="3600" b="1">
+                <a:solidFill>
+                  <a:schemeClr val="bg1"/>
+                </a:solidFill>
+                <a:latin typeface="Arial" charset="0"/>
+              </a:defRPr>
+            </a:lvl8pPr>
+            <a:lvl9pPr marL="1828800" algn="ctr" rtl="0" eaLnBrk="1" fontAlgn="base" hangingPunct="1">
+              <a:spcBef>
+                <a:spcPct val="0"/>
+              </a:spcBef>
+              <a:spcAft>
+                <a:spcPct val="0"/>
+              </a:spcAft>
+              <a:defRPr sz="3600" b="1">
+                <a:solidFill>
+                  <a:schemeClr val="bg1"/>
+                </a:solidFill>
+                <a:latin typeface="Arial" charset="0"/>
+              </a:defRPr>
+            </a:lvl9pPr>
+          </a:lstStyle>
+          <a:p>
+            <a:r>
+              <a:rPr lang="en-US" sz="2000" dirty="0" smtClean="0">
+                <a:solidFill>
+                  <a:schemeClr val="tx1"/>
+                </a:solidFill>
+              </a:rPr>
+              <a:t>VCC</a:t>
+            </a:r>
+            <a:endParaRPr lang="en-US" sz="2000" dirty="0">
+              <a:solidFill>
+                <a:schemeClr val="tx1"/>
+              </a:solidFill>
+            </a:endParaRPr>
+          </a:p>
+        </p:txBody>
+      </p:sp>
+      <p:grpSp>
+        <p:nvGrpSpPr>
+          <p:cNvPr id="6" name="Group 5"/>
+          <p:cNvGrpSpPr/>
+          <p:nvPr/>
+        </p:nvGrpSpPr>
+        <p:grpSpPr>
+          <a:xfrm>
+            <a:off x="868655" y="2819400"/>
+            <a:ext cx="4492625" cy="3124200"/>
+            <a:chOff x="457200" y="1600200"/>
+            <a:chExt cx="4495800" cy="4343400"/>
+          </a:xfrm>
+        </p:grpSpPr>
+        <p:sp>
+          <p:nvSpPr>
+            <p:cNvPr id="7" name="Flowchart: Direct Access Storage 6"/>
+            <p:cNvSpPr/>
+            <p:nvPr/>
+          </p:nvSpPr>
+          <p:spPr>
+            <a:xfrm>
+              <a:off x="457200" y="1828800"/>
+              <a:ext cx="3276600" cy="4114800"/>
+            </a:xfrm>
+            <a:prstGeom prst="flowChartMagneticDrum">
+              <a:avLst/>
+            </a:prstGeom>
+          </p:spPr>
+          <p:style>
+            <a:lnRef idx="2">
+              <a:schemeClr val="accent1">
+                <a:shade val="50000"/>
+              </a:schemeClr>
+            </a:lnRef>
+            <a:fillRef idx="1">
+              <a:schemeClr val="accent1"/>
+            </a:fillRef>
+            <a:effectRef idx="0">
+              <a:schemeClr val="accent1"/>
+            </a:effectRef>
+            <a:fontRef idx="minor">
+              <a:schemeClr val="lt1"/>
+            </a:fontRef>
+          </p:style>
+          <p:txBody>
+            <a:bodyPr rtlCol="0" anchor="ctr"/>
+            <a:lstStyle/>
+            <a:p>
+              <a:pPr algn="ctr"/>
+              <a:endParaRPr lang="en-US"/>
+            </a:p>
+          </p:txBody>
+        </p:sp>
+        <p:sp>
+          <p:nvSpPr>
+            <p:cNvPr id="8" name="Flowchart: Direct Access Storage 7"/>
+            <p:cNvSpPr/>
+            <p:nvPr/>
+          </p:nvSpPr>
+          <p:spPr>
+            <a:xfrm>
+              <a:off x="3048000" y="2590800"/>
+              <a:ext cx="1905000" cy="2590800"/>
+            </a:xfrm>
+            <a:prstGeom prst="flowChartMagneticDrum">
+              <a:avLst/>
+            </a:prstGeom>
+            <a:solidFill>
+              <a:schemeClr val="accent6">
+                <a:lumMod val="60000"/>
+                <a:lumOff val="40000"/>
+              </a:schemeClr>
+            </a:solidFill>
+          </p:spPr>
+          <p:style>
+            <a:lnRef idx="2">
+              <a:schemeClr val="accent1">
+                <a:shade val="50000"/>
+              </a:schemeClr>
+            </a:lnRef>
+            <a:fillRef idx="1">
+              <a:schemeClr val="accent1"/>
+            </a:fillRef>
+            <a:effectRef idx="0">
+              <a:schemeClr val="accent1"/>
+            </a:effectRef>
+            <a:fontRef idx="minor">
+              <a:schemeClr val="lt1"/>
+            </a:fontRef>
+          </p:style>
+          <p:txBody>
+            <a:bodyPr rtlCol="0" anchor="ctr"/>
+            <a:lstStyle/>
+            <a:p>
+              <a:pPr algn="ctr"/>
+              <a:endParaRPr lang="en-US"/>
+            </a:p>
+          </p:txBody>
+        </p:sp>
+        <p:cxnSp>
+          <p:nvCxnSpPr>
+            <p:cNvPr id="9" name="Elbow Connector 8"/>
+            <p:cNvCxnSpPr/>
+            <p:nvPr/>
+          </p:nvCxnSpPr>
+          <p:spPr>
+            <a:xfrm>
+              <a:off x="914400" y="1600200"/>
+              <a:ext cx="3276600" cy="990600"/>
+            </a:xfrm>
+            <a:prstGeom prst="bentConnector3">
+              <a:avLst>
+                <a:gd name="adj1" fmla="val 87210"/>
+              </a:avLst>
+            </a:prstGeom>
+            <a:ln w="76200"/>
+          </p:spPr>
+          <p:style>
+            <a:lnRef idx="3">
+              <a:schemeClr val="accent6"/>
+            </a:lnRef>
+            <a:fillRef idx="0">
+              <a:schemeClr val="accent6"/>
+            </a:fillRef>
+            <a:effectRef idx="2">
+              <a:schemeClr val="accent6"/>
+            </a:effectRef>
+            <a:fontRef idx="minor">
+              <a:schemeClr val="tx1"/>
+            </a:fontRef>
+          </p:style>
+        </p:cxnSp>
+        <p:sp>
+          <p:nvSpPr>
+            <p:cNvPr id="10" name="TextBox 9"/>
+            <p:cNvSpPr txBox="1"/>
+            <p:nvPr/>
+          </p:nvSpPr>
+          <p:spPr>
+            <a:xfrm>
+              <a:off x="990600" y="3657600"/>
+              <a:ext cx="1066800" cy="513462"/>
+            </a:xfrm>
+            <a:prstGeom prst="rect">
+              <a:avLst/>
+            </a:prstGeom>
+            <a:noFill/>
+          </p:spPr>
+          <p:txBody>
+            <a:bodyPr wrap="square" rtlCol="0">
+              <a:spAutoFit/>
+            </a:bodyPr>
+            <a:lstStyle/>
+            <a:p>
+              <a:r>
+                <a:rPr lang="en-US" b="1" dirty="0" smtClean="0">
+                  <a:solidFill>
+                    <a:srgbClr val="002060"/>
+                  </a:solidFill>
+                </a:rPr>
+                <a:t>Motor</a:t>
+              </a:r>
+              <a:endParaRPr lang="en-US" b="1" dirty="0">
+                <a:solidFill>
+                  <a:srgbClr val="002060"/>
+                </a:solidFill>
+              </a:endParaRPr>
+            </a:p>
+          </p:txBody>
+        </p:sp>
+        <p:sp>
+          <p:nvSpPr>
+            <p:cNvPr id="11" name="TextBox 10"/>
+            <p:cNvSpPr txBox="1"/>
+            <p:nvPr/>
+          </p:nvSpPr>
+          <p:spPr>
+            <a:xfrm>
+              <a:off x="3124200" y="3657600"/>
+              <a:ext cx="1066800" cy="513462"/>
+            </a:xfrm>
+            <a:prstGeom prst="rect">
+              <a:avLst/>
+            </a:prstGeom>
+            <a:noFill/>
+          </p:spPr>
+          <p:txBody>
+            <a:bodyPr wrap="square" rtlCol="0">
+              <a:spAutoFit/>
+            </a:bodyPr>
+            <a:lstStyle/>
+            <a:p>
+              <a:r>
+                <a:rPr lang="en-US" b="1" dirty="0" smtClean="0"/>
+                <a:t>Bearing</a:t>
+              </a:r>
+              <a:endParaRPr lang="en-US" b="1" dirty="0"/>
+            </a:p>
+          </p:txBody>
+        </p:sp>
+      </p:grpSp>
+      <p:grpSp>
+        <p:nvGrpSpPr>
+          <p:cNvPr id="12" name="Group 11"/>
+          <p:cNvGrpSpPr/>
+          <p:nvPr/>
+        </p:nvGrpSpPr>
+        <p:grpSpPr>
+          <a:xfrm>
+            <a:off x="4931953" y="3939088"/>
+            <a:ext cx="2322458" cy="1151021"/>
+            <a:chOff x="4572000" y="3124200"/>
+            <a:chExt cx="2971800" cy="1600200"/>
+          </a:xfrm>
+        </p:grpSpPr>
+        <p:sp>
+          <p:nvSpPr>
+            <p:cNvPr id="13" name="Flowchart: Direct Access Storage 12"/>
+            <p:cNvSpPr/>
+            <p:nvPr/>
+          </p:nvSpPr>
+          <p:spPr>
+            <a:xfrm>
+              <a:off x="4572000" y="3124200"/>
+              <a:ext cx="838200" cy="1600200"/>
+            </a:xfrm>
+            <a:prstGeom prst="flowChartMagneticDrum">
+              <a:avLst/>
+            </a:prstGeom>
+            <a:solidFill>
+              <a:srgbClr val="002060"/>
+            </a:solidFill>
+          </p:spPr>
+          <p:style>
+            <a:lnRef idx="2">
+              <a:schemeClr val="accent1">
+                <a:shade val="50000"/>
+              </a:schemeClr>
+            </a:lnRef>
+            <a:fillRef idx="1">
+              <a:schemeClr val="accent1"/>
+            </a:fillRef>
+            <a:effectRef idx="0">
+              <a:schemeClr val="accent1"/>
+            </a:effectRef>
+            <a:fontRef idx="minor">
+              <a:schemeClr val="lt1"/>
+            </a:fontRef>
+          </p:style>
+          <p:txBody>
+            <a:bodyPr rtlCol="0" anchor="ctr"/>
+            <a:lstStyle/>
+            <a:p>
+              <a:pPr algn="ctr"/>
+              <a:endParaRPr lang="en-US"/>
+            </a:p>
+          </p:txBody>
+        </p:sp>
+        <p:sp>
+          <p:nvSpPr>
+            <p:cNvPr id="14" name="Can 13"/>
+            <p:cNvSpPr/>
+            <p:nvPr/>
+          </p:nvSpPr>
+          <p:spPr>
+            <a:xfrm rot="5400000">
+              <a:off x="5486400" y="2667000"/>
+              <a:ext cx="1600200" cy="2514600"/>
+            </a:xfrm>
+            <a:prstGeom prst="can">
+              <a:avLst/>
+            </a:prstGeom>
+            <a:solidFill>
+              <a:schemeClr val="bg1">
+                <a:lumMod val="85000"/>
+              </a:schemeClr>
+            </a:solidFill>
+          </p:spPr>
+          <p:style>
+            <a:lnRef idx="2">
+              <a:schemeClr val="accent1">
+                <a:shade val="50000"/>
+              </a:schemeClr>
+            </a:lnRef>
+            <a:fillRef idx="1">
+              <a:schemeClr val="accent1"/>
+            </a:fillRef>
+            <a:effectRef idx="0">
+              <a:schemeClr val="accent1"/>
+            </a:effectRef>
+            <a:fontRef idx="minor">
+              <a:schemeClr val="lt1"/>
+            </a:fontRef>
+          </p:style>
+          <p:txBody>
+            <a:bodyPr rtlCol="0" anchor="ctr"/>
+            <a:lstStyle/>
+            <a:p>
+              <a:pPr algn="ctr"/>
+              <a:endParaRPr lang="en-US"/>
+            </a:p>
+          </p:txBody>
+        </p:sp>
+      </p:grpSp>
+      <p:cxnSp>
+        <p:nvCxnSpPr>
+          <p:cNvPr id="15" name="Elbow Connector 14"/>
+          <p:cNvCxnSpPr/>
+          <p:nvPr/>
+        </p:nvCxnSpPr>
+        <p:spPr>
+          <a:xfrm flipV="1">
+            <a:off x="4994668" y="3352798"/>
+            <a:ext cx="1678136" cy="568241"/>
+          </a:xfrm>
+          <a:prstGeom prst="bentConnector3">
+            <a:avLst>
+              <a:gd name="adj1" fmla="val 50000"/>
+            </a:avLst>
+          </a:prstGeom>
+          <a:ln w="76200">
+            <a:tailEnd type="arrow"/>
+          </a:ln>
+        </p:spPr>
+        <p:style>
+          <a:lnRef idx="3">
+            <a:schemeClr val="accent6"/>
+          </a:lnRef>
+          <a:fillRef idx="0">
+            <a:schemeClr val="accent6"/>
+          </a:fillRef>
+          <a:effectRef idx="2">
+            <a:schemeClr val="accent6"/>
+          </a:effectRef>
+          <a:fontRef idx="minor">
+            <a:schemeClr val="tx1"/>
+          </a:fontRef>
+        </p:style>
+      </p:cxnSp>
+      <p:sp>
+        <p:nvSpPr>
+          <p:cNvPr id="16" name="TextBox 15"/>
+          <p:cNvSpPr txBox="1"/>
+          <p:nvPr/>
+        </p:nvSpPr>
+        <p:spPr>
+          <a:xfrm>
+            <a:off x="5833736" y="2746759"/>
+            <a:ext cx="1066047" cy="400110"/>
+          </a:xfrm>
+          <a:prstGeom prst="rect">
+            <a:avLst/>
+          </a:prstGeom>
+          <a:noFill/>
+        </p:spPr>
+        <p:txBody>
+          <a:bodyPr wrap="square" rtlCol="0">
+            <a:spAutoFit/>
+          </a:bodyPr>
+          <a:lstStyle/>
+          <a:p>
+            <a:r>
+              <a:rPr lang="en-US" sz="2000" b="1" dirty="0" smtClean="0"/>
+              <a:t>VCC</a:t>
+            </a:r>
+            <a:endParaRPr lang="en-US" sz="2000" b="1" dirty="0"/>
+          </a:p>
+        </p:txBody>
+      </p:sp>
+      <p:sp>
+        <p:nvSpPr>
+          <p:cNvPr id="17" name="TextBox 16"/>
+          <p:cNvSpPr txBox="1"/>
+          <p:nvPr/>
+        </p:nvSpPr>
+        <p:spPr>
+          <a:xfrm>
+            <a:off x="6036071" y="4329933"/>
+            <a:ext cx="1218339" cy="369332"/>
+          </a:xfrm>
+          <a:prstGeom prst="rect">
+            <a:avLst/>
+          </a:prstGeom>
+          <a:noFill/>
+        </p:spPr>
+        <p:txBody>
+          <a:bodyPr wrap="square" rtlCol="0">
+            <a:spAutoFit/>
+          </a:bodyPr>
+          <a:lstStyle/>
+          <a:p>
+            <a:r>
+              <a:rPr lang="en-US" b="1" dirty="0" smtClean="0"/>
+              <a:t>Shaft</a:t>
+            </a:r>
+            <a:endParaRPr lang="en-US" b="1" dirty="0"/>
+          </a:p>
+        </p:txBody>
+      </p:sp>
+      <p:sp>
+        <p:nvSpPr>
+          <p:cNvPr id="19" name="TextBox 18"/>
+          <p:cNvSpPr txBox="1"/>
+          <p:nvPr/>
+        </p:nvSpPr>
+        <p:spPr>
+          <a:xfrm>
+            <a:off x="6036071" y="5695888"/>
+            <a:ext cx="1066047" cy="400110"/>
+          </a:xfrm>
+          <a:prstGeom prst="rect">
+            <a:avLst/>
+          </a:prstGeom>
+          <a:noFill/>
+        </p:spPr>
+        <p:txBody>
+          <a:bodyPr wrap="square" rtlCol="0">
+            <a:spAutoFit/>
+          </a:bodyPr>
+          <a:lstStyle/>
+          <a:p>
+            <a:r>
+              <a:rPr lang="en-US" sz="2000" b="1" dirty="0" smtClean="0"/>
+              <a:t>Plastic</a:t>
+            </a:r>
+          </a:p>
+        </p:txBody>
+      </p:sp>
+      <p:cxnSp>
+        <p:nvCxnSpPr>
+          <p:cNvPr id="27" name="Straight Arrow Connector 26"/>
+          <p:cNvCxnSpPr/>
+          <p:nvPr/>
+        </p:nvCxnSpPr>
+        <p:spPr>
+          <a:xfrm flipH="1" flipV="1">
+            <a:off x="5198709" y="5047761"/>
+            <a:ext cx="776592" cy="649532"/>
+          </a:xfrm>
+          <a:prstGeom prst="straightConnector1">
+            <a:avLst/>
+          </a:prstGeom>
+          <a:ln>
+            <a:tailEnd type="arrow"/>
+          </a:ln>
+        </p:spPr>
+        <p:style>
+          <a:lnRef idx="3">
+            <a:schemeClr val="accent6"/>
+          </a:lnRef>
+          <a:fillRef idx="0">
+            <a:schemeClr val="accent6"/>
+          </a:fillRef>
+          <a:effectRef idx="2">
+            <a:schemeClr val="accent6"/>
+          </a:effectRef>
+          <a:fontRef idx="minor">
+            <a:schemeClr val="tx1"/>
+          </a:fontRef>
+        </p:style>
+      </p:cxnSp>
+    </p:spTree>
+    <p:extLst>
+      <p:ext uri="{BB962C8B-B14F-4D97-AF65-F5344CB8AC3E}">
+        <p14:creationId xmlns:p14="http://schemas.microsoft.com/office/powerpoint/2010/main" val="3504341958"/>
+      </p:ext>
+    </p:extLst>
+  </p:cSld>
+  <p:clrMapOvr>
+    <a:masterClrMapping/>
+  </p:clrMapOvr>
+  <p:timing>
+    <p:tnLst>
+      <p:par>
+        <p:cTn id="1" dur="indefinite" restart="never" nodeType="tmRoot"/>
+      </p:par>
+    </p:tnLst>
+  </p:timing>
+</p:sld>
+</file>
+
+<file path=ppt/slides/slide23.xml><?xml version="1.0" encoding="utf-8"?>
+<p:sld xmlns:a="http://schemas.openxmlformats.org/drawingml/2006/main" xmlns:r="http://schemas.openxmlformats.org/officeDocument/2006/relationships" xmlns:p="http://schemas.openxmlformats.org/presentationml/2006/main">
+  <p:cSld>
+    <p:spTree>
+      <p:nvGrpSpPr>
+        <p:cNvPr id="1" name=""/>
+        <p:cNvGrpSpPr/>
+        <p:nvPr/>
+      </p:nvGrpSpPr>
+      <p:grpSpPr>
+        <a:xfrm>
+          <a:off x="0" y="0"/>
+          <a:ext cx="0" cy="0"/>
+          <a:chOff x="0" y="0"/>
+          <a:chExt cx="0" cy="0"/>
+        </a:xfrm>
+      </p:grpSpPr>
+      <p:sp>
+        <p:nvSpPr>
+          <p:cNvPr id="41986" name="Rectangle 2"/>
+          <p:cNvSpPr>
+            <a:spLocks noGrp="1" noChangeArrowheads="1"/>
+          </p:cNvSpPr>
+          <p:nvPr>
+            <p:ph type="title"/>
+          </p:nvPr>
+        </p:nvSpPr>
+        <p:spPr/>
+        <p:txBody>
+          <a:bodyPr/>
+          <a:lstStyle/>
+          <a:p>
+            <a:r>
+              <a:rPr lang="en-US" sz="4000" dirty="0" smtClean="0">
+                <a:cs typeface="Times New Roman" pitchFamily="18" charset="0"/>
+              </a:rPr>
+              <a:t>Design</a:t>
+            </a:r>
+            <a:endParaRPr lang="en-US" sz="4000" dirty="0"/>
+          </a:p>
+        </p:txBody>
+      </p:sp>
+      <p:sp>
+        <p:nvSpPr>
+          <p:cNvPr id="41987" name="Rectangle 3"/>
+          <p:cNvSpPr>
+            <a:spLocks noGrp="1" noChangeArrowheads="1"/>
+          </p:cNvSpPr>
+          <p:nvPr>
+            <p:ph type="body" idx="1"/>
+          </p:nvPr>
+        </p:nvSpPr>
+        <p:spPr>
+          <a:xfrm>
+            <a:off x="436491" y="1828800"/>
+            <a:ext cx="8382000" cy="4648200"/>
+          </a:xfrm>
+        </p:spPr>
+        <p:txBody>
+          <a:bodyPr/>
+          <a:lstStyle/>
+          <a:p>
+            <a:r>
+              <a:rPr lang="en-US" sz="3200" b="1" dirty="0" smtClean="0">
+                <a:solidFill>
+                  <a:schemeClr val="accent5">
+                    <a:lumMod val="10000"/>
+                  </a:schemeClr>
+                </a:solidFill>
+                <a:latin typeface="Arial" pitchFamily="34" charset="0"/>
+                <a:cs typeface="Arial" pitchFamily="34" charset="0"/>
+              </a:rPr>
+              <a:t>Schematic, PCB </a:t>
+            </a:r>
+            <a:r>
+              <a:rPr lang="en-US" sz="3200" b="1" dirty="0" smtClean="0">
+                <a:solidFill>
+                  <a:schemeClr val="accent5">
+                    <a:lumMod val="10000"/>
+                  </a:schemeClr>
+                </a:solidFill>
+                <a:latin typeface="Arial" pitchFamily="34" charset="0"/>
+                <a:cs typeface="Arial" pitchFamily="34" charset="0"/>
+              </a:rPr>
+              <a:t>Design</a:t>
+            </a:r>
+            <a:endParaRPr lang="en-US" sz="3200" b="1" dirty="0" smtClean="0">
+              <a:solidFill>
+                <a:schemeClr val="accent5">
+                  <a:lumMod val="10000"/>
+                </a:schemeClr>
+              </a:solidFill>
+              <a:latin typeface="Arial" pitchFamily="34" charset="0"/>
+              <a:cs typeface="Arial" pitchFamily="34" charset="0"/>
+            </a:endParaRPr>
+          </a:p>
+        </p:txBody>
+      </p:sp>
+      <p:sp>
+        <p:nvSpPr>
+          <p:cNvPr id="2" name="AutoShape 2" descr="data:image/jpeg;base64,/9j/4AAQSkZJRgABAQAAAQABAAD/2wCEAAkGBxQSEhQUEhQWFhQVGBYYFBcVFxcXGhkWFRYYFiAXGBoYHSggGBonGxUYIjEhJSorMC4uFx8zODMsNyotLisBCgoKDg0OGxAQGiskHSUrLy8yNDI0LCs3Nyw3LSwwLCssLiwyNzcwLSwsMDQ1NywsLDQvNSwyLDQ3LCwsLCwsLP/AABEIAKAAoAMBIgACEQEDEQH/xAAcAAEAAAcBAAAAAAAAAAAAAAAAAQIEBQYHCAP/xAA/EAABAwIEAwQGCAQGAwAAAAABAAIDBBEFEiFBBjFRBxMiYTJxgZGhsRQjM0JSYsHwQ3LR4RUkc6Ky8TREgv/EABkBAQADAQEAAAAAAAAAAAAAAAABAgMFBP/EACoRAAIBAwMDAgYDAAAAAAAAAAABAgMEERIhMUFRcROBYaGxwdHhIiMz/9oADAMBAAIRAxEAPwDeKIiAIiIAiIgCIiAKF0K0h2tdp2bPR0LtNWzzNPPYxxkfFw9Q8gNy4fiUU7S6GRkjWuLCWODgHNNiNN7qrXJvAvGE2GT95H4o3WE0V7B7RuOjhrYrp/AMchrIGT07szHe8HdrhsQpwC5oiKAEREAREQBERAEREAREQBERAFC6g4rRvax2md5npKJ3g1E0zT6W3ds8up/prOAT9rXabnz0dC/w6tnmafS2LIyNurvctMr1ZH19ym7sK6iDxCybgTjOXDJ+8Z4on276K9g8DcdHDYqwCMdFLIzRTgHYOCYxFVwsmgeHxv5EbHoRsR0VwXJ/AXGk2Fz52eOJ5AmiJsHAbtP3XgHmun8BxqGshZPA8OjeNDuDu1w2cNws2gXFERQAiIgCIiAIiIAiIgClcULlontW7TO+zUlE76rVssrf4n5Gfk6ne6IE3ax2md7mpKJ/1erZpmn0+rGEfd6uHO+i1PFFufZ5KeKHc89h0VbTUpdc3s0ek48vV6/JapYLQhKctMUUgYqqlw2WT7ON7rc8rSfkrlhro2yxjJ4C4Znu5lt7HLfQfFZjxDTPa2ZsTaV8TPSDHZ5BGNy4k5Ommq99G2c8LjyTOVClLTJtv4ceMvr7GDP4cqQLmGT2McffYaK3OpyNN1sukrI5aSeRzIwxgAjjhb9ZE8k5HulPiLDlO59ix5tVMYe8lyTRB2QiVwLwbXGvpge/klW0qRWyzgtCdvNtZcfn9DEXwq/8CcYzYXPmYM8T7d9FewcBu3o8DkV6z4Y2RpkpyTYXfE7V7B1BHpt89lYpoP30Xh05Qq0pU+eDrPA8Yhq4WzQPD43jQ7jyI2I6K4LlfgTjKXC5i5oL4Xkd9FewcB95vR4268iumcGxeKqhZNA7PG/kR8QehCyawZFeiIoAREQBERAFK51v7o91tdhzWhu1btK+kZqSjd9RqJZRzl/IzozTU736ICbtX7TO+zUlG76nVssoP2h/Az8mmp39muroIbann8l5048R8gFVAq8SCopKfObXsLEuPQDmf31CzKThhskbmR587BEGXs2IvlucrS6xc7KBqOh05K18O0EL2PbPIYg5mfOLaBpsAevMmw6BZJPDIyFzp8tXDGQ6OZkxaRlLW5RzIzC2nxO3VtaUXHL9iLus6SVKL3fP2XhdUYhVPIYI5e872M5GhzvCxg5tykelmPVXKl4gEUbmwwhkj2tZI/MXNc1pB9Bw5ki5N1asSrDNI+R1gXkuIHLU7XVIArTuPTlpRlo1L+RkmKcTd7E6JkTIhK4Pmyk+N7bWNjo31DRWqeTvcgbE1pY3Ke7abut953nrb2hUSuWA4xJSTNmiPiHMbOG7T5Fa0rnW8YGhRWxldLQxUFMDUsDqp5JhY24kZmblu9w5C+trdee2KY3ACc7W5CdJWWtkePLYGxNttVkNTgb6uSKYB5ZMO8nfcODA550aTbVrW2ynovHF6gPjhjdM2eRwkJkbe4DrODXg6k3uQfNwtoouaUHDUnv1/BpYVlKfoS31edn09mYJPD/ZX3gPjOXC5y4Avhfbvor+lbk5uwePj7FbSOqo6qOw+S40jRprk62wfFoqqJk0Dw+N4u0j5HoRuFXLlrs/42lwyYkAvgkI76K/PbOy+gfb32F9l0xhGKRVMTZoXh8bxdrh8j0I6LNkFaiIoAUCoogNOdvmP1cLI4GNyU0wdnkadXuHOI6eAW189ehWixIuwOKsBirqaSnmHheNDu1w5Pb5grkziXApaGokp5hZ7Dz2c08nt8iFKB50Z5qpCpaPkfWqkFGyY7tIudY6zrfhDQPY0fqkdc4MdGCQ1xaXDqWZre7MVLX/AGjvOx94BXiFtSrSisJmt2k60vLJ7qJK8wVOozlmBG6ZlKSoK8ZOPAKhtQ4NLQ45XaltzY2va43tcpTy2e09CD7ivC69aNmZ7B1cPmrVK85Rw2a20f7Y47omrm2keOjiPcVRVJ8JVVWSZnuPUk/FUdWfCV5VwWuP9ZY7soFlXZ/x3Jhkx0L4Hkd7GDbyzs2Dx033WHyPXthWGy1MrYYGF8jzZrR8z0HUqWYnYeE4lFURMmheHxvF2uG/9COirVhvZlwX/hdM6N0hkklcHy88jXWtZg9XN2/uWZKoCIiAhZYF2s8DDEqfPGP81CCYvzt5mI+u1x0PrKz5QsgOJwSwnmCDYg6G42I2VdFJm/VbX7dOBcpOIU7fCf8AymgcjtKB0PJ3sO5Wn6N2p96sC/1BzNjf1GU/zNsPkQV4ApQSA3jcbB1rH8LhcA+rUgo9haSHCxHMfvZKa3wequtaVVdefJEKe6yTA6WB1JK6paWsa9ojkj+0L3c22Phc0CxsferXVYZlh79rw6MyGNlwWuNm5s+XWwtt8V1Y2bxsc31o5wy3FQWQScMub9IBe3NBGySzRmzNf57W9RU+I4aySkjqIG5cn1VQNdH8w/XqDr0R2bxkhXEO5jiq8P0Dn/hFh/M64H9VTQxF7g1vM/vU7L2rphYMYbtbv+Jx5n9/qubUWHpOpbL0060unHn9FK4qmrHi1r6qaaYNHnsFcuDOD58UmLY/DG23eykXawHbzd0CoeVtt5ZbeHeHZ6+cQ07czj6RPosb1cdgul+AuBoMMiys8czgO9mIsXEbN/C3y+auPCvDUFBCIadthpmcfSeR95x3PyV6sobIIoiKAEREAREQEk0Qe0tcAWuBDgdQQRYg+Vly72l8Euwupsy5p5bugcdbWteMnqL+0epdSqzcV8PRV9M+nmGjvRda5Y8cnj1fHVEDkxj7q5wVTXANk0sPC8akeRG4VBj2EzUVRJTzCz4za45OB1Dm9QRqpGFaLnJpTquHjsZhj1Zmgp4oge6haSXXBBkda7tOXLQkDmfbcKyv+j0VGwRxvziR7hI3MLkgAjxaGxOywilqnMPhcW+o2VcMUfuGG/VjfibaroU7xrnco7e3eNLcd845+eTPMSxNkVZFLKLRz0wDhY6BzbaaHcK100baWKW04cZmZbBv1YHV2b0nW2aNOqxf/FX7ZW/ytaD77KmlnLjdxJPU3KvK9eMRKU7W2p7OTl7YXwz1KuarDQWRaA+k483f0HkrZPNblz+S856i3JZ72Y9mb64tqKq7KXm0cnTer8LPPfbquZLnJvVrSqPfpwuxbezzgCbE353Ex0zTZ8ltXkc2R35nz5DzPLpDCMKipomwwMDI28gPmep81UUlK2JjWRtDWNADWtFgANgF7KjZkERFACIiAIiIAiIgCgQoPeALk2HU6K3T4/TM9KeP2OB+V0BifazwKMQg7yIf5qEHJb+I3mYz15XHQ+srmyN9tD/15Ls6GQPaHNILXAEEbgrRfbrwY2J30+EANe4Nnby+sdyeOt9x7eqlMGq84UwlVGCgV8grRMvKap0+a8CVkXA2OU1FP31TTGosB3YzBuR19XZSCHnlblaxUZBn/Zh2VGTLVV7bM0McBGrvzSdB0bvzK3kxoAAAsBoAOgWrKTtzoHenFUM6ktY4f7XX+CvFN2u4W82+kFv88b2/EhVYM9RUOD4tDVRiWnkEkZJAc29iRobX81XKAEREAREQBERAEREBovGZCZpe8JcQ94Jcb8nEW+HJW+nyNbZjQGjyP6q6cWsyVc4A/iOPv8R+atDwR6Nrb6c7AD32WTBtig4igo8LhnqHhrWxgW3c4G2Vo3OnJc98e8bz4pNmf4ImX7qIG4aDufxPPX2BZjjHAtfiUMEkD2vijEjGxvflyuEjrkaWN9FidZ2a4nFcupHuHWMtePcDf4LVAxVpUVVV2GzQfbQyxf6kb2f8gFS5x1VsgIooQmQSuCkXqAvagoTNNFE3nLIyMet7g39VDB1T2aYd9HwykjtY921zvXJ4/wBVk6kgjDWhrRYNAAHkBYKdQAiIgCIiAIiIAiIgNOdorAytkvYZg12vmAFjLqkakX9g/VbzxHh6nqJBJNGHuAsL35KppMJgit3cMbSORDRf381TTuDHOy6/0M3BA715bfcENNx7SVl4CiiugQsrbWcPUst+8poX35kxsv77XVzRAYbW9l2Fyf8AqtZ/pucz/iVj9f2HULvs5Z4v/prx/ubf4raSIDRtZ2DSD7GtY7ykhLfi15+S9ODuyaqpK+CaZ0T4o3F5LCb5g05RlI6n4Ld1lCyABRUFT2f1G9r/AA/fmgKi6iqUNfe40vbnY/JGh9wT0113QFUiprv+fTqLfC6mhz/e6fFAf//Z"/>
+          <p:cNvSpPr>
+            <a:spLocks noChangeAspect="1" noChangeArrowheads="1"/>
+          </p:cNvSpPr>
+          <p:nvPr/>
+        </p:nvSpPr>
+        <p:spPr bwMode="auto">
+          <a:xfrm>
+            <a:off x="155575" y="-144463"/>
+            <a:ext cx="304800" cy="304801"/>
+          </a:xfrm>
+          <a:prstGeom prst="rect">
+            <a:avLst/>
+          </a:prstGeom>
+          <a:noFill/>
+          <a:extLst>
+            <a:ext uri="{909E8E84-426E-40DD-AFC4-6F175D3DCCD1}">
+              <a14:hiddenFill xmlns:a14="http://schemas.microsoft.com/office/drawing/2010/main">
+                <a:solidFill>
+                  <a:srgbClr val="FFFFFF"/>
+                </a:solidFill>
+              </a14:hiddenFill>
+            </a:ext>
+          </a:extLst>
+        </p:spPr>
+        <p:txBody>
+          <a:bodyPr vert="horz" wrap="square" lIns="91440" tIns="45720" rIns="91440" bIns="45720" numCol="1" anchor="t" anchorCtr="0" compatLnSpc="1">
+            <a:prstTxWarp prst="textNoShape">
+              <a:avLst/>
+            </a:prstTxWarp>
+          </a:bodyPr>
+          <a:lstStyle/>
+          <a:p>
+            <a:endParaRPr lang="en-US"/>
+          </a:p>
+        </p:txBody>
+      </p:sp>
       <p:pic>
         <p:nvPicPr>
-          <p:cNvPr id="80898" name="Picture 2"/>
+          <p:cNvPr id="2050" name="Picture 2"/>
           <p:cNvPicPr>
             <a:picLocks noChangeAspect="1" noChangeArrowheads="1"/>
           </p:cNvPicPr>
@@ -9974,8 +10816,8 @@
         </p:blipFill>
         <p:spPr bwMode="auto">
           <a:xfrm>
-            <a:off x="1933433" y="2362200"/>
-            <a:ext cx="5743575" cy="4365862"/>
+            <a:off x="1480640" y="2362200"/>
+            <a:ext cx="6153150" cy="4286250"/>
           </a:xfrm>
           <a:prstGeom prst="rect">
             <a:avLst/>
@@ -10035,7 +10877,7 @@
 </p:sld>
 </file>
 
-<file path=ppt/slides/slide23.xml><?xml version="1.0" encoding="utf-8"?>
+<file path=ppt/slides/slide24.xml><?xml version="1.0" encoding="utf-8"?>
 <p:sld xmlns:a="http://schemas.openxmlformats.org/drawingml/2006/main" xmlns:r="http://schemas.openxmlformats.org/officeDocument/2006/relationships" xmlns:p="http://schemas.openxmlformats.org/presentationml/2006/main">
   <p:cSld>
     <p:spTree>
@@ -10223,142 +11065,6 @@
 </p:sld>
 </file>
 
-<file path=ppt/slides/slide24.xml><?xml version="1.0" encoding="utf-8"?>
-<p:sld xmlns:a="http://schemas.openxmlformats.org/drawingml/2006/main" xmlns:r="http://schemas.openxmlformats.org/officeDocument/2006/relationships" xmlns:p="http://schemas.openxmlformats.org/presentationml/2006/main">
-  <p:cSld>
-    <p:spTree>
-      <p:nvGrpSpPr>
-        <p:cNvPr id="1" name=""/>
-        <p:cNvGrpSpPr/>
-        <p:nvPr/>
-      </p:nvGrpSpPr>
-      <p:grpSpPr>
-        <a:xfrm>
-          <a:off x="0" y="0"/>
-          <a:ext cx="0" cy="0"/>
-          <a:chOff x="0" y="0"/>
-          <a:chExt cx="0" cy="0"/>
-        </a:xfrm>
-      </p:grpSpPr>
-      <p:sp>
-        <p:nvSpPr>
-          <p:cNvPr id="41986" name="Rectangle 2"/>
-          <p:cNvSpPr>
-            <a:spLocks noGrp="1" noChangeArrowheads="1"/>
-          </p:cNvSpPr>
-          <p:nvPr>
-            <p:ph type="title"/>
-          </p:nvPr>
-        </p:nvSpPr>
-        <p:spPr/>
-        <p:txBody>
-          <a:bodyPr/>
-          <a:lstStyle/>
-          <a:p>
-            <a:r>
-              <a:rPr lang="en-US" sz="4000" dirty="0" smtClean="0">
-                <a:cs typeface="Times New Roman" pitchFamily="18" charset="0"/>
-              </a:rPr>
-              <a:t>Design</a:t>
-            </a:r>
-            <a:endParaRPr lang="en-US" sz="4000" dirty="0"/>
-          </a:p>
-        </p:txBody>
-      </p:sp>
-      <p:sp>
-        <p:nvSpPr>
-          <p:cNvPr id="41987" name="Rectangle 3"/>
-          <p:cNvSpPr>
-            <a:spLocks noGrp="1" noChangeArrowheads="1"/>
-          </p:cNvSpPr>
-          <p:nvPr>
-            <p:ph type="body" idx="1"/>
-          </p:nvPr>
-        </p:nvSpPr>
-        <p:spPr>
-          <a:xfrm>
-            <a:off x="436491" y="1828800"/>
-            <a:ext cx="8382000" cy="4648200"/>
-          </a:xfrm>
-        </p:spPr>
-        <p:txBody>
-          <a:bodyPr/>
-          <a:lstStyle/>
-          <a:p>
-            <a:r>
-              <a:rPr lang="en-US" sz="3200" b="1" dirty="0" smtClean="0">
-                <a:solidFill>
-                  <a:schemeClr val="accent5">
-                    <a:lumMod val="10000"/>
-                  </a:schemeClr>
-                </a:solidFill>
-                <a:latin typeface="Arial" pitchFamily="34" charset="0"/>
-                <a:cs typeface="Arial" pitchFamily="34" charset="0"/>
-              </a:rPr>
-              <a:t>Algorithm</a:t>
-            </a:r>
-          </a:p>
-        </p:txBody>
-      </p:sp>
-      <p:sp>
-        <p:nvSpPr>
-          <p:cNvPr id="2" name="AutoShape 2" descr="data:image/jpeg;base64,/9j/4AAQSkZJRgABAQAAAQABAAD/2wCEAAkGBxQSEhQUEhQWFhQVGBYYFBcVFxcXGhkWFRYYFiAXGBoYHSggGBonGxUYIjEhJSorMC4uFx8zODMsNyotLisBCgoKDg0OGxAQGiskHSUrLy8yNDI0LCs3Nyw3LSwwLCssLiwyNzcwLSwsMDQ1NywsLDQvNSwyLDQ3LCwsLCwsLP/AABEIAKAAoAMBIgACEQEDEQH/xAAcAAEAAAcBAAAAAAAAAAAAAAAAAQIEBQYHCAP/xAA/EAABAwIEAwQGCAQGAwAAAAABAAIDBBEFEiFBBjFRBxMiYTJxgZGhsRQjM0JSYsHwQ3LR4RUkc6Ky8TREgv/EABkBAQADAQEAAAAAAAAAAAAAAAABAgMFBP/EACoRAAIBAwMDAgYDAAAAAAAAAAABAgMEERIhMUFRcROBYaGxwdHhIiMz/9oADAMBAAIRAxEAPwDeKIiAIiIAiIgCIiAKF0K0h2tdp2bPR0LtNWzzNPPYxxkfFw9Q8gNy4fiUU7S6GRkjWuLCWODgHNNiNN7qrXJvAvGE2GT95H4o3WE0V7B7RuOjhrYrp/AMchrIGT07szHe8HdrhsQpwC5oiKAEREAREQBERAEREAREQBERAFC6g4rRvax2md5npKJ3g1E0zT6W3ds8up/prOAT9rXabnz0dC/w6tnmafS2LIyNurvctMr1ZH19ym7sK6iDxCybgTjOXDJ+8Z4on276K9g8DcdHDYqwCMdFLIzRTgHYOCYxFVwsmgeHxv5EbHoRsR0VwXJ/AXGk2Fz52eOJ5AmiJsHAbtP3XgHmun8BxqGshZPA8OjeNDuDu1w2cNws2gXFERQAiIgCIiAIiIAiIgClcULlontW7TO+zUlE76rVssrf4n5Gfk6ne6IE3ax2md7mpKJ/1erZpmn0+rGEfd6uHO+i1PFFufZ5KeKHc89h0VbTUpdc3s0ek48vV6/JapYLQhKctMUUgYqqlw2WT7ON7rc8rSfkrlhro2yxjJ4C4Znu5lt7HLfQfFZjxDTPa2ZsTaV8TPSDHZ5BGNy4k5Ommq99G2c8LjyTOVClLTJtv4ceMvr7GDP4cqQLmGT2McffYaK3OpyNN1sukrI5aSeRzIwxgAjjhb9ZE8k5HulPiLDlO59ix5tVMYe8lyTRB2QiVwLwbXGvpge/klW0qRWyzgtCdvNtZcfn9DEXwq/8CcYzYXPmYM8T7d9FewcBu3o8DkV6z4Y2RpkpyTYXfE7V7B1BHpt89lYpoP30Xh05Qq0pU+eDrPA8Yhq4WzQPD43jQ7jyI2I6K4LlfgTjKXC5i5oL4Xkd9FewcB95vR4268iumcGxeKqhZNA7PG/kR8QehCyawZFeiIoAREQBERAFK51v7o91tdhzWhu1btK+kZqSjd9RqJZRzl/IzozTU736ICbtX7TO+zUlG76nVssoP2h/Az8mmp39muroIbann8l5048R8gFVAq8SCopKfObXsLEuPQDmf31CzKThhskbmR587BEGXs2IvlucrS6xc7KBqOh05K18O0EL2PbPIYg5mfOLaBpsAevMmw6BZJPDIyFzp8tXDGQ6OZkxaRlLW5RzIzC2nxO3VtaUXHL9iLus6SVKL3fP2XhdUYhVPIYI5e872M5GhzvCxg5tykelmPVXKl4gEUbmwwhkj2tZI/MXNc1pB9Bw5ki5N1asSrDNI+R1gXkuIHLU7XVIArTuPTlpRlo1L+RkmKcTd7E6JkTIhK4Pmyk+N7bWNjo31DRWqeTvcgbE1pY3Ke7abut953nrb2hUSuWA4xJSTNmiPiHMbOG7T5Fa0rnW8YGhRWxldLQxUFMDUsDqp5JhY24kZmblu9w5C+trdee2KY3ACc7W5CdJWWtkePLYGxNttVkNTgb6uSKYB5ZMO8nfcODA550aTbVrW2ynovHF6gPjhjdM2eRwkJkbe4DrODXg6k3uQfNwtoouaUHDUnv1/BpYVlKfoS31edn09mYJPD/ZX3gPjOXC5y4Avhfbvor+lbk5uwePj7FbSOqo6qOw+S40jRprk62wfFoqqJk0Dw+N4u0j5HoRuFXLlrs/42lwyYkAvgkI76K/PbOy+gfb32F9l0xhGKRVMTZoXh8bxdrh8j0I6LNkFaiIoAUCoogNOdvmP1cLI4GNyU0wdnkadXuHOI6eAW189ehWixIuwOKsBirqaSnmHheNDu1w5Pb5grkziXApaGokp5hZ7Dz2c08nt8iFKB50Z5qpCpaPkfWqkFGyY7tIudY6zrfhDQPY0fqkdc4MdGCQ1xaXDqWZre7MVLX/AGjvOx94BXiFtSrSisJmt2k60vLJ7qJK8wVOozlmBG6ZlKSoK8ZOPAKhtQ4NLQ45XaltzY2va43tcpTy2e09CD7ivC69aNmZ7B1cPmrVK85Rw2a20f7Y47omrm2keOjiPcVRVJ8JVVWSZnuPUk/FUdWfCV5VwWuP9ZY7soFlXZ/x3Jhkx0L4Hkd7GDbyzs2Dx033WHyPXthWGy1MrYYGF8jzZrR8z0HUqWYnYeE4lFURMmheHxvF2uG/9COirVhvZlwX/hdM6N0hkklcHy88jXWtZg9XN2/uWZKoCIiAhZYF2s8DDEqfPGP81CCYvzt5mI+u1x0PrKz5QsgOJwSwnmCDYg6G42I2VdFJm/VbX7dOBcpOIU7fCf8AymgcjtKB0PJ3sO5Wn6N2p96sC/1BzNjf1GU/zNsPkQV4ApQSA3jcbB1rH8LhcA+rUgo9haSHCxHMfvZKa3wequtaVVdefJEKe6yTA6WB1JK6paWsa9ojkj+0L3c22Phc0CxsferXVYZlh79rw6MyGNlwWuNm5s+XWwtt8V1Y2bxsc31o5wy3FQWQScMub9IBe3NBGySzRmzNf57W9RU+I4aySkjqIG5cn1VQNdH8w/XqDr0R2bxkhXEO5jiq8P0Dn/hFh/M64H9VTQxF7g1vM/vU7L2rphYMYbtbv+Jx5n9/qubUWHpOpbL0060unHn9FK4qmrHi1r6qaaYNHnsFcuDOD58UmLY/DG23eykXawHbzd0CoeVtt5ZbeHeHZ6+cQ07czj6RPosb1cdgul+AuBoMMiys8czgO9mIsXEbN/C3y+auPCvDUFBCIadthpmcfSeR95x3PyV6sobIIoiKAEREAREQEk0Qe0tcAWuBDgdQQRYg+Vly72l8Euwupsy5p5bugcdbWteMnqL+0epdSqzcV8PRV9M+nmGjvRda5Y8cnj1fHVEDkxj7q5wVTXANk0sPC8akeRG4VBj2EzUVRJTzCz4za45OB1Dm9QRqpGFaLnJpTquHjsZhj1Zmgp4oge6haSXXBBkda7tOXLQkDmfbcKyv+j0VGwRxvziR7hI3MLkgAjxaGxOywilqnMPhcW+o2VcMUfuGG/VjfibaroU7xrnco7e3eNLcd845+eTPMSxNkVZFLKLRz0wDhY6BzbaaHcK100baWKW04cZmZbBv1YHV2b0nW2aNOqxf/FX7ZW/ytaD77KmlnLjdxJPU3KvK9eMRKU7W2p7OTl7YXwz1KuarDQWRaA+k483f0HkrZPNblz+S856i3JZ72Y9mb64tqKq7KXm0cnTer8LPPfbquZLnJvVrSqPfpwuxbezzgCbE353Ex0zTZ8ltXkc2R35nz5DzPLpDCMKipomwwMDI28gPmep81UUlK2JjWRtDWNADWtFgANgF7KjZkERFACIiAIiIAiIgCgQoPeALk2HU6K3T4/TM9KeP2OB+V0BifazwKMQg7yIf5qEHJb+I3mYz15XHQ+srmyN9tD/15Ls6GQPaHNILXAEEbgrRfbrwY2J30+EANe4Nnby+sdyeOt9x7eqlMGq84UwlVGCgV8grRMvKap0+a8CVkXA2OU1FP31TTGosB3YzBuR19XZSCHnlblaxUZBn/Zh2VGTLVV7bM0McBGrvzSdB0bvzK3kxoAAAsBoAOgWrKTtzoHenFUM6ktY4f7XX+CvFN2u4W82+kFv88b2/EhVYM9RUOD4tDVRiWnkEkZJAc29iRobX81XKAEREAREQBERAEREBovGZCZpe8JcQ94Jcb8nEW+HJW+nyNbZjQGjyP6q6cWsyVc4A/iOPv8R+atDwR6Nrb6c7AD32WTBtig4igo8LhnqHhrWxgW3c4G2Vo3OnJc98e8bz4pNmf4ImX7qIG4aDufxPPX2BZjjHAtfiUMEkD2vijEjGxvflyuEjrkaWN9FidZ2a4nFcupHuHWMtePcDf4LVAxVpUVVV2GzQfbQyxf6kb2f8gFS5x1VsgIooQmQSuCkXqAvagoTNNFE3nLIyMet7g39VDB1T2aYd9HwykjtY921zvXJ4/wBVk6kgjDWhrRYNAAHkBYKdQAiIgCIiAIiIAiIgNOdorAytkvYZg12vmAFjLqkakX9g/VbzxHh6nqJBJNGHuAsL35KppMJgit3cMbSORDRf381TTuDHOy6/0M3BA715bfcENNx7SVl4CiiugQsrbWcPUst+8poX35kxsv77XVzRAYbW9l2Fyf8AqtZ/pucz/iVj9f2HULvs5Z4v/prx/ubf4raSIDRtZ2DSD7GtY7ykhLfi15+S9ODuyaqpK+CaZ0T4o3F5LCb5g05RlI6n4Ld1lCyABRUFT2f1G9r/AA/fmgKi6iqUNfe40vbnY/JGh9wT0113QFUiprv+fTqLfC6mhz/e6fFAf//Z"/>
-          <p:cNvSpPr>
-            <a:spLocks noChangeAspect="1" noChangeArrowheads="1"/>
-          </p:cNvSpPr>
-          <p:nvPr/>
-        </p:nvSpPr>
-        <p:spPr bwMode="auto">
-          <a:xfrm>
-            <a:off x="155575" y="-144463"/>
-            <a:ext cx="304800" cy="304801"/>
-          </a:xfrm>
-          <a:prstGeom prst="rect">
-            <a:avLst/>
-          </a:prstGeom>
-          <a:noFill/>
-          <a:extLst>
-            <a:ext uri="{909E8E84-426E-40DD-AFC4-6F175D3DCCD1}">
-              <a14:hiddenFill xmlns:a14="http://schemas.microsoft.com/office/drawing/2010/main">
-                <a:solidFill>
-                  <a:srgbClr val="FFFFFF"/>
-                </a:solidFill>
-              </a14:hiddenFill>
-            </a:ext>
-          </a:extLst>
-        </p:spPr>
-        <p:txBody>
-          <a:bodyPr vert="horz" wrap="square" lIns="91440" tIns="45720" rIns="91440" bIns="45720" numCol="1" anchor="t" anchorCtr="0" compatLnSpc="1">
-            <a:prstTxWarp prst="textNoShape">
-              <a:avLst/>
-            </a:prstTxWarp>
-          </a:bodyPr>
-          <a:lstStyle/>
-          <a:p>
-            <a:endParaRPr lang="en-US"/>
-          </a:p>
-        </p:txBody>
-      </p:sp>
-    </p:spTree>
-    <p:extLst>
-      <p:ext uri="{BB962C8B-B14F-4D97-AF65-F5344CB8AC3E}">
-        <p14:creationId xmlns:p14="http://schemas.microsoft.com/office/powerpoint/2010/main" val="2826243306"/>
-      </p:ext>
-    </p:extLst>
-  </p:cSld>
-  <p:clrMapOvr>
-    <a:masterClrMapping/>
-  </p:clrMapOvr>
-  <p:timing>
-    <p:tnLst>
-      <p:par>
-        <p:cTn id="1" dur="indefinite" restart="never" nodeType="tmRoot"/>
-      </p:par>
-    </p:tnLst>
-  </p:timing>
-</p:sld>
-</file>
-
 <file path=ppt/slides/slide25.xml><?xml version="1.0" encoding="utf-8"?>
 <p:sld xmlns:a="http://schemas.openxmlformats.org/drawingml/2006/main" xmlns:r="http://schemas.openxmlformats.org/officeDocument/2006/relationships" xmlns:p="http://schemas.openxmlformats.org/presentationml/2006/main">
   <p:cSld>
@@ -10395,7 +11101,7 @@
               <a:rPr lang="en-US" sz="4000" dirty="0" smtClean="0">
                 <a:cs typeface="Times New Roman" pitchFamily="18" charset="0"/>
               </a:rPr>
-              <a:t>Implementation</a:t>
+              <a:t>Design</a:t>
             </a:r>
             <a:endParaRPr lang="en-US" sz="4000" dirty="0"/>
           </a:p>
@@ -10431,7 +11137,7 @@
                 <a:latin typeface="Arial" pitchFamily="34" charset="0"/>
                 <a:cs typeface="Arial" pitchFamily="34" charset="0"/>
               </a:rPr>
-              <a:t>Mechanical</a:t>
+              <a:t>Algorithm</a:t>
             </a:r>
           </a:p>
         </p:txBody>
@@ -10478,7 +11184,7 @@
     </p:spTree>
     <p:extLst>
       <p:ext uri="{BB962C8B-B14F-4D97-AF65-F5344CB8AC3E}">
-        <p14:creationId xmlns:p14="http://schemas.microsoft.com/office/powerpoint/2010/main" val="2857697826"/>
+        <p14:creationId xmlns:p14="http://schemas.microsoft.com/office/powerpoint/2010/main" val="2826243306"/>
       </p:ext>
     </p:extLst>
   </p:cSld>
@@ -10567,8 +11273,17 @@
                 <a:latin typeface="Arial" pitchFamily="34" charset="0"/>
                 <a:cs typeface="Arial" pitchFamily="34" charset="0"/>
               </a:rPr>
-              <a:t>Board</a:t>
-            </a:r>
+              <a:t>Mechanical</a:t>
+            </a:r>
+            <a:endParaRPr lang="en-US" sz="3200" b="1" dirty="0" smtClean="0">
+              <a:solidFill>
+                <a:schemeClr val="accent5">
+                  <a:lumMod val="10000"/>
+                </a:schemeClr>
+              </a:solidFill>
+              <a:latin typeface="Arial" pitchFamily="34" charset="0"/>
+              <a:cs typeface="Arial" pitchFamily="34" charset="0"/>
+            </a:endParaRPr>
           </a:p>
         </p:txBody>
       </p:sp>
@@ -10611,10 +11326,280 @@
           </a:p>
         </p:txBody>
       </p:sp>
+      <p:pic>
+        <p:nvPicPr>
+          <p:cNvPr id="5" name="Picture 4" descr="dc-motor"/>
+          <p:cNvPicPr/>
+          <p:nvPr/>
+        </p:nvPicPr>
+        <p:blipFill>
+          <a:blip r:embed="rId2"/>
+          <a:srcRect/>
+          <a:stretch>
+            <a:fillRect/>
+          </a:stretch>
+        </p:blipFill>
+        <p:spPr bwMode="auto">
+          <a:xfrm>
+            <a:off x="3505200" y="2063233"/>
+            <a:ext cx="3352800" cy="2751702"/>
+          </a:xfrm>
+          <a:prstGeom prst="rect">
+            <a:avLst/>
+          </a:prstGeom>
+          <a:noFill/>
+          <a:ln w="9525">
+            <a:noFill/>
+            <a:miter lim="800000"/>
+            <a:headEnd/>
+            <a:tailEnd/>
+          </a:ln>
+        </p:spPr>
+      </p:pic>
+      <p:pic>
+        <p:nvPicPr>
+          <p:cNvPr id="6" name="Picture 5"/>
+          <p:cNvPicPr/>
+          <p:nvPr/>
+        </p:nvPicPr>
+        <p:blipFill>
+          <a:blip r:embed="rId3"/>
+          <a:srcRect/>
+          <a:stretch>
+            <a:fillRect/>
+          </a:stretch>
+        </p:blipFill>
+        <p:spPr bwMode="auto">
+          <a:xfrm>
+            <a:off x="6983790" y="2224629"/>
+            <a:ext cx="1938831" cy="1591205"/>
+          </a:xfrm>
+          <a:prstGeom prst="rect">
+            <a:avLst/>
+          </a:prstGeom>
+          <a:noFill/>
+          <a:ln w="9525">
+            <a:noFill/>
+            <a:miter lim="800000"/>
+            <a:headEnd/>
+            <a:tailEnd/>
+          </a:ln>
+        </p:spPr>
+      </p:pic>
+      <p:pic>
+        <p:nvPicPr>
+          <p:cNvPr id="7" name="Picture 6" descr="Nut"/>
+          <p:cNvPicPr/>
+          <p:nvPr/>
+        </p:nvPicPr>
+        <p:blipFill>
+          <a:blip r:embed="rId4"/>
+          <a:srcRect/>
+          <a:stretch>
+            <a:fillRect/>
+          </a:stretch>
+        </p:blipFill>
+        <p:spPr bwMode="auto">
+          <a:xfrm>
+            <a:off x="1027806" y="2733251"/>
+            <a:ext cx="1348660" cy="1360231"/>
+          </a:xfrm>
+          <a:prstGeom prst="rect">
+            <a:avLst/>
+          </a:prstGeom>
+          <a:noFill/>
+          <a:ln w="9525">
+            <a:noFill/>
+            <a:miter lim="800000"/>
+            <a:headEnd/>
+            <a:tailEnd/>
+          </a:ln>
+        </p:spPr>
+      </p:pic>
+      <p:pic>
+        <p:nvPicPr>
+          <p:cNvPr id="8" name="Picture 7" descr="Bolt"/>
+          <p:cNvPicPr/>
+          <p:nvPr/>
+        </p:nvPicPr>
+        <p:blipFill>
+          <a:blip r:embed="rId5"/>
+          <a:srcRect/>
+          <a:stretch>
+            <a:fillRect/>
+          </a:stretch>
+        </p:blipFill>
+        <p:spPr bwMode="auto">
+          <a:xfrm>
+            <a:off x="2254534" y="5078421"/>
+            <a:ext cx="1025295" cy="1062429"/>
+          </a:xfrm>
+          <a:prstGeom prst="rect">
+            <a:avLst/>
+          </a:prstGeom>
+          <a:noFill/>
+          <a:ln w="9525">
+            <a:noFill/>
+            <a:miter lim="800000"/>
+            <a:headEnd/>
+            <a:tailEnd/>
+          </a:ln>
+        </p:spPr>
+      </p:pic>
+      <p:pic>
+        <p:nvPicPr>
+          <p:cNvPr id="9" name="Picture 8" descr="Springs"/>
+          <p:cNvPicPr/>
+          <p:nvPr/>
+        </p:nvPicPr>
+        <p:blipFill>
+          <a:blip r:embed="rId6" cstate="print"/>
+          <a:srcRect/>
+          <a:stretch>
+            <a:fillRect/>
+          </a:stretch>
+        </p:blipFill>
+        <p:spPr bwMode="auto">
+          <a:xfrm>
+            <a:off x="7168831" y="4814935"/>
+            <a:ext cx="1648512" cy="1170177"/>
+          </a:xfrm>
+          <a:prstGeom prst="rect">
+            <a:avLst/>
+          </a:prstGeom>
+          <a:noFill/>
+          <a:ln w="9525">
+            <a:noFill/>
+            <a:miter lim="800000"/>
+            <a:headEnd/>
+            <a:tailEnd/>
+          </a:ln>
+        </p:spPr>
+      </p:pic>
+      <p:sp>
+        <p:nvSpPr>
+          <p:cNvPr id="10" name="TextBox 9"/>
+          <p:cNvSpPr txBox="1"/>
+          <p:nvPr/>
+        </p:nvSpPr>
+        <p:spPr>
+          <a:xfrm>
+            <a:off x="4572000" y="4991766"/>
+            <a:ext cx="1780231" cy="369332"/>
+          </a:xfrm>
+          <a:prstGeom prst="rect">
+            <a:avLst/>
+          </a:prstGeom>
+          <a:noFill/>
+        </p:spPr>
+        <p:txBody>
+          <a:bodyPr wrap="square" rtlCol="0">
+            <a:spAutoFit/>
+          </a:bodyPr>
+          <a:lstStyle/>
+          <a:p>
+            <a:pPr lvl="0"/>
+            <a:r>
+              <a:rPr lang="en-US" dirty="0"/>
+              <a:t>Motor</a:t>
+            </a:r>
+          </a:p>
+        </p:txBody>
+      </p:sp>
+      <p:sp>
+        <p:nvSpPr>
+          <p:cNvPr id="11" name="TextBox 10"/>
+          <p:cNvSpPr txBox="1"/>
+          <p:nvPr/>
+        </p:nvSpPr>
+        <p:spPr>
+          <a:xfrm>
+            <a:off x="7070766" y="3954983"/>
+            <a:ext cx="1780231" cy="646331"/>
+          </a:xfrm>
+          <a:prstGeom prst="rect">
+            <a:avLst/>
+          </a:prstGeom>
+          <a:noFill/>
+        </p:spPr>
+        <p:txBody>
+          <a:bodyPr wrap="square" rtlCol="0">
+            <a:spAutoFit/>
+          </a:bodyPr>
+          <a:lstStyle/>
+          <a:p>
+            <a:pPr lvl="0"/>
+            <a:r>
+              <a:rPr lang="en-US" dirty="0"/>
+              <a:t>Rolling-element bearing</a:t>
+            </a:r>
+          </a:p>
+        </p:txBody>
+      </p:sp>
+      <p:sp>
+        <p:nvSpPr>
+          <p:cNvPr id="12" name="TextBox 11"/>
+          <p:cNvSpPr txBox="1"/>
+          <p:nvPr/>
+        </p:nvSpPr>
+        <p:spPr>
+          <a:xfrm>
+            <a:off x="986951" y="4091752"/>
+            <a:ext cx="1780231" cy="369332"/>
+          </a:xfrm>
+          <a:prstGeom prst="rect">
+            <a:avLst/>
+          </a:prstGeom>
+          <a:noFill/>
+        </p:spPr>
+        <p:txBody>
+          <a:bodyPr wrap="square" rtlCol="0">
+            <a:spAutoFit/>
+          </a:bodyPr>
+          <a:lstStyle/>
+          <a:p>
+            <a:pPr lvl="0"/>
+            <a:r>
+              <a:rPr lang="en-US" dirty="0"/>
+              <a:t>Nut and bolt</a:t>
+            </a:r>
+          </a:p>
+        </p:txBody>
+      </p:sp>
+      <p:sp>
+        <p:nvSpPr>
+          <p:cNvPr id="13" name="TextBox 12"/>
+          <p:cNvSpPr txBox="1"/>
+          <p:nvPr/>
+        </p:nvSpPr>
+        <p:spPr>
+          <a:xfrm>
+            <a:off x="7070766" y="6317183"/>
+            <a:ext cx="1780231" cy="369332"/>
+          </a:xfrm>
+          <a:prstGeom prst="rect">
+            <a:avLst/>
+          </a:prstGeom>
+          <a:noFill/>
+        </p:spPr>
+        <p:txBody>
+          <a:bodyPr wrap="square" rtlCol="0">
+            <a:spAutoFit/>
+          </a:bodyPr>
+          <a:lstStyle/>
+          <a:p>
+            <a:pPr lvl="0"/>
+            <a:r>
+              <a:rPr lang="en-US" dirty="0"/>
+              <a:t>Spring</a:t>
+            </a:r>
+          </a:p>
+        </p:txBody>
+      </p:sp>
     </p:spTree>
     <p:extLst>
       <p:ext uri="{BB962C8B-B14F-4D97-AF65-F5344CB8AC3E}">
-        <p14:creationId xmlns:p14="http://schemas.microsoft.com/office/powerpoint/2010/main" val="3366172798"/>
+        <p14:creationId xmlns:p14="http://schemas.microsoft.com/office/powerpoint/2010/main" val="2857697826"/>
       </p:ext>
     </p:extLst>
   </p:cSld>
@@ -10703,8 +11688,19 @@
                 <a:latin typeface="Arial" pitchFamily="34" charset="0"/>
                 <a:cs typeface="Arial" pitchFamily="34" charset="0"/>
               </a:rPr>
-              <a:t>Board</a:t>
-            </a:r>
+              <a:t>Mechanical</a:t>
+            </a:r>
+          </a:p>
+          <a:p>
+            <a:endParaRPr lang="en-US" sz="3200" b="1" dirty="0" smtClean="0">
+              <a:solidFill>
+                <a:schemeClr val="accent5">
+                  <a:lumMod val="10000"/>
+                </a:schemeClr>
+              </a:solidFill>
+              <a:latin typeface="Arial" pitchFamily="34" charset="0"/>
+              <a:cs typeface="Arial" pitchFamily="34" charset="0"/>
+            </a:endParaRPr>
           </a:p>
         </p:txBody>
       </p:sp>
@@ -10747,10 +11743,51 @@
           </a:p>
         </p:txBody>
       </p:sp>
+      <p:pic>
+        <p:nvPicPr>
+          <p:cNvPr id="3074" name="Picture 2" descr="C:\Users\Dinh\Downloads\CAM00413.jpg"/>
+          <p:cNvPicPr>
+            <a:picLocks noChangeAspect="1" noChangeArrowheads="1"/>
+          </p:cNvPicPr>
+          <p:nvPr/>
+        </p:nvPicPr>
+        <p:blipFill>
+          <a:blip r:embed="rId2" cstate="print">
+            <a:extLst>
+              <a:ext uri="{28A0092B-C50C-407E-A947-70E740481C1C}">
+                <a14:useLocalDpi xmlns:a14="http://schemas.microsoft.com/office/drawing/2010/main" val="0"/>
+              </a:ext>
+            </a:extLst>
+          </a:blip>
+          <a:srcRect/>
+          <a:stretch>
+            <a:fillRect/>
+          </a:stretch>
+        </p:blipFill>
+        <p:spPr bwMode="auto">
+          <a:xfrm>
+            <a:off x="3276600" y="2133600"/>
+            <a:ext cx="5486400" cy="4419600"/>
+          </a:xfrm>
+          <a:prstGeom prst="rect">
+            <a:avLst/>
+          </a:prstGeom>
+          <a:noFill/>
+          <a:extLst>
+            <a:ext uri="{909E8E84-426E-40DD-AFC4-6F175D3DCCD1}">
+              <a14:hiddenFill xmlns:a14="http://schemas.microsoft.com/office/drawing/2010/main">
+                <a:solidFill>
+                  <a:srgbClr val="FFFFFF"/>
+                </a:solidFill>
+              </a14:hiddenFill>
+            </a:ext>
+          </a:extLst>
+        </p:spPr>
+      </p:pic>
     </p:spTree>
     <p:extLst>
       <p:ext uri="{BB962C8B-B14F-4D97-AF65-F5344CB8AC3E}">
-        <p14:creationId xmlns:p14="http://schemas.microsoft.com/office/powerpoint/2010/main" val="290054110"/>
+        <p14:creationId xmlns:p14="http://schemas.microsoft.com/office/powerpoint/2010/main" val="1397741335"/>
       </p:ext>
     </p:extLst>
   </p:cSld>
@@ -10839,7 +11876,7 @@
                 <a:latin typeface="Arial" pitchFamily="34" charset="0"/>
                 <a:cs typeface="Arial" pitchFamily="34" charset="0"/>
               </a:rPr>
-              <a:t>Coding </a:t>
+              <a:t>Board</a:t>
             </a:r>
           </a:p>
         </p:txBody>
@@ -10886,7 +11923,7 @@
     </p:spTree>
     <p:extLst>
       <p:ext uri="{BB962C8B-B14F-4D97-AF65-F5344CB8AC3E}">
-        <p14:creationId xmlns:p14="http://schemas.microsoft.com/office/powerpoint/2010/main" val="1685254596"/>
+        <p14:creationId xmlns:p14="http://schemas.microsoft.com/office/powerpoint/2010/main" val="3366172798"/>
       </p:ext>
     </p:extLst>
   </p:cSld>
@@ -10975,7 +12012,7 @@
                 <a:latin typeface="Arial" pitchFamily="34" charset="0"/>
                 <a:cs typeface="Arial" pitchFamily="34" charset="0"/>
               </a:rPr>
-              <a:t>Modify Driver</a:t>
+              <a:t>Board</a:t>
             </a:r>
           </a:p>
         </p:txBody>
@@ -11022,7 +12059,7 @@
     </p:spTree>
     <p:extLst>
       <p:ext uri="{BB962C8B-B14F-4D97-AF65-F5344CB8AC3E}">
-        <p14:creationId xmlns:p14="http://schemas.microsoft.com/office/powerpoint/2010/main" val="1785562625"/>
+        <p14:creationId xmlns:p14="http://schemas.microsoft.com/office/powerpoint/2010/main" val="290054110"/>
       </p:ext>
     </p:extLst>
   </p:cSld>
@@ -14217,11 +15254,7 @@
             </a:r>
             <a:r>
               <a:rPr lang="en-US" sz="2000" dirty="0" smtClean="0"/>
-              <a:t> </a:t>
-            </a:r>
-            <a:r>
-              <a:rPr lang="en-US" sz="2000" dirty="0" smtClean="0"/>
-              <a:t>Implementation</a:t>
+              <a:t> Implementation</a:t>
             </a:r>
           </a:p>
           <a:p>
@@ -14366,11 +15399,7 @@
             </a:r>
             <a:r>
               <a:rPr lang="en-US" sz="2000" dirty="0" smtClean="0"/>
-              <a:t> </a:t>
-            </a:r>
-            <a:r>
-              <a:rPr lang="en-US" sz="2000" dirty="0" smtClean="0"/>
-              <a:t>Demo</a:t>
+              <a:t> Demo</a:t>
             </a:r>
           </a:p>
           <a:p>
@@ -14448,11 +15477,7 @@
             </a:br>
             <a:r>
               <a:rPr lang="en-US" sz="2000" dirty="0" smtClean="0"/>
-              <a:t> </a:t>
-            </a:r>
-            <a:r>
-              <a:rPr lang="en-US" sz="2000" dirty="0" smtClean="0"/>
-              <a:t>Q&amp;A</a:t>
+              <a:t> Q&amp;A</a:t>
             </a:r>
           </a:p>
           <a:p>
@@ -14517,6 +15542,278 @@
               <a:rPr lang="en-US" sz="4000" dirty="0" smtClean="0">
                 <a:cs typeface="Times New Roman" pitchFamily="18" charset="0"/>
               </a:rPr>
+              <a:t>Implementation</a:t>
+            </a:r>
+            <a:endParaRPr lang="en-US" sz="4000" dirty="0"/>
+          </a:p>
+        </p:txBody>
+      </p:sp>
+      <p:sp>
+        <p:nvSpPr>
+          <p:cNvPr id="41987" name="Rectangle 3"/>
+          <p:cNvSpPr>
+            <a:spLocks noGrp="1" noChangeArrowheads="1"/>
+          </p:cNvSpPr>
+          <p:nvPr>
+            <p:ph type="body" idx="1"/>
+          </p:nvPr>
+        </p:nvSpPr>
+        <p:spPr>
+          <a:xfrm>
+            <a:off x="436491" y="1828800"/>
+            <a:ext cx="8382000" cy="4648200"/>
+          </a:xfrm>
+        </p:spPr>
+        <p:txBody>
+          <a:bodyPr/>
+          <a:lstStyle/>
+          <a:p>
+            <a:r>
+              <a:rPr lang="en-US" sz="3200" b="1" dirty="0" smtClean="0">
+                <a:solidFill>
+                  <a:schemeClr val="accent5">
+                    <a:lumMod val="10000"/>
+                  </a:schemeClr>
+                </a:solidFill>
+                <a:latin typeface="Arial" pitchFamily="34" charset="0"/>
+                <a:cs typeface="Arial" pitchFamily="34" charset="0"/>
+              </a:rPr>
+              <a:t>Coding </a:t>
+            </a:r>
+          </a:p>
+        </p:txBody>
+      </p:sp>
+      <p:sp>
+        <p:nvSpPr>
+          <p:cNvPr id="2" name="AutoShape 2" descr="data:image/jpeg;base64,/9j/4AAQSkZJRgABAQAAAQABAAD/2wCEAAkGBxQSEhQUEhQWFhQVGBYYFBcVFxcXGhkWFRYYFiAXGBoYHSggGBonGxUYIjEhJSorMC4uFx8zODMsNyotLisBCgoKDg0OGxAQGiskHSUrLy8yNDI0LCs3Nyw3LSwwLCssLiwyNzcwLSwsMDQ1NywsLDQvNSwyLDQ3LCwsLCwsLP/AABEIAKAAoAMBIgACEQEDEQH/xAAcAAEAAAcBAAAAAAAAAAAAAAAAAQIEBQYHCAP/xAA/EAABAwIEAwQGCAQGAwAAAAABAAIDBBEFEiFBBjFRBxMiYTJxgZGhsRQjM0JSYsHwQ3LR4RUkc6Ky8TREgv/EABkBAQADAQEAAAAAAAAAAAAAAAABAgMFBP/EACoRAAIBAwMDAgYDAAAAAAAAAAABAgMEERIhMUFRcROBYaGxwdHhIiMz/9oADAMBAAIRAxEAPwDeKIiAIiIAiIgCIiAKF0K0h2tdp2bPR0LtNWzzNPPYxxkfFw9Q8gNy4fiUU7S6GRkjWuLCWODgHNNiNN7qrXJvAvGE2GT95H4o3WE0V7B7RuOjhrYrp/AMchrIGT07szHe8HdrhsQpwC5oiKAEREAREQBERAEREAREQBERAFC6g4rRvax2md5npKJ3g1E0zT6W3ds8up/prOAT9rXabnz0dC/w6tnmafS2LIyNurvctMr1ZH19ym7sK6iDxCybgTjOXDJ+8Z4on276K9g8DcdHDYqwCMdFLIzRTgHYOCYxFVwsmgeHxv5EbHoRsR0VwXJ/AXGk2Fz52eOJ5AmiJsHAbtP3XgHmun8BxqGshZPA8OjeNDuDu1w2cNws2gXFERQAiIgCIiAIiIAiIgClcULlontW7TO+zUlE76rVssrf4n5Gfk6ne6IE3ax2md7mpKJ/1erZpmn0+rGEfd6uHO+i1PFFufZ5KeKHc89h0VbTUpdc3s0ek48vV6/JapYLQhKctMUUgYqqlw2WT7ON7rc8rSfkrlhro2yxjJ4C4Znu5lt7HLfQfFZjxDTPa2ZsTaV8TPSDHZ5BGNy4k5Ommq99G2c8LjyTOVClLTJtv4ceMvr7GDP4cqQLmGT2McffYaK3OpyNN1sukrI5aSeRzIwxgAjjhb9ZE8k5HulPiLDlO59ix5tVMYe8lyTRB2QiVwLwbXGvpge/klW0qRWyzgtCdvNtZcfn9DEXwq/8CcYzYXPmYM8T7d9FewcBu3o8DkV6z4Y2RpkpyTYXfE7V7B1BHpt89lYpoP30Xh05Qq0pU+eDrPA8Yhq4WzQPD43jQ7jyI2I6K4LlfgTjKXC5i5oL4Xkd9FewcB95vR4268iumcGxeKqhZNA7PG/kR8QehCyawZFeiIoAREQBERAFK51v7o91tdhzWhu1btK+kZqSjd9RqJZRzl/IzozTU736ICbtX7TO+zUlG76nVssoP2h/Az8mmp39muroIbann8l5048R8gFVAq8SCopKfObXsLEuPQDmf31CzKThhskbmR587BEGXs2IvlucrS6xc7KBqOh05K18O0EL2PbPIYg5mfOLaBpsAevMmw6BZJPDIyFzp8tXDGQ6OZkxaRlLW5RzIzC2nxO3VtaUXHL9iLus6SVKL3fP2XhdUYhVPIYI5e872M5GhzvCxg5tykelmPVXKl4gEUbmwwhkj2tZI/MXNc1pB9Bw5ki5N1asSrDNI+R1gXkuIHLU7XVIArTuPTlpRlo1L+RkmKcTd7E6JkTIhK4Pmyk+N7bWNjo31DRWqeTvcgbE1pY3Ke7abut953nrb2hUSuWA4xJSTNmiPiHMbOG7T5Fa0rnW8YGhRWxldLQxUFMDUsDqp5JhY24kZmblu9w5C+trdee2KY3ACc7W5CdJWWtkePLYGxNttVkNTgb6uSKYB5ZMO8nfcODA550aTbVrW2ynovHF6gPjhjdM2eRwkJkbe4DrODXg6k3uQfNwtoouaUHDUnv1/BpYVlKfoS31edn09mYJPD/ZX3gPjOXC5y4Avhfbvor+lbk5uwePj7FbSOqo6qOw+S40jRprk62wfFoqqJk0Dw+N4u0j5HoRuFXLlrs/42lwyYkAvgkI76K/PbOy+gfb32F9l0xhGKRVMTZoXh8bxdrh8j0I6LNkFaiIoAUCoogNOdvmP1cLI4GNyU0wdnkadXuHOI6eAW189ehWixIuwOKsBirqaSnmHheNDu1w5Pb5grkziXApaGokp5hZ7Dz2c08nt8iFKB50Z5qpCpaPkfWqkFGyY7tIudY6zrfhDQPY0fqkdc4MdGCQ1xaXDqWZre7MVLX/AGjvOx94BXiFtSrSisJmt2k60vLJ7qJK8wVOozlmBG6ZlKSoK8ZOPAKhtQ4NLQ45XaltzY2va43tcpTy2e09CD7ivC69aNmZ7B1cPmrVK85Rw2a20f7Y47omrm2keOjiPcVRVJ8JVVWSZnuPUk/FUdWfCV5VwWuP9ZY7soFlXZ/x3Jhkx0L4Hkd7GDbyzs2Dx033WHyPXthWGy1MrYYGF8jzZrR8z0HUqWYnYeE4lFURMmheHxvF2uG/9COirVhvZlwX/hdM6N0hkklcHy88jXWtZg9XN2/uWZKoCIiAhZYF2s8DDEqfPGP81CCYvzt5mI+u1x0PrKz5QsgOJwSwnmCDYg6G42I2VdFJm/VbX7dOBcpOIU7fCf8AymgcjtKB0PJ3sO5Wn6N2p96sC/1BzNjf1GU/zNsPkQV4ApQSA3jcbB1rH8LhcA+rUgo9haSHCxHMfvZKa3wequtaVVdefJEKe6yTA6WB1JK6paWsa9ojkj+0L3c22Phc0CxsferXVYZlh79rw6MyGNlwWuNm5s+XWwtt8V1Y2bxsc31o5wy3FQWQScMub9IBe3NBGySzRmzNf57W9RU+I4aySkjqIG5cn1VQNdH8w/XqDr0R2bxkhXEO5jiq8P0Dn/hFh/M64H9VTQxF7g1vM/vU7L2rphYMYbtbv+Jx5n9/qubUWHpOpbL0060unHn9FK4qmrHi1r6qaaYNHnsFcuDOD58UmLY/DG23eykXawHbzd0CoeVtt5ZbeHeHZ6+cQ07czj6RPosb1cdgul+AuBoMMiys8czgO9mIsXEbN/C3y+auPCvDUFBCIadthpmcfSeR95x3PyV6sobIIoiKAEREAREQEk0Qe0tcAWuBDgdQQRYg+Vly72l8Euwupsy5p5bugcdbWteMnqL+0epdSqzcV8PRV9M+nmGjvRda5Y8cnj1fHVEDkxj7q5wVTXANk0sPC8akeRG4VBj2EzUVRJTzCz4za45OB1Dm9QRqpGFaLnJpTquHjsZhj1Zmgp4oge6haSXXBBkda7tOXLQkDmfbcKyv+j0VGwRxvziR7hI3MLkgAjxaGxOywilqnMPhcW+o2VcMUfuGG/VjfibaroU7xrnco7e3eNLcd845+eTPMSxNkVZFLKLRz0wDhY6BzbaaHcK100baWKW04cZmZbBv1YHV2b0nW2aNOqxf/FX7ZW/ytaD77KmlnLjdxJPU3KvK9eMRKU7W2p7OTl7YXwz1KuarDQWRaA+k483f0HkrZPNblz+S856i3JZ72Y9mb64tqKq7KXm0cnTer8LPPfbquZLnJvVrSqPfpwuxbezzgCbE353Ex0zTZ8ltXkc2R35nz5DzPLpDCMKipomwwMDI28gPmep81UUlK2JjWRtDWNADWtFgANgF7KjZkERFACIiAIiIAiIgCgQoPeALk2HU6K3T4/TM9KeP2OB+V0BifazwKMQg7yIf5qEHJb+I3mYz15XHQ+srmyN9tD/15Ls6GQPaHNILXAEEbgrRfbrwY2J30+EANe4Nnby+sdyeOt9x7eqlMGq84UwlVGCgV8grRMvKap0+a8CVkXA2OU1FP31TTGosB3YzBuR19XZSCHnlblaxUZBn/Zh2VGTLVV7bM0McBGrvzSdB0bvzK3kxoAAAsBoAOgWrKTtzoHenFUM6ktY4f7XX+CvFN2u4W82+kFv88b2/EhVYM9RUOD4tDVRiWnkEkZJAc29iRobX81XKAEREAREQBERAEREBovGZCZpe8JcQ94Jcb8nEW+HJW+nyNbZjQGjyP6q6cWsyVc4A/iOPv8R+atDwR6Nrb6c7AD32WTBtig4igo8LhnqHhrWxgW3c4G2Vo3OnJc98e8bz4pNmf4ImX7qIG4aDufxPPX2BZjjHAtfiUMEkD2vijEjGxvflyuEjrkaWN9FidZ2a4nFcupHuHWMtePcDf4LVAxVpUVVV2GzQfbQyxf6kb2f8gFS5x1VsgIooQmQSuCkXqAvagoTNNFE3nLIyMet7g39VDB1T2aYd9HwykjtY921zvXJ4/wBVk6kgjDWhrRYNAAHkBYKdQAiIgCIiAIiIAiIgNOdorAytkvYZg12vmAFjLqkakX9g/VbzxHh6nqJBJNGHuAsL35KppMJgit3cMbSORDRf381TTuDHOy6/0M3BA715bfcENNx7SVl4CiiugQsrbWcPUst+8poX35kxsv77XVzRAYbW9l2Fyf8AqtZ/pucz/iVj9f2HULvs5Z4v/prx/ubf4raSIDRtZ2DSD7GtY7ykhLfi15+S9ODuyaqpK+CaZ0T4o3F5LCb5g05RlI6n4Ld1lCyABRUFT2f1G9r/AA/fmgKi6iqUNfe40vbnY/JGh9wT0113QFUiprv+fTqLfC6mhz/e6fFAf//Z"/>
+          <p:cNvSpPr>
+            <a:spLocks noChangeAspect="1" noChangeArrowheads="1"/>
+          </p:cNvSpPr>
+          <p:nvPr/>
+        </p:nvSpPr>
+        <p:spPr bwMode="auto">
+          <a:xfrm>
+            <a:off x="155575" y="-144463"/>
+            <a:ext cx="304800" cy="304801"/>
+          </a:xfrm>
+          <a:prstGeom prst="rect">
+            <a:avLst/>
+          </a:prstGeom>
+          <a:noFill/>
+          <a:extLst>
+            <a:ext uri="{909E8E84-426E-40DD-AFC4-6F175D3DCCD1}">
+              <a14:hiddenFill xmlns:a14="http://schemas.microsoft.com/office/drawing/2010/main">
+                <a:solidFill>
+                  <a:srgbClr val="FFFFFF"/>
+                </a:solidFill>
+              </a14:hiddenFill>
+            </a:ext>
+          </a:extLst>
+        </p:spPr>
+        <p:txBody>
+          <a:bodyPr vert="horz" wrap="square" lIns="91440" tIns="45720" rIns="91440" bIns="45720" numCol="1" anchor="t" anchorCtr="0" compatLnSpc="1">
+            <a:prstTxWarp prst="textNoShape">
+              <a:avLst/>
+            </a:prstTxWarp>
+          </a:bodyPr>
+          <a:lstStyle/>
+          <a:p>
+            <a:endParaRPr lang="en-US"/>
+          </a:p>
+        </p:txBody>
+      </p:sp>
+    </p:spTree>
+    <p:extLst>
+      <p:ext uri="{BB962C8B-B14F-4D97-AF65-F5344CB8AC3E}">
+        <p14:creationId xmlns:p14="http://schemas.microsoft.com/office/powerpoint/2010/main" val="1685254596"/>
+      </p:ext>
+    </p:extLst>
+  </p:cSld>
+  <p:clrMapOvr>
+    <a:masterClrMapping/>
+  </p:clrMapOvr>
+  <p:timing>
+    <p:tnLst>
+      <p:par>
+        <p:cTn id="1" dur="indefinite" restart="never" nodeType="tmRoot"/>
+      </p:par>
+    </p:tnLst>
+  </p:timing>
+</p:sld>
+</file>
+
+<file path=ppt/slides/slide31.xml><?xml version="1.0" encoding="utf-8"?>
+<p:sld xmlns:a="http://schemas.openxmlformats.org/drawingml/2006/main" xmlns:r="http://schemas.openxmlformats.org/officeDocument/2006/relationships" xmlns:p="http://schemas.openxmlformats.org/presentationml/2006/main">
+  <p:cSld>
+    <p:spTree>
+      <p:nvGrpSpPr>
+        <p:cNvPr id="1" name=""/>
+        <p:cNvGrpSpPr/>
+        <p:nvPr/>
+      </p:nvGrpSpPr>
+      <p:grpSpPr>
+        <a:xfrm>
+          <a:off x="0" y="0"/>
+          <a:ext cx="0" cy="0"/>
+          <a:chOff x="0" y="0"/>
+          <a:chExt cx="0" cy="0"/>
+        </a:xfrm>
+      </p:grpSpPr>
+      <p:sp>
+        <p:nvSpPr>
+          <p:cNvPr id="41986" name="Rectangle 2"/>
+          <p:cNvSpPr>
+            <a:spLocks noGrp="1" noChangeArrowheads="1"/>
+          </p:cNvSpPr>
+          <p:nvPr>
+            <p:ph type="title"/>
+          </p:nvPr>
+        </p:nvSpPr>
+        <p:spPr/>
+        <p:txBody>
+          <a:bodyPr/>
+          <a:lstStyle/>
+          <a:p>
+            <a:r>
+              <a:rPr lang="en-US" sz="4000" dirty="0" smtClean="0">
+                <a:cs typeface="Times New Roman" pitchFamily="18" charset="0"/>
+              </a:rPr>
+              <a:t>Implementation</a:t>
+            </a:r>
+            <a:endParaRPr lang="en-US" sz="4000" dirty="0"/>
+          </a:p>
+        </p:txBody>
+      </p:sp>
+      <p:sp>
+        <p:nvSpPr>
+          <p:cNvPr id="41987" name="Rectangle 3"/>
+          <p:cNvSpPr>
+            <a:spLocks noGrp="1" noChangeArrowheads="1"/>
+          </p:cNvSpPr>
+          <p:nvPr>
+            <p:ph type="body" idx="1"/>
+          </p:nvPr>
+        </p:nvSpPr>
+        <p:spPr>
+          <a:xfrm>
+            <a:off x="436491" y="1828800"/>
+            <a:ext cx="8382000" cy="4648200"/>
+          </a:xfrm>
+        </p:spPr>
+        <p:txBody>
+          <a:bodyPr/>
+          <a:lstStyle/>
+          <a:p>
+            <a:r>
+              <a:rPr lang="en-US" sz="3200" b="1" dirty="0" smtClean="0">
+                <a:solidFill>
+                  <a:schemeClr val="accent5">
+                    <a:lumMod val="10000"/>
+                  </a:schemeClr>
+                </a:solidFill>
+                <a:latin typeface="Arial" pitchFamily="34" charset="0"/>
+                <a:cs typeface="Arial" pitchFamily="34" charset="0"/>
+              </a:rPr>
+              <a:t>Modify Driver</a:t>
+            </a:r>
+          </a:p>
+        </p:txBody>
+      </p:sp>
+      <p:sp>
+        <p:nvSpPr>
+          <p:cNvPr id="2" name="AutoShape 2" descr="data:image/jpeg;base64,/9j/4AAQSkZJRgABAQAAAQABAAD/2wCEAAkGBxQSEhQUEhQWFhQVGBYYFBcVFxcXGhkWFRYYFiAXGBoYHSggGBonGxUYIjEhJSorMC4uFx8zODMsNyotLisBCgoKDg0OGxAQGiskHSUrLy8yNDI0LCs3Nyw3LSwwLCssLiwyNzcwLSwsMDQ1NywsLDQvNSwyLDQ3LCwsLCwsLP/AABEIAKAAoAMBIgACEQEDEQH/xAAcAAEAAAcBAAAAAAAAAAAAAAAAAQIEBQYHCAP/xAA/EAABAwIEAwQGCAQGAwAAAAABAAIDBBEFEiFBBjFRBxMiYTJxgZGhsRQjM0JSYsHwQ3LR4RUkc6Ky8TREgv/EABkBAQADAQEAAAAAAAAAAAAAAAABAgMFBP/EACoRAAIBAwMDAgYDAAAAAAAAAAABAgMEERIhMUFRcROBYaGxwdHhIiMz/9oADAMBAAIRAxEAPwDeKIiAIiIAiIgCIiAKF0K0h2tdp2bPR0LtNWzzNPPYxxkfFw9Q8gNy4fiUU7S6GRkjWuLCWODgHNNiNN7qrXJvAvGE2GT95H4o3WE0V7B7RuOjhrYrp/AMchrIGT07szHe8HdrhsQpwC5oiKAEREAREQBERAEREAREQBERAFC6g4rRvax2md5npKJ3g1E0zT6W3ds8up/prOAT9rXabnz0dC/w6tnmafS2LIyNurvctMr1ZH19ym7sK6iDxCybgTjOXDJ+8Z4on276K9g8DcdHDYqwCMdFLIzRTgHYOCYxFVwsmgeHxv5EbHoRsR0VwXJ/AXGk2Fz52eOJ5AmiJsHAbtP3XgHmun8BxqGshZPA8OjeNDuDu1w2cNws2gXFERQAiIgCIiAIiIAiIgClcULlontW7TO+zUlE76rVssrf4n5Gfk6ne6IE3ax2md7mpKJ/1erZpmn0+rGEfd6uHO+i1PFFufZ5KeKHc89h0VbTUpdc3s0ek48vV6/JapYLQhKctMUUgYqqlw2WT7ON7rc8rSfkrlhro2yxjJ4C4Znu5lt7HLfQfFZjxDTPa2ZsTaV8TPSDHZ5BGNy4k5Ommq99G2c8LjyTOVClLTJtv4ceMvr7GDP4cqQLmGT2McffYaK3OpyNN1sukrI5aSeRzIwxgAjjhb9ZE8k5HulPiLDlO59ix5tVMYe8lyTRB2QiVwLwbXGvpge/klW0qRWyzgtCdvNtZcfn9DEXwq/8CcYzYXPmYM8T7d9FewcBu3o8DkV6z4Y2RpkpyTYXfE7V7B1BHpt89lYpoP30Xh05Qq0pU+eDrPA8Yhq4WzQPD43jQ7jyI2I6K4LlfgTjKXC5i5oL4Xkd9FewcB95vR4268iumcGxeKqhZNA7PG/kR8QehCyawZFeiIoAREQBERAFK51v7o91tdhzWhu1btK+kZqSjd9RqJZRzl/IzozTU736ICbtX7TO+zUlG76nVssoP2h/Az8mmp39muroIbann8l5048R8gFVAq8SCopKfObXsLEuPQDmf31CzKThhskbmR587BEGXs2IvlucrS6xc7KBqOh05K18O0EL2PbPIYg5mfOLaBpsAevMmw6BZJPDIyFzp8tXDGQ6OZkxaRlLW5RzIzC2nxO3VtaUXHL9iLus6SVKL3fP2XhdUYhVPIYI5e872M5GhzvCxg5tykelmPVXKl4gEUbmwwhkj2tZI/MXNc1pB9Bw5ki5N1asSrDNI+R1gXkuIHLU7XVIArTuPTlpRlo1L+RkmKcTd7E6JkTIhK4Pmyk+N7bWNjo31DRWqeTvcgbE1pY3Ke7abut953nrb2hUSuWA4xJSTNmiPiHMbOG7T5Fa0rnW8YGhRWxldLQxUFMDUsDqp5JhY24kZmblu9w5C+trdee2KY3ACc7W5CdJWWtkePLYGxNttVkNTgb6uSKYB5ZMO8nfcODA550aTbVrW2ynovHF6gPjhjdM2eRwkJkbe4DrODXg6k3uQfNwtoouaUHDUnv1/BpYVlKfoS31edn09mYJPD/ZX3gPjOXC5y4Avhfbvor+lbk5uwePj7FbSOqo6qOw+S40jRprk62wfFoqqJk0Dw+N4u0j5HoRuFXLlrs/42lwyYkAvgkI76K/PbOy+gfb32F9l0xhGKRVMTZoXh8bxdrh8j0I6LNkFaiIoAUCoogNOdvmP1cLI4GNyU0wdnkadXuHOI6eAW189ehWixIuwOKsBirqaSnmHheNDu1w5Pb5grkziXApaGokp5hZ7Dz2c08nt8iFKB50Z5qpCpaPkfWqkFGyY7tIudY6zrfhDQPY0fqkdc4MdGCQ1xaXDqWZre7MVLX/AGjvOx94BXiFtSrSisJmt2k60vLJ7qJK8wVOozlmBG6ZlKSoK8ZOPAKhtQ4NLQ45XaltzY2va43tcpTy2e09CD7ivC69aNmZ7B1cPmrVK85Rw2a20f7Y47omrm2keOjiPcVRVJ8JVVWSZnuPUk/FUdWfCV5VwWuP9ZY7soFlXZ/x3Jhkx0L4Hkd7GDbyzs2Dx033WHyPXthWGy1MrYYGF8jzZrR8z0HUqWYnYeE4lFURMmheHxvF2uG/9COirVhvZlwX/hdM6N0hkklcHy88jXWtZg9XN2/uWZKoCIiAhZYF2s8DDEqfPGP81CCYvzt5mI+u1x0PrKz5QsgOJwSwnmCDYg6G42I2VdFJm/VbX7dOBcpOIU7fCf8AymgcjtKB0PJ3sO5Wn6N2p96sC/1BzNjf1GU/zNsPkQV4ApQSA3jcbB1rH8LhcA+rUgo9haSHCxHMfvZKa3wequtaVVdefJEKe6yTA6WB1JK6paWsa9ojkj+0L3c22Phc0CxsferXVYZlh79rw6MyGNlwWuNm5s+XWwtt8V1Y2bxsc31o5wy3FQWQScMub9IBe3NBGySzRmzNf57W9RU+I4aySkjqIG5cn1VQNdH8w/XqDr0R2bxkhXEO5jiq8P0Dn/hFh/M64H9VTQxF7g1vM/vU7L2rphYMYbtbv+Jx5n9/qubUWHpOpbL0060unHn9FK4qmrHi1r6qaaYNHnsFcuDOD58UmLY/DG23eykXawHbzd0CoeVtt5ZbeHeHZ6+cQ07czj6RPosb1cdgul+AuBoMMiys8czgO9mIsXEbN/C3y+auPCvDUFBCIadthpmcfSeR95x3PyV6sobIIoiKAEREAREQEk0Qe0tcAWuBDgdQQRYg+Vly72l8Euwupsy5p5bugcdbWteMnqL+0epdSqzcV8PRV9M+nmGjvRda5Y8cnj1fHVEDkxj7q5wVTXANk0sPC8akeRG4VBj2EzUVRJTzCz4za45OB1Dm9QRqpGFaLnJpTquHjsZhj1Zmgp4oge6haSXXBBkda7tOXLQkDmfbcKyv+j0VGwRxvziR7hI3MLkgAjxaGxOywilqnMPhcW+o2VcMUfuGG/VjfibaroU7xrnco7e3eNLcd845+eTPMSxNkVZFLKLRz0wDhY6BzbaaHcK100baWKW04cZmZbBv1YHV2b0nW2aNOqxf/FX7ZW/ytaD77KmlnLjdxJPU3KvK9eMRKU7W2p7OTl7YXwz1KuarDQWRaA+k483f0HkrZPNblz+S856i3JZ72Y9mb64tqKq7KXm0cnTer8LPPfbquZLnJvVrSqPfpwuxbezzgCbE353Ex0zTZ8ltXkc2R35nz5DzPLpDCMKipomwwMDI28gPmep81UUlK2JjWRtDWNADWtFgANgF7KjZkERFACIiAIiIAiIgCgQoPeALk2HU6K3T4/TM9KeP2OB+V0BifazwKMQg7yIf5qEHJb+I3mYz15XHQ+srmyN9tD/15Ls6GQPaHNILXAEEbgrRfbrwY2J30+EANe4Nnby+sdyeOt9x7eqlMGq84UwlVGCgV8grRMvKap0+a8CVkXA2OU1FP31TTGosB3YzBuR19XZSCHnlblaxUZBn/Zh2VGTLVV7bM0McBGrvzSdB0bvzK3kxoAAAsBoAOgWrKTtzoHenFUM6ktY4f7XX+CvFN2u4W82+kFv88b2/EhVYM9RUOD4tDVRiWnkEkZJAc29iRobX81XKAEREAREQBERAEREBovGZCZpe8JcQ94Jcb8nEW+HJW+nyNbZjQGjyP6q6cWsyVc4A/iOPv8R+atDwR6Nrb6c7AD32WTBtig4igo8LhnqHhrWxgW3c4G2Vo3OnJc98e8bz4pNmf4ImX7qIG4aDufxPPX2BZjjHAtfiUMEkD2vijEjGxvflyuEjrkaWN9FidZ2a4nFcupHuHWMtePcDf4LVAxVpUVVV2GzQfbQyxf6kb2f8gFS5x1VsgIooQmQSuCkXqAvagoTNNFE3nLIyMet7g39VDB1T2aYd9HwykjtY921zvXJ4/wBVk6kgjDWhrRYNAAHkBYKdQAiIgCIiAIiIAiIgNOdorAytkvYZg12vmAFjLqkakX9g/VbzxHh6nqJBJNGHuAsL35KppMJgit3cMbSORDRf381TTuDHOy6/0M3BA715bfcENNx7SVl4CiiugQsrbWcPUst+8poX35kxsv77XVzRAYbW9l2Fyf8AqtZ/pucz/iVj9f2HULvs5Z4v/prx/ubf4raSIDRtZ2DSD7GtY7ykhLfi15+S9ODuyaqpK+CaZ0T4o3F5LCb5g05RlI6n4Ld1lCyABRUFT2f1G9r/AA/fmgKi6iqUNfe40vbnY/JGh9wT0113QFUiprv+fTqLfC6mhz/e6fFAf//Z"/>
+          <p:cNvSpPr>
+            <a:spLocks noChangeAspect="1" noChangeArrowheads="1"/>
+          </p:cNvSpPr>
+          <p:nvPr/>
+        </p:nvSpPr>
+        <p:spPr bwMode="auto">
+          <a:xfrm>
+            <a:off x="155575" y="-144463"/>
+            <a:ext cx="304800" cy="304801"/>
+          </a:xfrm>
+          <a:prstGeom prst="rect">
+            <a:avLst/>
+          </a:prstGeom>
+          <a:noFill/>
+          <a:extLst>
+            <a:ext uri="{909E8E84-426E-40DD-AFC4-6F175D3DCCD1}">
+              <a14:hiddenFill xmlns:a14="http://schemas.microsoft.com/office/drawing/2010/main">
+                <a:solidFill>
+                  <a:srgbClr val="FFFFFF"/>
+                </a:solidFill>
+              </a14:hiddenFill>
+            </a:ext>
+          </a:extLst>
+        </p:spPr>
+        <p:txBody>
+          <a:bodyPr vert="horz" wrap="square" lIns="91440" tIns="45720" rIns="91440" bIns="45720" numCol="1" anchor="t" anchorCtr="0" compatLnSpc="1">
+            <a:prstTxWarp prst="textNoShape">
+              <a:avLst/>
+            </a:prstTxWarp>
+          </a:bodyPr>
+          <a:lstStyle/>
+          <a:p>
+            <a:endParaRPr lang="en-US"/>
+          </a:p>
+        </p:txBody>
+      </p:sp>
+    </p:spTree>
+    <p:extLst>
+      <p:ext uri="{BB962C8B-B14F-4D97-AF65-F5344CB8AC3E}">
+        <p14:creationId xmlns:p14="http://schemas.microsoft.com/office/powerpoint/2010/main" val="1785562625"/>
+      </p:ext>
+    </p:extLst>
+  </p:cSld>
+  <p:clrMapOvr>
+    <a:masterClrMapping/>
+  </p:clrMapOvr>
+  <p:timing>
+    <p:tnLst>
+      <p:par>
+        <p:cTn id="1" dur="indefinite" restart="never" nodeType="tmRoot"/>
+      </p:par>
+    </p:tnLst>
+  </p:timing>
+</p:sld>
+</file>
+
+<file path=ppt/slides/slide32.xml><?xml version="1.0" encoding="utf-8"?>
+<p:sld xmlns:a="http://schemas.openxmlformats.org/drawingml/2006/main" xmlns:r="http://schemas.openxmlformats.org/officeDocument/2006/relationships" xmlns:p="http://schemas.openxmlformats.org/presentationml/2006/main">
+  <p:cSld>
+    <p:spTree>
+      <p:nvGrpSpPr>
+        <p:cNvPr id="1" name=""/>
+        <p:cNvGrpSpPr/>
+        <p:nvPr/>
+      </p:nvGrpSpPr>
+      <p:grpSpPr>
+        <a:xfrm>
+          <a:off x="0" y="0"/>
+          <a:ext cx="0" cy="0"/>
+          <a:chOff x="0" y="0"/>
+          <a:chExt cx="0" cy="0"/>
+        </a:xfrm>
+      </p:grpSpPr>
+      <p:sp>
+        <p:nvSpPr>
+          <p:cNvPr id="41986" name="Rectangle 2"/>
+          <p:cNvSpPr>
+            <a:spLocks noGrp="1" noChangeArrowheads="1"/>
+          </p:cNvSpPr>
+          <p:nvPr>
+            <p:ph type="title"/>
+          </p:nvPr>
+        </p:nvSpPr>
+        <p:spPr/>
+        <p:txBody>
+          <a:bodyPr/>
+          <a:lstStyle/>
+          <a:p>
+            <a:r>
+              <a:rPr lang="en-US" sz="4000" dirty="0" smtClean="0">
+                <a:cs typeface="Times New Roman" pitchFamily="18" charset="0"/>
+              </a:rPr>
               <a:t>Testing &amp;QA</a:t>
             </a:r>
             <a:endParaRPr lang="en-US" sz="4000" dirty="0"/>
@@ -14692,7 +15989,7 @@
 </p:sld>
 </file>
 
-<file path=ppt/slides/slide31.xml><?xml version="1.0" encoding="utf-8"?>
+<file path=ppt/slides/slide33.xml><?xml version="1.0" encoding="utf-8"?>
 <p:sld xmlns:a="http://schemas.openxmlformats.org/drawingml/2006/main" xmlns:r="http://schemas.openxmlformats.org/officeDocument/2006/relationships" xmlns:p="http://schemas.openxmlformats.org/presentationml/2006/main">
   <p:cSld>
     <p:spTree>
@@ -14903,7 +16200,7 @@
 </p:sld>
 </file>
 
-<file path=ppt/slides/slide32.xml><?xml version="1.0" encoding="utf-8"?>
+<file path=ppt/slides/slide34.xml><?xml version="1.0" encoding="utf-8"?>
 <p:sld xmlns:a="http://schemas.openxmlformats.org/drawingml/2006/main" xmlns:r="http://schemas.openxmlformats.org/officeDocument/2006/relationships" xmlns:p="http://schemas.openxmlformats.org/presentationml/2006/main">
   <p:cSld>
     <p:spTree>
@@ -15075,7 +16372,7 @@
 </p:sld>
 </file>
 
-<file path=ppt/slides/slide33.xml><?xml version="1.0" encoding="utf-8"?>
+<file path=ppt/slides/slide35.xml><?xml version="1.0" encoding="utf-8"?>
 <p:sld xmlns:a="http://schemas.openxmlformats.org/drawingml/2006/main" xmlns:r="http://schemas.openxmlformats.org/officeDocument/2006/relationships" xmlns:p="http://schemas.openxmlformats.org/presentationml/2006/main">
   <p:cSld>
     <p:spTree>
@@ -15249,7 +16546,7 @@
 </p:sld>
 </file>
 
-<file path=ppt/slides/slide34.xml><?xml version="1.0" encoding="utf-8"?>
+<file path=ppt/slides/slide36.xml><?xml version="1.0" encoding="utf-8"?>
 <p:sld xmlns:a="http://schemas.openxmlformats.org/drawingml/2006/main" xmlns:r="http://schemas.openxmlformats.org/officeDocument/2006/relationships" xmlns:p="http://schemas.openxmlformats.org/presentationml/2006/main">
   <p:cSld>
     <p:spTree>
@@ -15416,7 +16713,7 @@
 </p:sld>
 </file>
 
-<file path=ppt/slides/slide35.xml><?xml version="1.0" encoding="utf-8"?>
+<file path=ppt/slides/slide37.xml><?xml version="1.0" encoding="utf-8"?>
 <p:sld xmlns:a="http://schemas.openxmlformats.org/drawingml/2006/main" xmlns:r="http://schemas.openxmlformats.org/officeDocument/2006/relationships" xmlns:p="http://schemas.openxmlformats.org/presentationml/2006/main">
   <p:cSld>
     <p:spTree>
@@ -16069,19 +17366,11 @@
           <a:p>
             <a:r>
               <a:rPr lang="en-US" sz="3200" b="1" dirty="0" smtClean="0"/>
-              <a:t>Existed product</a:t>
-            </a:r>
-            <a:r>
-              <a:rPr lang="en-US" sz="3200" b="1" dirty="0" smtClean="0"/>
-              <a:t> </a:t>
+              <a:t>Existed product </a:t>
             </a:r>
             <a:r>
               <a:rPr lang="en-US" dirty="0" smtClean="0"/>
-              <a:t>: “</a:t>
-            </a:r>
-            <a:r>
-              <a:rPr lang="en-US" dirty="0" smtClean="0"/>
-              <a:t>Bob </a:t>
+              <a:t>: “Bob </a:t>
             </a:r>
             <a:r>
               <a:rPr lang="en-US" dirty="0" err="1" smtClean="0"/>
@@ -16291,7 +17580,6 @@
               <a:rPr lang="en-US" dirty="0" smtClean="0"/>
               <a:t>”</a:t>
             </a:r>
-            <a:endParaRPr lang="en-US" dirty="0" smtClean="0"/>
           </a:p>
           <a:p>
             <a:pPr marL="0" indent="0">
@@ -16500,11 +17788,7 @@
             </a:r>
             <a:r>
               <a:rPr lang="en-US" dirty="0" smtClean="0"/>
-              <a:t>: </a:t>
-            </a:r>
-            <a:r>
-              <a:rPr lang="en-US" dirty="0" smtClean="0"/>
-              <a:t>Iterative and Increment Development (IID)</a:t>
+              <a:t>: Iterative and Increment Development (IID)</a:t>
             </a:r>
           </a:p>
           <a:p>
@@ -16556,8 +17840,19 @@
             </a:r>
             <a:r>
               <a:rPr lang="en-US" dirty="0" smtClean="0"/>
-              <a:t>: 121 million VND</a:t>
-            </a:r>
+              <a:t>: 121 million </a:t>
+            </a:r>
+            <a:r>
+              <a:rPr lang="en-US" dirty="0" smtClean="0"/>
+              <a:t>VND </a:t>
+            </a:r>
+            <a:r>
+              <a:rPr lang="en-US" dirty="0" smtClean="0">
+                <a:sym typeface="Wingdings" pitchFamily="2" charset="2"/>
+              </a:rPr>
+              <a:t></a:t>
+            </a:r>
+            <a:endParaRPr lang="en-US" dirty="0" smtClean="0"/>
           </a:p>
           <a:p>
             <a:pPr marL="514350" indent="-514350">

--- a/06. Temp/pLED 2014.pptx
+++ b/06. Temp/pLED 2014.pptx
@@ -5,7 +5,7 @@
     <p:sldMasterId id="2147483648" r:id="rId1"/>
   </p:sldMasterIdLst>
   <p:notesMasterIdLst>
-    <p:notesMasterId r:id="rId39"/>
+    <p:notesMasterId r:id="rId40"/>
   </p:notesMasterIdLst>
   <p:sldIdLst>
     <p:sldId id="256" r:id="rId2"/>
@@ -21,10 +21,10 @@
     <p:sldId id="290" r:id="rId12"/>
     <p:sldId id="291" r:id="rId13"/>
     <p:sldId id="292" r:id="rId14"/>
-    <p:sldId id="293" r:id="rId15"/>
+    <p:sldId id="324" r:id="rId15"/>
     <p:sldId id="294" r:id="rId16"/>
     <p:sldId id="295" r:id="rId17"/>
-    <p:sldId id="296" r:id="rId18"/>
+    <p:sldId id="323" r:id="rId18"/>
     <p:sldId id="297" r:id="rId19"/>
     <p:sldId id="298" r:id="rId20"/>
     <p:sldId id="299" r:id="rId21"/>
@@ -32,19 +32,20 @@
     <p:sldId id="314" r:id="rId23"/>
     <p:sldId id="301" r:id="rId24"/>
     <p:sldId id="302" r:id="rId25"/>
-    <p:sldId id="303" r:id="rId26"/>
+    <p:sldId id="322" r:id="rId26"/>
     <p:sldId id="304" r:id="rId27"/>
     <p:sldId id="315" r:id="rId28"/>
-    <p:sldId id="305" r:id="rId29"/>
-    <p:sldId id="306" r:id="rId30"/>
-    <p:sldId id="308" r:id="rId31"/>
-    <p:sldId id="309" r:id="rId32"/>
+    <p:sldId id="321" r:id="rId29"/>
+    <p:sldId id="320" r:id="rId30"/>
+    <p:sldId id="318" r:id="rId31"/>
+    <p:sldId id="319" r:id="rId32"/>
     <p:sldId id="310" r:id="rId33"/>
     <p:sldId id="311" r:id="rId34"/>
     <p:sldId id="312" r:id="rId35"/>
-    <p:sldId id="313" r:id="rId36"/>
-    <p:sldId id="275" r:id="rId37"/>
-    <p:sldId id="307" r:id="rId38"/>
+    <p:sldId id="317" r:id="rId36"/>
+    <p:sldId id="316" r:id="rId37"/>
+    <p:sldId id="275" r:id="rId38"/>
+    <p:sldId id="307" r:id="rId39"/>
   </p:sldIdLst>
   <p:sldSz cx="9144000" cy="6858000" type="screen4x3"/>
   <p:notesSz cx="6858000" cy="9144000"/>
@@ -4303,7 +4304,7 @@
           <a:graphicData uri="http://schemas.openxmlformats.org/presentationml/2006/ole">
             <mc:AlternateContent xmlns:mc="http://schemas.openxmlformats.org/markup-compatibility/2006">
               <mc:Choice xmlns:v="urn:schemas-microsoft-com:vml" Requires="v">
-                <p:oleObj spid="_x0000_s1331" name="Image" r:id="rId15" imgW="9561905" imgH="1600000" progId="Photoshop.Image.6">
+                <p:oleObj spid="_x0000_s1344" name="Image" r:id="rId15" imgW="9561905" imgH="1600000" progId="Photoshop.Image.6">
                   <p:embed/>
                 </p:oleObj>
               </mc:Choice>
@@ -6944,37 +6945,12 @@
       </p:grpSpPr>
       <p:sp>
         <p:nvSpPr>
-          <p:cNvPr id="41986" name="Rectangle 2"/>
-          <p:cNvSpPr>
-            <a:spLocks noGrp="1" noChangeArrowheads="1"/>
-          </p:cNvSpPr>
-          <p:nvPr>
-            <p:ph type="title"/>
-          </p:nvPr>
-        </p:nvSpPr>
-        <p:spPr/>
-        <p:txBody>
-          <a:bodyPr/>
-          <a:lstStyle/>
-          <a:p>
-            <a:r>
-              <a:rPr lang="en-US" sz="4000" dirty="0" smtClean="0">
-                <a:cs typeface="Times New Roman" pitchFamily="18" charset="0"/>
-              </a:rPr>
-              <a:t>Requirement Specifications</a:t>
-            </a:r>
-            <a:endParaRPr lang="en-US" sz="4000" dirty="0"/>
-          </a:p>
-        </p:txBody>
-      </p:sp>
-      <p:sp>
-        <p:nvSpPr>
           <p:cNvPr id="41987" name="Rectangle 3"/>
           <p:cNvSpPr>
             <a:spLocks noGrp="1" noChangeArrowheads="1"/>
           </p:cNvSpPr>
           <p:nvPr>
-            <p:ph type="body" idx="1"/>
+            <p:ph idx="1"/>
           </p:nvPr>
         </p:nvSpPr>
         <p:spPr>
@@ -6997,8 +6973,29 @@
                 <a:latin typeface="Arial" pitchFamily="34" charset="0"/>
                 <a:cs typeface="Arial" pitchFamily="34" charset="0"/>
               </a:rPr>
-              <a:t>System Requirement</a:t>
-            </a:r>
+              <a:t>System </a:t>
+            </a:r>
+            <a:r>
+              <a:rPr lang="en-US" sz="3200" b="1" dirty="0" smtClean="0">
+                <a:solidFill>
+                  <a:schemeClr val="accent5">
+                    <a:lumMod val="10000"/>
+                  </a:schemeClr>
+                </a:solidFill>
+                <a:latin typeface="Arial" pitchFamily="34" charset="0"/>
+                <a:cs typeface="Arial" pitchFamily="34" charset="0"/>
+              </a:rPr>
+              <a:t>Specification</a:t>
+            </a:r>
+            <a:endParaRPr lang="en-US" sz="3200" b="1" dirty="0" smtClean="0">
+              <a:solidFill>
+                <a:schemeClr val="accent5">
+                  <a:lumMod val="10000"/>
+                </a:schemeClr>
+              </a:solidFill>
+              <a:latin typeface="Arial" pitchFamily="34" charset="0"/>
+              <a:cs typeface="Arial" pitchFamily="34" charset="0"/>
+            </a:endParaRPr>
           </a:p>
           <a:p>
             <a:pPr>
@@ -7015,8 +7012,17 @@
                 <a:latin typeface="Arial" pitchFamily="34" charset="0"/>
                 <a:cs typeface="Arial" pitchFamily="34" charset="0"/>
               </a:rPr>
-              <a:t>Display clock real-time</a:t>
-            </a:r>
+              <a:t>Using PIC chip to control the system</a:t>
+            </a:r>
+            <a:endParaRPr lang="en-US" dirty="0" smtClean="0">
+              <a:solidFill>
+                <a:schemeClr val="accent5">
+                  <a:lumMod val="10000"/>
+                </a:schemeClr>
+              </a:solidFill>
+              <a:latin typeface="Arial" pitchFamily="34" charset="0"/>
+              <a:cs typeface="Arial" pitchFamily="34" charset="0"/>
+            </a:endParaRPr>
           </a:p>
           <a:p>
             <a:pPr>
@@ -7024,7 +7030,7 @@
               <a:buChar char="ü"/>
             </a:pPr>
             <a:r>
-              <a:rPr lang="en-US" dirty="0" smtClean="0">
+              <a:rPr lang="en-US" dirty="0">
                 <a:solidFill>
                   <a:schemeClr val="accent5">
                     <a:lumMod val="10000"/>
@@ -7033,8 +7039,29 @@
                 <a:latin typeface="Arial" pitchFamily="34" charset="0"/>
                 <a:cs typeface="Arial" pitchFamily="34" charset="0"/>
               </a:rPr>
-              <a:t>Display digital, analog clock</a:t>
-            </a:r>
+              <a:t>D</a:t>
+            </a:r>
+            <a:r>
+              <a:rPr lang="en-US" dirty="0" smtClean="0">
+                <a:solidFill>
+                  <a:schemeClr val="accent5">
+                    <a:lumMod val="10000"/>
+                  </a:schemeClr>
+                </a:solidFill>
+                <a:latin typeface="Arial" pitchFamily="34" charset="0"/>
+                <a:cs typeface="Arial" pitchFamily="34" charset="0"/>
+              </a:rPr>
+              <a:t>isplay image, clock and animation in multicolor</a:t>
+            </a:r>
+            <a:endParaRPr lang="en-US" dirty="0" smtClean="0">
+              <a:solidFill>
+                <a:schemeClr val="accent5">
+                  <a:lumMod val="10000"/>
+                </a:schemeClr>
+              </a:solidFill>
+              <a:latin typeface="Arial" pitchFamily="34" charset="0"/>
+              <a:cs typeface="Arial" pitchFamily="34" charset="0"/>
+            </a:endParaRPr>
           </a:p>
           <a:p>
             <a:pPr>
@@ -7051,7 +7078,7 @@
                 <a:latin typeface="Arial" pitchFamily="34" charset="0"/>
                 <a:cs typeface="Arial" pitchFamily="34" charset="0"/>
               </a:rPr>
-              <a:t>Display image, text</a:t>
+              <a:t>System can be controlled with radio remote</a:t>
             </a:r>
           </a:p>
           <a:p>
@@ -7069,7 +7096,7 @@
                 <a:latin typeface="Arial" pitchFamily="34" charset="0"/>
                 <a:cs typeface="Arial" pitchFamily="34" charset="0"/>
               </a:rPr>
-              <a:t>Using Remote Control to change mode display</a:t>
+              <a:t>One-time setup with real-time clock built-in</a:t>
             </a:r>
           </a:p>
           <a:p>
@@ -7087,8 +7114,105 @@
                 <a:latin typeface="Arial" pitchFamily="34" charset="0"/>
                 <a:cs typeface="Arial" pitchFamily="34" charset="0"/>
               </a:rPr>
-              <a:t>Multiple color  </a:t>
-            </a:r>
+              <a:t>Array </a:t>
+            </a:r>
+            <a:r>
+              <a:rPr lang="en-US" dirty="0">
+                <a:solidFill>
+                  <a:schemeClr val="accent5">
+                    <a:lumMod val="10000"/>
+                  </a:schemeClr>
+                </a:solidFill>
+                <a:latin typeface="Arial" pitchFamily="34" charset="0"/>
+                <a:cs typeface="Arial" pitchFamily="34" charset="0"/>
+              </a:rPr>
+              <a:t>of RGB </a:t>
+            </a:r>
+            <a:r>
+              <a:rPr lang="en-US" dirty="0" smtClean="0">
+                <a:solidFill>
+                  <a:schemeClr val="accent5">
+                    <a:lumMod val="10000"/>
+                  </a:schemeClr>
+                </a:solidFill>
+                <a:latin typeface="Arial" pitchFamily="34" charset="0"/>
+                <a:cs typeface="Arial" pitchFamily="34" charset="0"/>
+              </a:rPr>
+              <a:t>LEDs used to </a:t>
+            </a:r>
+            <a:r>
+              <a:rPr lang="en-US" dirty="0">
+                <a:solidFill>
+                  <a:schemeClr val="accent5">
+                    <a:lumMod val="10000"/>
+                  </a:schemeClr>
+                </a:solidFill>
+                <a:latin typeface="Arial" pitchFamily="34" charset="0"/>
+                <a:cs typeface="Arial" pitchFamily="34" charset="0"/>
+              </a:rPr>
+              <a:t>create visual </a:t>
+            </a:r>
+            <a:endParaRPr lang="en-US" dirty="0" smtClean="0">
+              <a:solidFill>
+                <a:schemeClr val="accent5">
+                  <a:lumMod val="10000"/>
+                </a:schemeClr>
+              </a:solidFill>
+              <a:latin typeface="Arial" pitchFamily="34" charset="0"/>
+              <a:cs typeface="Arial" pitchFamily="34" charset="0"/>
+            </a:endParaRPr>
+          </a:p>
+          <a:p>
+            <a:pPr>
+              <a:buFont typeface="Wingdings" pitchFamily="2" charset="2"/>
+              <a:buChar char="ü"/>
+            </a:pPr>
+            <a:r>
+              <a:rPr lang="en-US" dirty="0" smtClean="0">
+                <a:solidFill>
+                  <a:schemeClr val="accent5">
+                    <a:lumMod val="10000"/>
+                  </a:schemeClr>
+                </a:solidFill>
+                <a:latin typeface="Arial" pitchFamily="34" charset="0"/>
+                <a:cs typeface="Arial" pitchFamily="34" charset="0"/>
+              </a:rPr>
+              <a:t>Work with Vietnam’s household electrical standard(220v AC)</a:t>
+            </a:r>
+            <a:endParaRPr lang="en-US" dirty="0" smtClean="0">
+              <a:solidFill>
+                <a:schemeClr val="accent5">
+                  <a:lumMod val="10000"/>
+                </a:schemeClr>
+              </a:solidFill>
+              <a:latin typeface="Arial" pitchFamily="34" charset="0"/>
+              <a:cs typeface="Arial" pitchFamily="34" charset="0"/>
+            </a:endParaRPr>
+          </a:p>
+        </p:txBody>
+      </p:sp>
+      <p:sp>
+        <p:nvSpPr>
+          <p:cNvPr id="41986" name="Rectangle 2"/>
+          <p:cNvSpPr>
+            <a:spLocks noGrp="1" noChangeArrowheads="1"/>
+          </p:cNvSpPr>
+          <p:nvPr>
+            <p:ph type="title"/>
+          </p:nvPr>
+        </p:nvSpPr>
+        <p:spPr/>
+        <p:txBody>
+          <a:bodyPr/>
+          <a:lstStyle/>
+          <a:p>
+            <a:r>
+              <a:rPr lang="en-US" sz="4000" dirty="0" smtClean="0">
+                <a:cs typeface="Times New Roman" pitchFamily="18" charset="0"/>
+              </a:rPr>
+              <a:t>Requirement Specifications</a:t>
+            </a:r>
+            <a:endParaRPr lang="en-US" sz="4000" dirty="0"/>
           </a:p>
         </p:txBody>
       </p:sp>
@@ -7134,7 +7258,7 @@
     </p:spTree>
     <p:extLst>
       <p:ext uri="{BB962C8B-B14F-4D97-AF65-F5344CB8AC3E}">
-        <p14:creationId xmlns:p14="http://schemas.microsoft.com/office/powerpoint/2010/main" val="208836316"/>
+        <p14:creationId xmlns:p14="http://schemas.microsoft.com/office/powerpoint/2010/main" val="1866829346"/>
       </p:ext>
     </p:extLst>
   </p:cSld>
@@ -7637,37 +7761,12 @@
       </p:grpSpPr>
       <p:sp>
         <p:nvSpPr>
-          <p:cNvPr id="41986" name="Rectangle 2"/>
-          <p:cNvSpPr>
-            <a:spLocks noGrp="1" noChangeArrowheads="1"/>
-          </p:cNvSpPr>
-          <p:nvPr>
-            <p:ph type="title"/>
-          </p:nvPr>
-        </p:nvSpPr>
-        <p:spPr/>
-        <p:txBody>
-          <a:bodyPr/>
-          <a:lstStyle/>
-          <a:p>
-            <a:r>
-              <a:rPr lang="en-US" sz="4000" dirty="0" smtClean="0">
-                <a:cs typeface="Times New Roman" pitchFamily="18" charset="0"/>
-              </a:rPr>
-              <a:t>Requirement Specifications</a:t>
-            </a:r>
-            <a:endParaRPr lang="en-US" sz="4000" dirty="0"/>
-          </a:p>
-        </p:txBody>
-      </p:sp>
-      <p:sp>
-        <p:nvSpPr>
           <p:cNvPr id="41987" name="Rectangle 3"/>
           <p:cNvSpPr>
             <a:spLocks noGrp="1" noChangeArrowheads="1"/>
           </p:cNvSpPr>
           <p:nvPr>
-            <p:ph type="body" idx="1"/>
+            <p:ph idx="1"/>
           </p:nvPr>
         </p:nvSpPr>
         <p:spPr>
@@ -7868,7 +7967,28 @@
                   <a:schemeClr val="tx1"/>
                 </a:solidFill>
               </a:rPr>
-              <a:t>IC 7805</a:t>
+              <a:t>IC </a:t>
+            </a:r>
+            <a:r>
+              <a:rPr lang="en-US" sz="2400" dirty="0" smtClean="0">
+                <a:solidFill>
+                  <a:schemeClr val="tx1"/>
+                </a:solidFill>
+              </a:rPr>
+              <a:t>7805</a:t>
+            </a:r>
+          </a:p>
+          <a:p>
+            <a:pPr>
+              <a:buFont typeface="Wingdings" pitchFamily="2" charset="2"/>
+              <a:buChar char="ü"/>
+            </a:pPr>
+            <a:r>
+              <a:rPr lang="en-US" sz="2400" dirty="0" smtClean="0">
+                <a:latin typeface="Arial" pitchFamily="34" charset="0"/>
+                <a:cs typeface="Arial" pitchFamily="34" charset="0"/>
+              </a:rPr>
+              <a:t>Motor</a:t>
             </a:r>
             <a:endParaRPr lang="en-US" sz="2400" dirty="0" smtClean="0">
               <a:solidFill>
@@ -7879,6 +7999,31 @@
               <a:latin typeface="Arial" pitchFamily="34" charset="0"/>
               <a:cs typeface="Arial" pitchFamily="34" charset="0"/>
             </a:endParaRPr>
+          </a:p>
+        </p:txBody>
+      </p:sp>
+      <p:sp>
+        <p:nvSpPr>
+          <p:cNvPr id="41986" name="Rectangle 2"/>
+          <p:cNvSpPr>
+            <a:spLocks noGrp="1" noChangeArrowheads="1"/>
+          </p:cNvSpPr>
+          <p:nvPr>
+            <p:ph type="title"/>
+          </p:nvPr>
+        </p:nvSpPr>
+        <p:spPr/>
+        <p:txBody>
+          <a:bodyPr/>
+          <a:lstStyle/>
+          <a:p>
+            <a:r>
+              <a:rPr lang="en-US" sz="4000" dirty="0" smtClean="0">
+                <a:cs typeface="Times New Roman" pitchFamily="18" charset="0"/>
+              </a:rPr>
+              <a:t>Requirement Specifications</a:t>
+            </a:r>
+            <a:endParaRPr lang="en-US" sz="4000" dirty="0"/>
           </a:p>
         </p:txBody>
       </p:sp>
@@ -7924,7 +8069,7 @@
     </p:spTree>
     <p:extLst>
       <p:ext uri="{BB962C8B-B14F-4D97-AF65-F5344CB8AC3E}">
-        <p14:creationId xmlns:p14="http://schemas.microsoft.com/office/powerpoint/2010/main" val="2928915"/>
+        <p14:creationId xmlns:p14="http://schemas.microsoft.com/office/powerpoint/2010/main" val="2370529167"/>
       </p:ext>
     </p:extLst>
   </p:cSld>
@@ -9756,26 +9901,27 @@
               </a:rPr>
               <a:t>Mechanical </a:t>
             </a:r>
-            <a:r>
-              <a:rPr lang="en-US" sz="3200" b="1" dirty="0" smtClean="0">
-                <a:solidFill>
-                  <a:schemeClr val="accent5">
-                    <a:lumMod val="10000"/>
-                  </a:schemeClr>
-                </a:solidFill>
-                <a:latin typeface="Arial" pitchFamily="34" charset="0"/>
-                <a:cs typeface="Arial" pitchFamily="34" charset="0"/>
-              </a:rPr>
-              <a:t>Design</a:t>
-            </a:r>
+            <a:endParaRPr lang="en-US" sz="3200" b="1" dirty="0" smtClean="0">
+              <a:solidFill>
+                <a:schemeClr val="accent5">
+                  <a:lumMod val="10000"/>
+                </a:schemeClr>
+              </a:solidFill>
+              <a:latin typeface="Arial" pitchFamily="34" charset="0"/>
+              <a:cs typeface="Arial" pitchFamily="34" charset="0"/>
+            </a:endParaRPr>
           </a:p>
           <a:p>
             <a:pPr marL="0" indent="0">
               <a:buNone/>
             </a:pPr>
             <a:r>
+              <a:rPr lang="en-US" sz="3200" dirty="0" smtClean="0"/>
+              <a:t>Supply </a:t>
+            </a:r>
+            <a:r>
               <a:rPr lang="en-US" sz="3200" dirty="0"/>
-              <a:t>Supply power for main board using Rolling-element bearing</a:t>
+              <a:t>power for main board using Rolling-element bearing</a:t>
             </a:r>
           </a:p>
           <a:p>
@@ -9912,22 +10058,18 @@
           <a:bodyPr/>
           <a:lstStyle/>
           <a:p>
-            <a:pPr marL="0" indent="0">
-              <a:buNone/>
-            </a:pPr>
-            <a:r>
-              <a:rPr lang="en-US" sz="3200" dirty="0"/>
-              <a:t>Mechanical</a:t>
-            </a:r>
-            <a:endParaRPr lang="en-US" sz="3200" b="1" dirty="0" smtClean="0">
-              <a:solidFill>
-                <a:schemeClr val="accent5">
-                  <a:lumMod val="10000"/>
-                </a:schemeClr>
-              </a:solidFill>
-              <a:latin typeface="Arial" pitchFamily="34" charset="0"/>
-              <a:cs typeface="Arial" pitchFamily="34" charset="0"/>
-            </a:endParaRPr>
+            <a:r>
+              <a:rPr lang="en-US" sz="3200" b="1" dirty="0">
+                <a:solidFill>
+                  <a:schemeClr val="accent5">
+                    <a:lumMod val="10000"/>
+                  </a:schemeClr>
+                </a:solidFill>
+                <a:latin typeface="Arial" pitchFamily="34" charset="0"/>
+                <a:cs typeface="Arial" pitchFamily="34" charset="0"/>
+              </a:rPr>
+              <a:t>Mechanical </a:t>
+            </a:r>
           </a:p>
         </p:txBody>
       </p:sp>
@@ -10728,29 +10870,8 @@
                 <a:latin typeface="Arial" pitchFamily="34" charset="0"/>
                 <a:cs typeface="Arial" pitchFamily="34" charset="0"/>
               </a:rPr>
-              <a:t>Schematic, PCB </a:t>
-            </a:r>
-            <a:r>
-              <a:rPr lang="en-US" sz="3200" b="1" dirty="0" smtClean="0">
-                <a:solidFill>
-                  <a:schemeClr val="accent5">
-                    <a:lumMod val="10000"/>
-                  </a:schemeClr>
-                </a:solidFill>
-                <a:latin typeface="Arial" pitchFamily="34" charset="0"/>
-                <a:cs typeface="Arial" pitchFamily="34" charset="0"/>
-              </a:rPr>
-              <a:t>Design</a:t>
-            </a:r>
-            <a:endParaRPr lang="en-US" sz="3200" b="1" dirty="0" smtClean="0">
-              <a:solidFill>
-                <a:schemeClr val="accent5">
-                  <a:lumMod val="10000"/>
-                </a:schemeClr>
-              </a:solidFill>
-              <a:latin typeface="Arial" pitchFamily="34" charset="0"/>
-              <a:cs typeface="Arial" pitchFamily="34" charset="0"/>
-            </a:endParaRPr>
+              <a:t>Schematic, PCB Design</a:t>
+            </a:r>
           </a:p>
         </p:txBody>
       </p:sp>
@@ -11084,6 +11205,93 @@
       </p:grpSpPr>
       <p:sp>
         <p:nvSpPr>
+          <p:cNvPr id="41987" name="Rectangle 3"/>
+          <p:cNvSpPr>
+            <a:spLocks noGrp="1" noChangeArrowheads="1"/>
+          </p:cNvSpPr>
+          <p:nvPr>
+            <p:ph idx="1"/>
+          </p:nvPr>
+        </p:nvSpPr>
+        <p:spPr>
+          <a:xfrm>
+            <a:off x="173718" y="1752600"/>
+            <a:ext cx="8382000" cy="4114800"/>
+          </a:xfrm>
+        </p:spPr>
+        <p:txBody>
+          <a:bodyPr/>
+          <a:lstStyle/>
+          <a:p>
+            <a:r>
+              <a:rPr lang="en-US" sz="3200" b="1" dirty="0" smtClean="0">
+                <a:solidFill>
+                  <a:schemeClr val="accent5">
+                    <a:lumMod val="10000"/>
+                  </a:schemeClr>
+                </a:solidFill>
+                <a:latin typeface="Arial" pitchFamily="34" charset="0"/>
+                <a:cs typeface="Arial" pitchFamily="34" charset="0"/>
+              </a:rPr>
+              <a:t>Timing algorithm</a:t>
+            </a:r>
+          </a:p>
+          <a:p>
+            <a:pPr>
+              <a:buFont typeface="Wingdings" pitchFamily="2" charset="2"/>
+              <a:buChar char="ü"/>
+            </a:pPr>
+            <a:r>
+              <a:rPr lang="en-US" sz="1800" dirty="0"/>
+              <a:t>The system use 2 interrupts to </a:t>
+            </a:r>
+            <a:r>
+              <a:rPr lang="en-US" sz="1800" dirty="0" smtClean="0"/>
+              <a:t>acknowledge </a:t>
+            </a:r>
+            <a:r>
+              <a:rPr lang="en-US" sz="1800" dirty="0"/>
+              <a:t>when a new rotation started and when to print out the next Position’s data of LEDs array. </a:t>
+            </a:r>
+            <a:endParaRPr lang="en-US" sz="1800" dirty="0" smtClean="0"/>
+          </a:p>
+          <a:p>
+            <a:pPr>
+              <a:buFont typeface="Wingdings" pitchFamily="2" charset="2"/>
+              <a:buChar char="ü"/>
+            </a:pPr>
+            <a:r>
+              <a:rPr lang="en-US" sz="1800" dirty="0" smtClean="0"/>
+              <a:t>Each </a:t>
+            </a:r>
+            <a:r>
+              <a:rPr lang="en-US" sz="1800" dirty="0"/>
+              <a:t>Hall interruption </a:t>
+            </a:r>
+            <a:r>
+              <a:rPr lang="en-US" sz="1800" dirty="0" smtClean="0"/>
+              <a:t>indicates when the array LED has </a:t>
+            </a:r>
+            <a:r>
+              <a:rPr lang="en-US" sz="1800" dirty="0"/>
+              <a:t>finished a rotation.</a:t>
+            </a:r>
+          </a:p>
+          <a:p>
+            <a:endParaRPr lang="en-US" sz="2000" dirty="0" smtClean="0">
+              <a:solidFill>
+                <a:schemeClr val="accent5">
+                  <a:lumMod val="10000"/>
+                </a:schemeClr>
+              </a:solidFill>
+              <a:latin typeface="Arial" pitchFamily="34" charset="0"/>
+              <a:cs typeface="Arial" pitchFamily="34" charset="0"/>
+            </a:endParaRPr>
+          </a:p>
+        </p:txBody>
+      </p:sp>
+      <p:sp>
+        <p:nvSpPr>
           <p:cNvPr id="41986" name="Rectangle 2"/>
           <p:cNvSpPr>
             <a:spLocks noGrp="1" noChangeArrowheads="1"/>
@@ -11104,41 +11312,6 @@
               <a:t>Design</a:t>
             </a:r>
             <a:endParaRPr lang="en-US" sz="4000" dirty="0"/>
-          </a:p>
-        </p:txBody>
-      </p:sp>
-      <p:sp>
-        <p:nvSpPr>
-          <p:cNvPr id="41987" name="Rectangle 3"/>
-          <p:cNvSpPr>
-            <a:spLocks noGrp="1" noChangeArrowheads="1"/>
-          </p:cNvSpPr>
-          <p:nvPr>
-            <p:ph type="body" idx="1"/>
-          </p:nvPr>
-        </p:nvSpPr>
-        <p:spPr>
-          <a:xfrm>
-            <a:off x="436491" y="1828800"/>
-            <a:ext cx="8382000" cy="4648200"/>
-          </a:xfrm>
-        </p:spPr>
-        <p:txBody>
-          <a:bodyPr/>
-          <a:lstStyle/>
-          <a:p>
-            <a:r>
-              <a:rPr lang="en-US" sz="3200" b="1" dirty="0" smtClean="0">
-                <a:solidFill>
-                  <a:schemeClr val="accent5">
-                    <a:lumMod val="10000"/>
-                  </a:schemeClr>
-                </a:solidFill>
-                <a:latin typeface="Arial" pitchFamily="34" charset="0"/>
-                <a:cs typeface="Arial" pitchFamily="34" charset="0"/>
-              </a:rPr>
-              <a:t>Algorithm</a:t>
-            </a:r>
           </a:p>
         </p:txBody>
       </p:sp>
@@ -11181,10 +11354,51 @@
           </a:p>
         </p:txBody>
       </p:sp>
+      <p:pic>
+        <p:nvPicPr>
+          <p:cNvPr id="6146" name="Picture 2" descr="C:\Users\Dinh\Downloads\Timing diagram (4).png"/>
+          <p:cNvPicPr>
+            <a:picLocks noChangeAspect="1" noChangeArrowheads="1"/>
+          </p:cNvPicPr>
+          <p:nvPr/>
+        </p:nvPicPr>
+        <p:blipFill>
+          <a:blip r:embed="rId2">
+            <a:extLst>
+              <a:ext uri="{28A0092B-C50C-407E-A947-70E740481C1C}">
+                <a14:useLocalDpi xmlns:a14="http://schemas.microsoft.com/office/drawing/2010/main" val="0"/>
+              </a:ext>
+            </a:extLst>
+          </a:blip>
+          <a:srcRect/>
+          <a:stretch>
+            <a:fillRect/>
+          </a:stretch>
+        </p:blipFill>
+        <p:spPr bwMode="auto">
+          <a:xfrm>
+            <a:off x="137378" y="3810000"/>
+            <a:ext cx="8839200" cy="2676525"/>
+          </a:xfrm>
+          <a:prstGeom prst="rect">
+            <a:avLst/>
+          </a:prstGeom>
+          <a:noFill/>
+          <a:extLst>
+            <a:ext uri="{909E8E84-426E-40DD-AFC4-6F175D3DCCD1}">
+              <a14:hiddenFill xmlns:a14="http://schemas.microsoft.com/office/drawing/2010/main">
+                <a:solidFill>
+                  <a:srgbClr val="FFFFFF"/>
+                </a:solidFill>
+              </a14:hiddenFill>
+            </a:ext>
+          </a:extLst>
+        </p:spPr>
+      </p:pic>
     </p:spTree>
     <p:extLst>
       <p:ext uri="{BB962C8B-B14F-4D97-AF65-F5344CB8AC3E}">
-        <p14:creationId xmlns:p14="http://schemas.microsoft.com/office/powerpoint/2010/main" val="2826243306"/>
+        <p14:creationId xmlns:p14="http://schemas.microsoft.com/office/powerpoint/2010/main" val="2422851958"/>
       </p:ext>
     </p:extLst>
   </p:cSld>
@@ -11275,15 +11489,6 @@
               </a:rPr>
               <a:t>Mechanical</a:t>
             </a:r>
-            <a:endParaRPr lang="en-US" sz="3200" b="1" dirty="0" smtClean="0">
-              <a:solidFill>
-                <a:schemeClr val="accent5">
-                  <a:lumMod val="10000"/>
-                </a:schemeClr>
-              </a:solidFill>
-              <a:latin typeface="Arial" pitchFamily="34" charset="0"/>
-              <a:cs typeface="Arial" pitchFamily="34" charset="0"/>
-            </a:endParaRPr>
           </a:p>
         </p:txBody>
       </p:sp>
@@ -11823,37 +12028,12 @@
       </p:grpSpPr>
       <p:sp>
         <p:nvSpPr>
-          <p:cNvPr id="41986" name="Rectangle 2"/>
-          <p:cNvSpPr>
-            <a:spLocks noGrp="1" noChangeArrowheads="1"/>
-          </p:cNvSpPr>
-          <p:nvPr>
-            <p:ph type="title"/>
-          </p:nvPr>
-        </p:nvSpPr>
-        <p:spPr/>
-        <p:txBody>
-          <a:bodyPr/>
-          <a:lstStyle/>
-          <a:p>
-            <a:r>
-              <a:rPr lang="en-US" sz="4000" dirty="0" smtClean="0">
-                <a:cs typeface="Times New Roman" pitchFamily="18" charset="0"/>
-              </a:rPr>
-              <a:t>Implementation</a:t>
-            </a:r>
-            <a:endParaRPr lang="en-US" sz="4000" dirty="0"/>
-          </a:p>
-        </p:txBody>
-      </p:sp>
-      <p:sp>
-        <p:nvSpPr>
           <p:cNvPr id="41987" name="Rectangle 3"/>
           <p:cNvSpPr>
             <a:spLocks noGrp="1" noChangeArrowheads="1"/>
           </p:cNvSpPr>
           <p:nvPr>
-            <p:ph type="body" idx="1"/>
+            <p:ph idx="1"/>
           </p:nvPr>
         </p:nvSpPr>
         <p:spPr>
@@ -11867,7 +12047,7 @@
           <a:lstStyle/>
           <a:p>
             <a:r>
-              <a:rPr lang="en-US" sz="3200" b="1" dirty="0" smtClean="0">
+              <a:rPr lang="en-US" sz="3200" b="1" dirty="0">
                 <a:solidFill>
                   <a:schemeClr val="accent5">
                     <a:lumMod val="10000"/>
@@ -11876,8 +12056,42 @@
                 <a:latin typeface="Arial" pitchFamily="34" charset="0"/>
                 <a:cs typeface="Arial" pitchFamily="34" charset="0"/>
               </a:rPr>
-              <a:t>Board</a:t>
-            </a:r>
+              <a:t>Circuit Board</a:t>
+            </a:r>
+            <a:endParaRPr lang="en-US" sz="3200" b="1" dirty="0" smtClean="0">
+              <a:solidFill>
+                <a:schemeClr val="accent5">
+                  <a:lumMod val="10000"/>
+                </a:schemeClr>
+              </a:solidFill>
+              <a:latin typeface="Arial" pitchFamily="34" charset="0"/>
+              <a:cs typeface="Arial" pitchFamily="34" charset="0"/>
+            </a:endParaRPr>
+          </a:p>
+        </p:txBody>
+      </p:sp>
+      <p:sp>
+        <p:nvSpPr>
+          <p:cNvPr id="41986" name="Rectangle 2"/>
+          <p:cNvSpPr>
+            <a:spLocks noGrp="1" noChangeArrowheads="1"/>
+          </p:cNvSpPr>
+          <p:nvPr>
+            <p:ph type="title"/>
+          </p:nvPr>
+        </p:nvSpPr>
+        <p:spPr/>
+        <p:txBody>
+          <a:bodyPr/>
+          <a:lstStyle/>
+          <a:p>
+            <a:r>
+              <a:rPr lang="en-US" sz="4000" dirty="0" smtClean="0">
+                <a:cs typeface="Times New Roman" pitchFamily="18" charset="0"/>
+              </a:rPr>
+              <a:t>Implementation</a:t>
+            </a:r>
+            <a:endParaRPr lang="en-US" sz="4000" dirty="0"/>
           </a:p>
         </p:txBody>
       </p:sp>
@@ -11920,10 +12134,118 @@
           </a:p>
         </p:txBody>
       </p:sp>
+      <p:pic>
+        <p:nvPicPr>
+          <p:cNvPr id="8194" name="Picture 2" descr="C:\Users\Dinh\Downloads\CAM00416 (1).jpg"/>
+          <p:cNvPicPr>
+            <a:picLocks noChangeAspect="1" noChangeArrowheads="1"/>
+          </p:cNvPicPr>
+          <p:nvPr/>
+        </p:nvPicPr>
+        <p:blipFill rotWithShape="1">
+          <a:blip r:embed="rId2" cstate="print">
+            <a:extLst>
+              <a:ext uri="{28A0092B-C50C-407E-A947-70E740481C1C}">
+                <a14:useLocalDpi xmlns:a14="http://schemas.microsoft.com/office/drawing/2010/main" val="0"/>
+              </a:ext>
+            </a:extLst>
+          </a:blip>
+          <a:srcRect l="3198" t="12896" b="14719"/>
+          <a:stretch/>
+        </p:blipFill>
+        <p:spPr bwMode="auto">
+          <a:xfrm>
+            <a:off x="1828800" y="2463044"/>
+            <a:ext cx="5871030" cy="3292567"/>
+          </a:xfrm>
+          <a:prstGeom prst="rect">
+            <a:avLst/>
+          </a:prstGeom>
+          <a:noFill/>
+          <a:extLst>
+            <a:ext uri="{909E8E84-426E-40DD-AFC4-6F175D3DCCD1}">
+              <a14:hiddenFill xmlns:a14="http://schemas.microsoft.com/office/drawing/2010/main">
+                <a:solidFill>
+                  <a:srgbClr val="FFFFFF"/>
+                </a:solidFill>
+              </a14:hiddenFill>
+            </a:ext>
+          </a:extLst>
+        </p:spPr>
+      </p:pic>
+      <p:sp>
+        <p:nvSpPr>
+          <p:cNvPr id="3" name="Rectangle 2"/>
+          <p:cNvSpPr/>
+          <p:nvPr/>
+        </p:nvSpPr>
+        <p:spPr>
+          <a:xfrm>
+            <a:off x="2819400" y="5985578"/>
+            <a:ext cx="4160113" cy="369332"/>
+          </a:xfrm>
+          <a:prstGeom prst="rect">
+            <a:avLst/>
+          </a:prstGeom>
+        </p:spPr>
+        <p:txBody>
+          <a:bodyPr wrap="none">
+            <a:spAutoFit/>
+          </a:bodyPr>
+          <a:lstStyle/>
+          <a:p>
+            <a:r>
+              <a:rPr lang="en-US" dirty="0" err="1">
+                <a:solidFill>
+                  <a:schemeClr val="accent5">
+                    <a:lumMod val="10000"/>
+                  </a:schemeClr>
+                </a:solidFill>
+                <a:latin typeface="Arial" pitchFamily="34" charset="0"/>
+                <a:cs typeface="Arial" pitchFamily="34" charset="0"/>
+              </a:rPr>
+              <a:t>pLed</a:t>
+            </a:r>
+            <a:r>
+              <a:rPr lang="en-US" dirty="0">
+                <a:solidFill>
+                  <a:schemeClr val="accent5">
+                    <a:lumMod val="10000"/>
+                  </a:schemeClr>
+                </a:solidFill>
+                <a:latin typeface="Arial" pitchFamily="34" charset="0"/>
+                <a:cs typeface="Arial" pitchFamily="34" charset="0"/>
+              </a:rPr>
+              <a:t> dual and triple color </a:t>
+            </a:r>
+            <a:r>
+              <a:rPr lang="en-US" dirty="0" smtClean="0">
+                <a:solidFill>
+                  <a:schemeClr val="accent5">
+                    <a:lumMod val="10000"/>
+                  </a:schemeClr>
+                </a:solidFill>
+                <a:latin typeface="Arial" pitchFamily="34" charset="0"/>
+                <a:cs typeface="Arial" pitchFamily="34" charset="0"/>
+              </a:rPr>
+              <a:t>v1.0 (legacy)</a:t>
+            </a:r>
+            <a:endParaRPr lang="en-US" dirty="0">
+              <a:solidFill>
+                <a:schemeClr val="accent5">
+                  <a:lumMod val="10000"/>
+                </a:schemeClr>
+              </a:solidFill>
+              <a:latin typeface="Arial" pitchFamily="34" charset="0"/>
+              <a:cs typeface="Arial" pitchFamily="34" charset="0"/>
+            </a:endParaRPr>
+          </a:p>
+        </p:txBody>
+      </p:sp>
     </p:spTree>
     <p:extLst>
       <p:ext uri="{BB962C8B-B14F-4D97-AF65-F5344CB8AC3E}">
-        <p14:creationId xmlns:p14="http://schemas.microsoft.com/office/powerpoint/2010/main" val="3366172798"/>
+        <p14:creationId xmlns:p14="http://schemas.microsoft.com/office/powerpoint/2010/main" val="859924332"/>
       </p:ext>
     </p:extLst>
   </p:cSld>
@@ -11959,37 +12281,12 @@
       </p:grpSpPr>
       <p:sp>
         <p:nvSpPr>
-          <p:cNvPr id="41986" name="Rectangle 2"/>
-          <p:cNvSpPr>
-            <a:spLocks noGrp="1" noChangeArrowheads="1"/>
-          </p:cNvSpPr>
-          <p:nvPr>
-            <p:ph type="title"/>
-          </p:nvPr>
-        </p:nvSpPr>
-        <p:spPr/>
-        <p:txBody>
-          <a:bodyPr/>
-          <a:lstStyle/>
-          <a:p>
-            <a:r>
-              <a:rPr lang="en-US" sz="4000" dirty="0" smtClean="0">
-                <a:cs typeface="Times New Roman" pitchFamily="18" charset="0"/>
-              </a:rPr>
-              <a:t>Implementation</a:t>
-            </a:r>
-            <a:endParaRPr lang="en-US" sz="4000" dirty="0"/>
-          </a:p>
-        </p:txBody>
-      </p:sp>
-      <p:sp>
-        <p:nvSpPr>
           <p:cNvPr id="41987" name="Rectangle 3"/>
           <p:cNvSpPr>
             <a:spLocks noGrp="1" noChangeArrowheads="1"/>
           </p:cNvSpPr>
           <p:nvPr>
-            <p:ph type="body" idx="1"/>
+            <p:ph idx="1"/>
           </p:nvPr>
         </p:nvSpPr>
         <p:spPr>
@@ -12003,7 +12300,7 @@
           <a:lstStyle/>
           <a:p>
             <a:r>
-              <a:rPr lang="en-US" sz="3200" b="1" dirty="0" smtClean="0">
+              <a:rPr lang="en-US" sz="3200" b="1" dirty="0">
                 <a:solidFill>
                   <a:schemeClr val="accent5">
                     <a:lumMod val="10000"/>
@@ -12012,8 +12309,42 @@
                 <a:latin typeface="Arial" pitchFamily="34" charset="0"/>
                 <a:cs typeface="Arial" pitchFamily="34" charset="0"/>
               </a:rPr>
-              <a:t>Board</a:t>
-            </a:r>
+              <a:t>Circuit Board</a:t>
+            </a:r>
+            <a:endParaRPr lang="en-US" sz="3200" b="1" dirty="0" smtClean="0">
+              <a:solidFill>
+                <a:schemeClr val="accent5">
+                  <a:lumMod val="10000"/>
+                </a:schemeClr>
+              </a:solidFill>
+              <a:latin typeface="Arial" pitchFamily="34" charset="0"/>
+              <a:cs typeface="Arial" pitchFamily="34" charset="0"/>
+            </a:endParaRPr>
+          </a:p>
+        </p:txBody>
+      </p:sp>
+      <p:sp>
+        <p:nvSpPr>
+          <p:cNvPr id="41986" name="Rectangle 2"/>
+          <p:cNvSpPr>
+            <a:spLocks noGrp="1" noChangeArrowheads="1"/>
+          </p:cNvSpPr>
+          <p:nvPr>
+            <p:ph type="title"/>
+          </p:nvPr>
+        </p:nvSpPr>
+        <p:spPr/>
+        <p:txBody>
+          <a:bodyPr/>
+          <a:lstStyle/>
+          <a:p>
+            <a:r>
+              <a:rPr lang="en-US" sz="4000" dirty="0" smtClean="0">
+                <a:cs typeface="Times New Roman" pitchFamily="18" charset="0"/>
+              </a:rPr>
+              <a:t>Implementation</a:t>
+            </a:r>
+            <a:endParaRPr lang="en-US" sz="4000" dirty="0"/>
           </a:p>
         </p:txBody>
       </p:sp>
@@ -12056,10 +12387,142 @@
           </a:p>
         </p:txBody>
       </p:sp>
+      <p:pic>
+        <p:nvPicPr>
+          <p:cNvPr id="6" name="Picture 2" descr="C:\Users\Dinh\Downloads\CAM00418.jpg"/>
+          <p:cNvPicPr>
+            <a:picLocks noChangeAspect="1" noChangeArrowheads="1"/>
+          </p:cNvPicPr>
+          <p:nvPr/>
+        </p:nvPicPr>
+        <p:blipFill rotWithShape="1">
+          <a:blip r:embed="rId2" cstate="print">
+            <a:extLst>
+              <a:ext uri="{28A0092B-C50C-407E-A947-70E740481C1C}">
+                <a14:useLocalDpi xmlns:a14="http://schemas.microsoft.com/office/drawing/2010/main" val="0"/>
+              </a:ext>
+            </a:extLst>
+          </a:blip>
+          <a:srcRect t="22272" r="2481" b="30669"/>
+          <a:stretch/>
+        </p:blipFill>
+        <p:spPr bwMode="auto">
+          <a:xfrm>
+            <a:off x="685800" y="2438400"/>
+            <a:ext cx="7620000" cy="2757851"/>
+          </a:xfrm>
+          <a:prstGeom prst="rect">
+            <a:avLst/>
+          </a:prstGeom>
+          <a:noFill/>
+          <a:extLst>
+            <a:ext uri="{909E8E84-426E-40DD-AFC4-6F175D3DCCD1}">
+              <a14:hiddenFill xmlns:a14="http://schemas.microsoft.com/office/drawing/2010/main">
+                <a:solidFill>
+                  <a:srgbClr val="FFFFFF"/>
+                </a:solidFill>
+              </a14:hiddenFill>
+            </a:ext>
+          </a:extLst>
+        </p:spPr>
+      </p:pic>
+      <p:sp>
+        <p:nvSpPr>
+          <p:cNvPr id="3" name="Rectangle 2"/>
+          <p:cNvSpPr/>
+          <p:nvPr/>
+        </p:nvSpPr>
+        <p:spPr>
+          <a:xfrm>
+            <a:off x="3332661" y="5486400"/>
+            <a:ext cx="2326278" cy="369332"/>
+          </a:xfrm>
+          <a:prstGeom prst="rect">
+            <a:avLst/>
+          </a:prstGeom>
+        </p:spPr>
+        <p:txBody>
+          <a:bodyPr wrap="none">
+            <a:spAutoFit/>
+          </a:bodyPr>
+          <a:lstStyle/>
+          <a:p>
+            <a:r>
+              <a:rPr lang="en-US" dirty="0" err="1">
+                <a:solidFill>
+                  <a:schemeClr val="accent5">
+                    <a:lumMod val="10000"/>
+                  </a:schemeClr>
+                </a:solidFill>
+                <a:latin typeface="Arial" pitchFamily="34" charset="0"/>
+                <a:cs typeface="Arial" pitchFamily="34" charset="0"/>
+              </a:rPr>
+              <a:t>pLed</a:t>
+            </a:r>
+            <a:r>
+              <a:rPr lang="en-US" dirty="0">
+                <a:solidFill>
+                  <a:schemeClr val="accent5">
+                    <a:lumMod val="10000"/>
+                  </a:schemeClr>
+                </a:solidFill>
+                <a:latin typeface="Arial" pitchFamily="34" charset="0"/>
+                <a:cs typeface="Arial" pitchFamily="34" charset="0"/>
+              </a:rPr>
+              <a:t> </a:t>
+            </a:r>
+            <a:r>
+              <a:rPr lang="en-US" dirty="0" smtClean="0">
+                <a:solidFill>
+                  <a:schemeClr val="accent5">
+                    <a:lumMod val="10000"/>
+                  </a:schemeClr>
+                </a:solidFill>
+                <a:latin typeface="Arial" pitchFamily="34" charset="0"/>
+                <a:cs typeface="Arial" pitchFamily="34" charset="0"/>
+              </a:rPr>
+              <a:t>triple </a:t>
+            </a:r>
+            <a:r>
+              <a:rPr lang="en-US" dirty="0">
+                <a:solidFill>
+                  <a:schemeClr val="accent5">
+                    <a:lumMod val="10000"/>
+                  </a:schemeClr>
+                </a:solidFill>
+                <a:latin typeface="Arial" pitchFamily="34" charset="0"/>
+                <a:cs typeface="Arial" pitchFamily="34" charset="0"/>
+              </a:rPr>
+              <a:t>color </a:t>
+            </a:r>
+            <a:r>
+              <a:rPr lang="en-US" dirty="0" smtClean="0">
+                <a:solidFill>
+                  <a:schemeClr val="accent5">
+                    <a:lumMod val="10000"/>
+                  </a:schemeClr>
+                </a:solidFill>
+                <a:latin typeface="Arial" pitchFamily="34" charset="0"/>
+                <a:cs typeface="Arial" pitchFamily="34" charset="0"/>
+              </a:rPr>
+              <a:t>v2.0</a:t>
+            </a:r>
+            <a:endParaRPr lang="en-US" dirty="0">
+              <a:solidFill>
+                <a:schemeClr val="accent5">
+                  <a:lumMod val="10000"/>
+                </a:schemeClr>
+              </a:solidFill>
+              <a:latin typeface="Arial" pitchFamily="34" charset="0"/>
+              <a:cs typeface="Arial" pitchFamily="34" charset="0"/>
+            </a:endParaRPr>
+          </a:p>
+        </p:txBody>
+      </p:sp>
     </p:spTree>
     <p:extLst>
       <p:ext uri="{BB962C8B-B14F-4D97-AF65-F5344CB8AC3E}">
-        <p14:creationId xmlns:p14="http://schemas.microsoft.com/office/powerpoint/2010/main" val="290054110"/>
+        <p14:creationId xmlns:p14="http://schemas.microsoft.com/office/powerpoint/2010/main" val="988763945"/>
       </p:ext>
     </p:extLst>
   </p:cSld>
@@ -15523,6 +15986,91 @@
           <a:chExt cx="0" cy="0"/>
         </a:xfrm>
       </p:grpSpPr>
+      <p:pic>
+        <p:nvPicPr>
+          <p:cNvPr id="5123" name="Picture 3" descr="C:\Users\Dinh\Downloads\Display structure diagram.png"/>
+          <p:cNvPicPr>
+            <a:picLocks noChangeAspect="1" noChangeArrowheads="1"/>
+          </p:cNvPicPr>
+          <p:nvPr/>
+        </p:nvPicPr>
+        <p:blipFill>
+          <a:blip r:embed="rId2">
+            <a:extLst>
+              <a:ext uri="{28A0092B-C50C-407E-A947-70E740481C1C}">
+                <a14:useLocalDpi xmlns:a14="http://schemas.microsoft.com/office/drawing/2010/main" val="0"/>
+              </a:ext>
+            </a:extLst>
+          </a:blip>
+          <a:srcRect/>
+          <a:stretch>
+            <a:fillRect/>
+          </a:stretch>
+        </p:blipFill>
+        <p:spPr bwMode="auto">
+          <a:xfrm>
+            <a:off x="838200" y="1828800"/>
+            <a:ext cx="7239000" cy="4854436"/>
+          </a:xfrm>
+          <a:prstGeom prst="rect">
+            <a:avLst/>
+          </a:prstGeom>
+          <a:noFill/>
+          <a:extLst>
+            <a:ext uri="{909E8E84-426E-40DD-AFC4-6F175D3DCCD1}">
+              <a14:hiddenFill xmlns:a14="http://schemas.microsoft.com/office/drawing/2010/main">
+                <a:solidFill>
+                  <a:srgbClr val="FFFFFF"/>
+                </a:solidFill>
+              </a14:hiddenFill>
+            </a:ext>
+          </a:extLst>
+        </p:spPr>
+      </p:pic>
+      <p:sp>
+        <p:nvSpPr>
+          <p:cNvPr id="41987" name="Rectangle 3"/>
+          <p:cNvSpPr>
+            <a:spLocks noGrp="1" noChangeArrowheads="1"/>
+          </p:cNvSpPr>
+          <p:nvPr>
+            <p:ph idx="1"/>
+          </p:nvPr>
+        </p:nvSpPr>
+        <p:spPr>
+          <a:xfrm>
+            <a:off x="307975" y="1828800"/>
+            <a:ext cx="8382000" cy="4038600"/>
+          </a:xfrm>
+        </p:spPr>
+        <p:txBody>
+          <a:bodyPr/>
+          <a:lstStyle/>
+          <a:p>
+            <a:r>
+              <a:rPr lang="en-US" sz="3200" b="1" dirty="0" smtClean="0">
+                <a:solidFill>
+                  <a:schemeClr val="accent5">
+                    <a:lumMod val="10000"/>
+                  </a:schemeClr>
+                </a:solidFill>
+                <a:latin typeface="Arial" pitchFamily="34" charset="0"/>
+                <a:cs typeface="Arial" pitchFamily="34" charset="0"/>
+              </a:rPr>
+              <a:t>System structure </a:t>
+            </a:r>
+            <a:endParaRPr lang="en-US" sz="3200" b="1" dirty="0" smtClean="0">
+              <a:solidFill>
+                <a:schemeClr val="accent5">
+                  <a:lumMod val="10000"/>
+                </a:schemeClr>
+              </a:solidFill>
+              <a:latin typeface="Arial" pitchFamily="34" charset="0"/>
+              <a:cs typeface="Arial" pitchFamily="34" charset="0"/>
+            </a:endParaRPr>
+          </a:p>
+        </p:txBody>
+      </p:sp>
       <p:sp>
         <p:nvSpPr>
           <p:cNvPr id="41986" name="Rectangle 2"/>
@@ -15545,41 +16093,6 @@
               <a:t>Implementation</a:t>
             </a:r>
             <a:endParaRPr lang="en-US" sz="4000" dirty="0"/>
-          </a:p>
-        </p:txBody>
-      </p:sp>
-      <p:sp>
-        <p:nvSpPr>
-          <p:cNvPr id="41987" name="Rectangle 3"/>
-          <p:cNvSpPr>
-            <a:spLocks noGrp="1" noChangeArrowheads="1"/>
-          </p:cNvSpPr>
-          <p:nvPr>
-            <p:ph type="body" idx="1"/>
-          </p:nvPr>
-        </p:nvSpPr>
-        <p:spPr>
-          <a:xfrm>
-            <a:off x="436491" y="1828800"/>
-            <a:ext cx="8382000" cy="4648200"/>
-          </a:xfrm>
-        </p:spPr>
-        <p:txBody>
-          <a:bodyPr/>
-          <a:lstStyle/>
-          <a:p>
-            <a:r>
-              <a:rPr lang="en-US" sz="3200" b="1" dirty="0" smtClean="0">
-                <a:solidFill>
-                  <a:schemeClr val="accent5">
-                    <a:lumMod val="10000"/>
-                  </a:schemeClr>
-                </a:solidFill>
-                <a:latin typeface="Arial" pitchFamily="34" charset="0"/>
-                <a:cs typeface="Arial" pitchFamily="34" charset="0"/>
-              </a:rPr>
-              <a:t>Coding </a:t>
-            </a:r>
           </a:p>
         </p:txBody>
       </p:sp>
@@ -15625,7 +16138,7 @@
     </p:spTree>
     <p:extLst>
       <p:ext uri="{BB962C8B-B14F-4D97-AF65-F5344CB8AC3E}">
-        <p14:creationId xmlns:p14="http://schemas.microsoft.com/office/powerpoint/2010/main" val="1685254596"/>
+        <p14:creationId xmlns:p14="http://schemas.microsoft.com/office/powerpoint/2010/main" val="986743484"/>
       </p:ext>
     </p:extLst>
   </p:cSld>
@@ -15669,7 +16182,12 @@
             <p:ph type="title"/>
           </p:nvPr>
         </p:nvSpPr>
-        <p:spPr/>
+        <p:spPr>
+          <a:xfrm>
+            <a:off x="457200" y="457200"/>
+            <a:ext cx="8229600" cy="960438"/>
+          </a:xfrm>
+        </p:spPr>
         <p:txBody>
           <a:bodyPr/>
           <a:lstStyle/>
@@ -15696,14 +16214,20 @@
         </p:nvSpPr>
         <p:spPr>
           <a:xfrm>
-            <a:off x="436491" y="1828800"/>
-            <a:ext cx="8382000" cy="4648200"/>
+            <a:off x="609600" y="1524000"/>
+            <a:ext cx="7467600" cy="639762"/>
           </a:xfrm>
         </p:spPr>
         <p:txBody>
-          <a:bodyPr/>
+          <a:bodyPr>
+            <a:normAutofit/>
+          </a:bodyPr>
           <a:lstStyle/>
           <a:p>
+            <a:pPr marL="457200" indent="-457200">
+              <a:buFont typeface="Wingdings" pitchFamily="2" charset="2"/>
+              <a:buChar char="v"/>
+            </a:pPr>
             <a:r>
               <a:rPr lang="en-US" sz="3200" b="1" dirty="0" smtClean="0">
                 <a:solidFill>
@@ -15714,11 +16238,179 @@
                 <a:latin typeface="Arial" pitchFamily="34" charset="0"/>
                 <a:cs typeface="Arial" pitchFamily="34" charset="0"/>
               </a:rPr>
-              <a:t>Modify Driver</a:t>
-            </a:r>
-          </a:p>
-        </p:txBody>
-      </p:sp>
+              <a:t>Modify Driver: </a:t>
+            </a:r>
+            <a:r>
+              <a:rPr lang="en-US" sz="2800" b="1" dirty="0" smtClean="0">
+                <a:solidFill>
+                  <a:schemeClr val="accent5">
+                    <a:lumMod val="10000"/>
+                  </a:schemeClr>
+                </a:solidFill>
+                <a:latin typeface="Arial" pitchFamily="34" charset="0"/>
+                <a:cs typeface="Arial" pitchFamily="34" charset="0"/>
+              </a:rPr>
+              <a:t>performance</a:t>
+            </a:r>
+            <a:endParaRPr lang="en-US" sz="3200" b="1" dirty="0" smtClean="0">
+              <a:solidFill>
+                <a:schemeClr val="accent5">
+                  <a:lumMod val="10000"/>
+                </a:schemeClr>
+              </a:solidFill>
+              <a:latin typeface="Arial" pitchFamily="34" charset="0"/>
+              <a:cs typeface="Arial" pitchFamily="34" charset="0"/>
+            </a:endParaRPr>
+          </a:p>
+        </p:txBody>
+      </p:sp>
+      <p:sp>
+        <p:nvSpPr>
+          <p:cNvPr id="4" name="Text Placeholder 3"/>
+          <p:cNvSpPr>
+            <a:spLocks noGrp="1"/>
+          </p:cNvSpPr>
+          <p:nvPr>
+            <p:ph type="body" sz="half" idx="3"/>
+          </p:nvPr>
+        </p:nvSpPr>
+        <p:spPr>
+          <a:xfrm>
+            <a:off x="460375" y="2183714"/>
+            <a:ext cx="4041775" cy="639762"/>
+          </a:xfrm>
+        </p:spPr>
+        <p:txBody>
+          <a:bodyPr/>
+          <a:lstStyle/>
+          <a:p>
+            <a:r>
+              <a:rPr lang="en-US" dirty="0" smtClean="0"/>
+              <a:t>Before optimization</a:t>
+            </a:r>
+            <a:endParaRPr lang="en-US" dirty="0"/>
+          </a:p>
+        </p:txBody>
+      </p:sp>
+      <p:sp>
+        <p:nvSpPr>
+          <p:cNvPr id="3" name="Content Placeholder 2"/>
+          <p:cNvSpPr>
+            <a:spLocks noGrp="1"/>
+          </p:cNvSpPr>
+          <p:nvPr>
+            <p:ph sz="quarter" idx="2"/>
+          </p:nvPr>
+        </p:nvSpPr>
+        <p:spPr>
+          <a:xfrm>
+            <a:off x="438604" y="2396557"/>
+            <a:ext cx="4040188" cy="3941763"/>
+          </a:xfrm>
+        </p:spPr>
+        <p:txBody>
+          <a:bodyPr>
+            <a:normAutofit/>
+          </a:bodyPr>
+          <a:lstStyle/>
+          <a:p>
+            <a:endParaRPr lang="en-US" dirty="0" smtClean="0"/>
+          </a:p>
+          <a:p>
+            <a:endParaRPr lang="en-US" dirty="0" smtClean="0"/>
+          </a:p>
+          <a:p>
+            <a:endParaRPr lang="en-US" dirty="0" smtClean="0"/>
+          </a:p>
+          <a:p>
+            <a:endParaRPr lang="en-US" dirty="0"/>
+          </a:p>
+          <a:p>
+            <a:endParaRPr lang="en-US" dirty="0" smtClean="0"/>
+          </a:p>
+          <a:p>
+            <a:endParaRPr lang="en-US" dirty="0"/>
+          </a:p>
+          <a:p>
+            <a:endParaRPr lang="en-US" dirty="0" smtClean="0"/>
+          </a:p>
+          <a:p>
+            <a:endParaRPr lang="en-US" dirty="0"/>
+          </a:p>
+          <a:p>
+            <a:r>
+              <a:rPr lang="en-US" sz="1600" dirty="0" smtClean="0"/>
+              <a:t>40 state changes in 3/10 rotation</a:t>
+            </a:r>
+            <a:endParaRPr lang="en-US" sz="1600" dirty="0"/>
+          </a:p>
+        </p:txBody>
+      </p:sp>
+      <p:pic>
+        <p:nvPicPr>
+          <p:cNvPr id="4099" name="Picture 3"/>
+          <p:cNvPicPr>
+            <a:picLocks noGrp="1" noChangeAspect="1" noChangeArrowheads="1"/>
+          </p:cNvPicPr>
+          <p:nvPr>
+            <p:ph sz="quarter" idx="4"/>
+          </p:nvPr>
+        </p:nvPicPr>
+        <p:blipFill>
+          <a:blip r:embed="rId2">
+            <a:extLst>
+              <a:ext uri="{28A0092B-C50C-407E-A947-70E740481C1C}">
+                <a14:useLocalDpi xmlns:a14="http://schemas.microsoft.com/office/drawing/2010/main" val="0"/>
+              </a:ext>
+            </a:extLst>
+          </a:blip>
+          <a:stretch>
+            <a:fillRect/>
+          </a:stretch>
+        </p:blipFill>
+        <p:spPr bwMode="auto">
+          <a:xfrm>
+            <a:off x="460375" y="2810008"/>
+            <a:ext cx="3499079" cy="3041813"/>
+          </a:xfrm>
+          <a:prstGeom prst="rect">
+            <a:avLst/>
+          </a:prstGeom>
+          <a:noFill/>
+          <a:ln>
+            <a:noFill/>
+          </a:ln>
+          <a:effectLst/>
+          <a:extLst>
+            <a:ext uri="{909E8E84-426E-40DD-AFC4-6F175D3DCCD1}">
+              <a14:hiddenFill xmlns:a14="http://schemas.microsoft.com/office/drawing/2010/main">
+                <a:solidFill>
+                  <a:schemeClr val="accent1"/>
+                </a:solidFill>
+              </a14:hiddenFill>
+            </a:ext>
+            <a:ext uri="{91240B29-F687-4F45-9708-019B960494DF}">
+              <a14:hiddenLine xmlns:a14="http://schemas.microsoft.com/office/drawing/2010/main" w="9525">
+                <a:solidFill>
+                  <a:schemeClr val="tx1"/>
+                </a:solidFill>
+                <a:miter lim="800000"/>
+                <a:headEnd/>
+                <a:tailEnd/>
+              </a14:hiddenLine>
+            </a:ext>
+            <a:ext uri="{AF507438-7753-43E0-B8FC-AC1667EBCBE1}">
+              <a14:hiddenEffects xmlns:a14="http://schemas.microsoft.com/office/drawing/2010/main">
+                <a:effectLst>
+                  <a:outerShdw dist="35921" dir="2700000" algn="ctr" rotWithShape="0">
+                    <a:schemeClr val="bg2"/>
+                  </a:outerShdw>
+                </a:effectLst>
+              </a14:hiddenEffects>
+            </a:ext>
+          </a:extLst>
+        </p:spPr>
+      </p:pic>
       <p:sp>
         <p:nvSpPr>
           <p:cNvPr id="2" name="AutoShape 2" descr="data:image/jpeg;base64,/9j/4AAQSkZJRgABAQAAAQABAAD/2wCEAAkGBxQSEhQUEhQWFhQVGBYYFBcVFxcXGhkWFRYYFiAXGBoYHSggGBonGxUYIjEhJSorMC4uFx8zODMsNyotLisBCgoKDg0OGxAQGiskHSUrLy8yNDI0LCs3Nyw3LSwwLCssLiwyNzcwLSwsMDQ1NywsLDQvNSwyLDQ3LCwsLCwsLP/AABEIAKAAoAMBIgACEQEDEQH/xAAcAAEAAAcBAAAAAAAAAAAAAAAAAQIEBQYHCAP/xAA/EAABAwIEAwQGCAQGAwAAAAABAAIDBBEFEiFBBjFRBxMiYTJxgZGhsRQjM0JSYsHwQ3LR4RUkc6Ky8TREgv/EABkBAQADAQEAAAAAAAAAAAAAAAABAgMFBP/EACoRAAIBAwMDAgYDAAAAAAAAAAABAgMEERIhMUFRcROBYaGxwdHhIiMz/9oADAMBAAIRAxEAPwDeKIiAIiIAiIgCIiAKF0K0h2tdp2bPR0LtNWzzNPPYxxkfFw9Q8gNy4fiUU7S6GRkjWuLCWODgHNNiNN7qrXJvAvGE2GT95H4o3WE0V7B7RuOjhrYrp/AMchrIGT07szHe8HdrhsQpwC5oiKAEREAREQBERAEREAREQBERAFC6g4rRvax2md5npKJ3g1E0zT6W3ds8up/prOAT9rXabnz0dC/w6tnmafS2LIyNurvctMr1ZH19ym7sK6iDxCybgTjOXDJ+8Z4on276K9g8DcdHDYqwCMdFLIzRTgHYOCYxFVwsmgeHxv5EbHoRsR0VwXJ/AXGk2Fz52eOJ5AmiJsHAbtP3XgHmun8BxqGshZPA8OjeNDuDu1w2cNws2gXFERQAiIgCIiAIiIAiIgClcULlontW7TO+zUlE76rVssrf4n5Gfk6ne6IE3ax2md7mpKJ/1erZpmn0+rGEfd6uHO+i1PFFufZ5KeKHc89h0VbTUpdc3s0ek48vV6/JapYLQhKctMUUgYqqlw2WT7ON7rc8rSfkrlhro2yxjJ4C4Znu5lt7HLfQfFZjxDTPa2ZsTaV8TPSDHZ5BGNy4k5Ommq99G2c8LjyTOVClLTJtv4ceMvr7GDP4cqQLmGT2McffYaK3OpyNN1sukrI5aSeRzIwxgAjjhb9ZE8k5HulPiLDlO59ix5tVMYe8lyTRB2QiVwLwbXGvpge/klW0qRWyzgtCdvNtZcfn9DEXwq/8CcYzYXPmYM8T7d9FewcBu3o8DkV6z4Y2RpkpyTYXfE7V7B1BHpt89lYpoP30Xh05Qq0pU+eDrPA8Yhq4WzQPD43jQ7jyI2I6K4LlfgTjKXC5i5oL4Xkd9FewcB95vR4268iumcGxeKqhZNA7PG/kR8QehCyawZFeiIoAREQBERAFK51v7o91tdhzWhu1btK+kZqSjd9RqJZRzl/IzozTU736ICbtX7TO+zUlG76nVssoP2h/Az8mmp39muroIbann8l5048R8gFVAq8SCopKfObXsLEuPQDmf31CzKThhskbmR587BEGXs2IvlucrS6xc7KBqOh05K18O0EL2PbPIYg5mfOLaBpsAevMmw6BZJPDIyFzp8tXDGQ6OZkxaRlLW5RzIzC2nxO3VtaUXHL9iLus6SVKL3fP2XhdUYhVPIYI5e872M5GhzvCxg5tykelmPVXKl4gEUbmwwhkj2tZI/MXNc1pB9Bw5ki5N1asSrDNI+R1gXkuIHLU7XVIArTuPTlpRlo1L+RkmKcTd7E6JkTIhK4Pmyk+N7bWNjo31DRWqeTvcgbE1pY3Ke7abut953nrb2hUSuWA4xJSTNmiPiHMbOG7T5Fa0rnW8YGhRWxldLQxUFMDUsDqp5JhY24kZmblu9w5C+trdee2KY3ACc7W5CdJWWtkePLYGxNttVkNTgb6uSKYB5ZMO8nfcODA550aTbVrW2ynovHF6gPjhjdM2eRwkJkbe4DrODXg6k3uQfNwtoouaUHDUnv1/BpYVlKfoS31edn09mYJPD/ZX3gPjOXC5y4Avhfbvor+lbk5uwePj7FbSOqo6qOw+S40jRprk62wfFoqqJk0Dw+N4u0j5HoRuFXLlrs/42lwyYkAvgkI76K/PbOy+gfb32F9l0xhGKRVMTZoXh8bxdrh8j0I6LNkFaiIoAUCoogNOdvmP1cLI4GNyU0wdnkadXuHOI6eAW189ehWixIuwOKsBirqaSnmHheNDu1w5Pb5grkziXApaGokp5hZ7Dz2c08nt8iFKB50Z5qpCpaPkfWqkFGyY7tIudY6zrfhDQPY0fqkdc4MdGCQ1xaXDqWZre7MVLX/AGjvOx94BXiFtSrSisJmt2k60vLJ7qJK8wVOozlmBG6ZlKSoK8ZOPAKhtQ4NLQ45XaltzY2va43tcpTy2e09CD7ivC69aNmZ7B1cPmrVK85Rw2a20f7Y47omrm2keOjiPcVRVJ8JVVWSZnuPUk/FUdWfCV5VwWuP9ZY7soFlXZ/x3Jhkx0L4Hkd7GDbyzs2Dx033WHyPXthWGy1MrYYGF8jzZrR8z0HUqWYnYeE4lFURMmheHxvF2uG/9COirVhvZlwX/hdM6N0hkklcHy88jXWtZg9XN2/uWZKoCIiAhZYF2s8DDEqfPGP81CCYvzt5mI+u1x0PrKz5QsgOJwSwnmCDYg6G42I2VdFJm/VbX7dOBcpOIU7fCf8AymgcjtKB0PJ3sO5Wn6N2p96sC/1BzNjf1GU/zNsPkQV4ApQSA3jcbB1rH8LhcA+rUgo9haSHCxHMfvZKa3wequtaVVdefJEKe6yTA6WB1JK6paWsa9ojkj+0L3c22Phc0CxsferXVYZlh79rw6MyGNlwWuNm5s+XWwtt8V1Y2bxsc31o5wy3FQWQScMub9IBe3NBGySzRmzNf57W9RU+I4aySkjqIG5cn1VQNdH8w/XqDr0R2bxkhXEO5jiq8P0Dn/hFh/M64H9VTQxF7g1vM/vU7L2rphYMYbtbv+Jx5n9/qubUWHpOpbL0060unHn9FK4qmrHi1r6qaaYNHnsFcuDOD58UmLY/DG23eykXawHbzd0CoeVtt5ZbeHeHZ6+cQ07czj6RPosb1cdgul+AuBoMMiys8czgO9mIsXEbN/C3y+auPCvDUFBCIadthpmcfSeR95x3PyV6sobIIoiKAEREAREQEk0Qe0tcAWuBDgdQQRYg+Vly72l8Euwupsy5p5bugcdbWteMnqL+0epdSqzcV8PRV9M+nmGjvRda5Y8cnj1fHVEDkxj7q5wVTXANk0sPC8akeRG4VBj2EzUVRJTzCz4za45OB1Dm9QRqpGFaLnJpTquHjsZhj1Zmgp4oge6haSXXBBkda7tOXLQkDmfbcKyv+j0VGwRxvziR7hI3MLkgAjxaGxOywilqnMPhcW+o2VcMUfuGG/VjfibaroU7xrnco7e3eNLcd845+eTPMSxNkVZFLKLRz0wDhY6BzbaaHcK100baWKW04cZmZbBv1YHV2b0nW2aNOqxf/FX7ZW/ytaD77KmlnLjdxJPU3KvK9eMRKU7W2p7OTl7YXwz1KuarDQWRaA+k483f0HkrZPNblz+S856i3JZ72Y9mb64tqKq7KXm0cnTer8LPPfbquZLnJvVrSqPfpwuxbezzgCbE353Ex0zTZ8ltXkc2R35nz5DzPLpDCMKipomwwMDI28gPmep81UUlK2JjWRtDWNADWtFgANgF7KjZkERFACIiAIiIAiIgCgQoPeALk2HU6K3T4/TM9KeP2OB+V0BifazwKMQg7yIf5qEHJb+I3mYz15XHQ+srmyN9tD/15Ls6GQPaHNILXAEEbgrRfbrwY2J30+EANe4Nnby+sdyeOt9x7eqlMGq84UwlVGCgV8grRMvKap0+a8CVkXA2OU1FP31TTGosB3YzBuR19XZSCHnlblaxUZBn/Zh2VGTLVV7bM0McBGrvzSdB0bvzK3kxoAAAsBoAOgWrKTtzoHenFUM6ktY4f7XX+CvFN2u4W82+kFv88b2/EhVYM9RUOD4tDVRiWnkEkZJAc29iRobX81XKAEREAREQBERAEREBovGZCZpe8JcQ94Jcb8nEW+HJW+nyNbZjQGjyP6q6cWsyVc4A/iOPv8R+atDwR6Nrb6c7AD32WTBtig4igo8LhnqHhrWxgW3c4G2Vo3OnJc98e8bz4pNmf4ImX7qIG4aDufxPPX2BZjjHAtfiUMEkD2vijEjGxvflyuEjrkaWN9FidZ2a4nFcupHuHWMtePcDf4LVAxVpUVVV2GzQfbQyxf6kb2f8gFS5x1VsgIooQmQSuCkXqAvagoTNNFE3nLIyMet7g39VDB1T2aYd9HwykjtY921zvXJ4/wBVk6kgjDWhrRYNAAHkBYKdQAiIgCIiAIiIAiIgNOdorAytkvYZg12vmAFjLqkakX9g/VbzxHh6nqJBJNGHuAsL35KppMJgit3cMbSORDRf381TTuDHOy6/0M3BA715bfcENNx7SVl4CiiugQsrbWcPUst+8poX35kxsv77XVzRAYbW9l2Fyf8AqtZ/pucz/iVj9f2HULvs5Z4v/prx/ubf4raSIDRtZ2DSD7GtY7ykhLfi15+S9ODuyaqpK+CaZ0T4o3F5LCb5g05RlI6n4Ld1lCyABRUFT2f1G9r/AA/fmgKi6iqUNfe40vbnY/JGh9wT0113QFUiprv+fTqLfC6mhz/e6fFAf//Z"/>
@@ -15758,10 +16450,320 @@
           </a:p>
         </p:txBody>
       </p:sp>
+      <p:pic>
+        <p:nvPicPr>
+          <p:cNvPr id="4098" name="Picture 2"/>
+          <p:cNvPicPr>
+            <a:picLocks noChangeAspect="1" noChangeArrowheads="1"/>
+          </p:cNvPicPr>
+          <p:nvPr/>
+        </p:nvPicPr>
+        <p:blipFill>
+          <a:blip r:embed="rId3">
+            <a:extLst>
+              <a:ext uri="{28A0092B-C50C-407E-A947-70E740481C1C}">
+                <a14:useLocalDpi xmlns:a14="http://schemas.microsoft.com/office/drawing/2010/main" val="0"/>
+              </a:ext>
+            </a:extLst>
+          </a:blip>
+          <a:srcRect/>
+          <a:stretch>
+            <a:fillRect/>
+          </a:stretch>
+        </p:blipFill>
+        <p:spPr bwMode="auto">
+          <a:xfrm>
+            <a:off x="4495800" y="2819401"/>
+            <a:ext cx="3581400" cy="3032420"/>
+          </a:xfrm>
+          <a:prstGeom prst="rect">
+            <a:avLst/>
+          </a:prstGeom>
+          <a:noFill/>
+          <a:ln>
+            <a:noFill/>
+          </a:ln>
+          <a:effectLst/>
+          <a:extLst>
+            <a:ext uri="{909E8E84-426E-40DD-AFC4-6F175D3DCCD1}">
+              <a14:hiddenFill xmlns:a14="http://schemas.microsoft.com/office/drawing/2010/main">
+                <a:solidFill>
+                  <a:schemeClr val="accent1"/>
+                </a:solidFill>
+              </a14:hiddenFill>
+            </a:ext>
+            <a:ext uri="{91240B29-F687-4F45-9708-019B960494DF}">
+              <a14:hiddenLine xmlns:a14="http://schemas.microsoft.com/office/drawing/2010/main" w="9525">
+                <a:solidFill>
+                  <a:schemeClr val="tx1"/>
+                </a:solidFill>
+                <a:miter lim="800000"/>
+                <a:headEnd/>
+                <a:tailEnd/>
+              </a14:hiddenLine>
+            </a:ext>
+            <a:ext uri="{AF507438-7753-43E0-B8FC-AC1667EBCBE1}">
+              <a14:hiddenEffects xmlns:a14="http://schemas.microsoft.com/office/drawing/2010/main">
+                <a:effectLst>
+                  <a:outerShdw dist="35921" dir="2700000" algn="ctr" rotWithShape="0">
+                    <a:schemeClr val="bg2"/>
+                  </a:outerShdw>
+                </a:effectLst>
+              </a14:hiddenEffects>
+            </a:ext>
+          </a:extLst>
+        </p:spPr>
+      </p:pic>
+      <p:sp>
+        <p:nvSpPr>
+          <p:cNvPr id="14" name="Content Placeholder 2"/>
+          <p:cNvSpPr txBox="1">
+            <a:spLocks/>
+          </p:cNvSpPr>
+          <p:nvPr/>
+        </p:nvSpPr>
+        <p:spPr bwMode="auto">
+          <a:xfrm>
+            <a:off x="4346917" y="2362200"/>
+            <a:ext cx="4040188" cy="3996861"/>
+          </a:xfrm>
+          <a:prstGeom prst="rect">
+            <a:avLst/>
+          </a:prstGeom>
+          <a:noFill/>
+          <a:ln>
+            <a:noFill/>
+          </a:ln>
+          <a:effectLst/>
+          <a:extLst>
+            <a:ext uri="{909E8E84-426E-40DD-AFC4-6F175D3DCCD1}">
+              <a14:hiddenFill xmlns:a14="http://schemas.microsoft.com/office/drawing/2010/main">
+                <a:solidFill>
+                  <a:schemeClr val="accent1"/>
+                </a:solidFill>
+              </a14:hiddenFill>
+            </a:ext>
+            <a:ext uri="{91240B29-F687-4F45-9708-019B960494DF}">
+              <a14:hiddenLine xmlns:a14="http://schemas.microsoft.com/office/drawing/2010/main" w="9525">
+                <a:solidFill>
+                  <a:schemeClr val="tx1"/>
+                </a:solidFill>
+                <a:miter lim="800000"/>
+                <a:headEnd/>
+                <a:tailEnd/>
+              </a14:hiddenLine>
+            </a:ext>
+            <a:ext uri="{AF507438-7753-43E0-B8FC-AC1667EBCBE1}">
+              <a14:hiddenEffects xmlns:a14="http://schemas.microsoft.com/office/drawing/2010/main">
+                <a:effectLst>
+                  <a:outerShdw dist="35921" dir="2700000" algn="ctr" rotWithShape="0">
+                    <a:schemeClr val="bg2"/>
+                  </a:outerShdw>
+                </a:effectLst>
+              </a14:hiddenEffects>
+            </a:ext>
+          </a:extLst>
+        </p:spPr>
+        <p:txBody>
+          <a:bodyPr vert="horz" wrap="square" lIns="91440" tIns="45720" rIns="91440" bIns="45720" numCol="1" anchor="t" anchorCtr="0" compatLnSpc="1">
+            <a:prstTxWarp prst="textNoShape">
+              <a:avLst/>
+            </a:prstTxWarp>
+            <a:normAutofit/>
+          </a:bodyPr>
+          <a:lstStyle>
+            <a:lvl1pPr marL="342900" indent="-342900" algn="l" rtl="0" eaLnBrk="1" fontAlgn="base" hangingPunct="1">
+              <a:spcBef>
+                <a:spcPct val="20000"/>
+              </a:spcBef>
+              <a:spcAft>
+                <a:spcPct val="0"/>
+              </a:spcAft>
+              <a:buClr>
+                <a:schemeClr val="hlink"/>
+              </a:buClr>
+              <a:buFont typeface="Wingdings" pitchFamily="2" charset="2"/>
+              <a:buChar char="v"/>
+              <a:defRPr sz="2400">
+                <a:solidFill>
+                  <a:schemeClr val="tx1"/>
+                </a:solidFill>
+                <a:latin typeface="+mn-lt"/>
+                <a:ea typeface="+mn-ea"/>
+                <a:cs typeface="+mn-cs"/>
+              </a:defRPr>
+            </a:lvl1pPr>
+            <a:lvl2pPr marL="742950" indent="-285750" algn="l" rtl="0" eaLnBrk="1" fontAlgn="base" hangingPunct="1">
+              <a:spcBef>
+                <a:spcPct val="20000"/>
+              </a:spcBef>
+              <a:spcAft>
+                <a:spcPct val="0"/>
+              </a:spcAft>
+              <a:buClr>
+                <a:schemeClr val="accent1"/>
+              </a:buClr>
+              <a:buFont typeface="Wingdings" pitchFamily="2" charset="2"/>
+              <a:buChar char="§"/>
+              <a:defRPr sz="2000">
+                <a:solidFill>
+                  <a:schemeClr val="tx1"/>
+                </a:solidFill>
+                <a:latin typeface="+mn-lt"/>
+              </a:defRPr>
+            </a:lvl2pPr>
+            <a:lvl3pPr marL="1143000" indent="-228600" algn="l" rtl="0" eaLnBrk="1" fontAlgn="base" hangingPunct="1">
+              <a:spcBef>
+                <a:spcPct val="20000"/>
+              </a:spcBef>
+              <a:spcAft>
+                <a:spcPct val="0"/>
+              </a:spcAft>
+              <a:buClr>
+                <a:schemeClr val="tx1"/>
+              </a:buClr>
+              <a:buChar char="•"/>
+              <a:defRPr sz="1800">
+                <a:solidFill>
+                  <a:schemeClr val="tx1"/>
+                </a:solidFill>
+                <a:latin typeface="+mn-lt"/>
+              </a:defRPr>
+            </a:lvl3pPr>
+            <a:lvl4pPr marL="1600200" indent="-228600" algn="l" rtl="0" eaLnBrk="1" fontAlgn="base" hangingPunct="1">
+              <a:spcBef>
+                <a:spcPct val="20000"/>
+              </a:spcBef>
+              <a:spcAft>
+                <a:spcPct val="0"/>
+              </a:spcAft>
+              <a:buChar char="–"/>
+              <a:defRPr sz="1600">
+                <a:solidFill>
+                  <a:schemeClr val="tx1"/>
+                </a:solidFill>
+                <a:latin typeface="+mn-lt"/>
+              </a:defRPr>
+            </a:lvl4pPr>
+            <a:lvl5pPr marL="2057400" indent="-228600" algn="l" rtl="0" eaLnBrk="1" fontAlgn="base" hangingPunct="1">
+              <a:spcBef>
+                <a:spcPct val="20000"/>
+              </a:spcBef>
+              <a:spcAft>
+                <a:spcPct val="0"/>
+              </a:spcAft>
+              <a:buChar char="»"/>
+              <a:defRPr sz="1600">
+                <a:solidFill>
+                  <a:schemeClr val="tx1"/>
+                </a:solidFill>
+                <a:latin typeface="+mn-lt"/>
+              </a:defRPr>
+            </a:lvl5pPr>
+            <a:lvl6pPr marL="2514600" indent="-228600" algn="l" rtl="0" eaLnBrk="1" fontAlgn="base" hangingPunct="1">
+              <a:spcBef>
+                <a:spcPct val="20000"/>
+              </a:spcBef>
+              <a:spcAft>
+                <a:spcPct val="0"/>
+              </a:spcAft>
+              <a:buChar char="»"/>
+              <a:defRPr sz="1600">
+                <a:solidFill>
+                  <a:schemeClr val="tx1"/>
+                </a:solidFill>
+                <a:latin typeface="+mn-lt"/>
+              </a:defRPr>
+            </a:lvl6pPr>
+            <a:lvl7pPr marL="2971800" indent="-228600" algn="l" rtl="0" eaLnBrk="1" fontAlgn="base" hangingPunct="1">
+              <a:spcBef>
+                <a:spcPct val="20000"/>
+              </a:spcBef>
+              <a:spcAft>
+                <a:spcPct val="0"/>
+              </a:spcAft>
+              <a:buChar char="»"/>
+              <a:defRPr sz="1600">
+                <a:solidFill>
+                  <a:schemeClr val="tx1"/>
+                </a:solidFill>
+                <a:latin typeface="+mn-lt"/>
+              </a:defRPr>
+            </a:lvl7pPr>
+            <a:lvl8pPr marL="3429000" indent="-228600" algn="l" rtl="0" eaLnBrk="1" fontAlgn="base" hangingPunct="1">
+              <a:spcBef>
+                <a:spcPct val="20000"/>
+              </a:spcBef>
+              <a:spcAft>
+                <a:spcPct val="0"/>
+              </a:spcAft>
+              <a:buChar char="»"/>
+              <a:defRPr sz="1600">
+                <a:solidFill>
+                  <a:schemeClr val="tx1"/>
+                </a:solidFill>
+                <a:latin typeface="+mn-lt"/>
+              </a:defRPr>
+            </a:lvl8pPr>
+            <a:lvl9pPr marL="3886200" indent="-228600" algn="l" rtl="0" eaLnBrk="1" fontAlgn="base" hangingPunct="1">
+              <a:spcBef>
+                <a:spcPct val="20000"/>
+              </a:spcBef>
+              <a:spcAft>
+                <a:spcPct val="0"/>
+              </a:spcAft>
+              <a:buChar char="»"/>
+              <a:defRPr sz="1600">
+                <a:solidFill>
+                  <a:schemeClr val="tx1"/>
+                </a:solidFill>
+                <a:latin typeface="+mn-lt"/>
+              </a:defRPr>
+            </a:lvl9pPr>
+          </a:lstStyle>
+          <a:p>
+            <a:pPr marL="0" indent="0">
+              <a:buNone/>
+            </a:pPr>
+            <a:r>
+              <a:rPr lang="en-US" b="1" dirty="0" smtClean="0"/>
+              <a:t>After Optimization</a:t>
+            </a:r>
+          </a:p>
+          <a:p>
+            <a:endParaRPr lang="en-US" dirty="0" smtClean="0"/>
+          </a:p>
+          <a:p>
+            <a:endParaRPr lang="en-US" dirty="0" smtClean="0"/>
+          </a:p>
+          <a:p>
+            <a:endParaRPr lang="en-US" dirty="0" smtClean="0"/>
+          </a:p>
+          <a:p>
+            <a:endParaRPr lang="en-US" dirty="0" smtClean="0"/>
+          </a:p>
+          <a:p>
+            <a:endParaRPr lang="en-US" dirty="0" smtClean="0"/>
+          </a:p>
+          <a:p>
+            <a:endParaRPr lang="en-US" dirty="0" smtClean="0"/>
+          </a:p>
+          <a:p>
+            <a:endParaRPr lang="en-US" dirty="0" smtClean="0"/>
+          </a:p>
+          <a:p>
+            <a:r>
+              <a:rPr lang="en-US" sz="1600" dirty="0" smtClean="0"/>
+              <a:t>40 state changes in 7/10 rotation</a:t>
+            </a:r>
+            <a:endParaRPr lang="en-US" sz="1600" dirty="0"/>
+          </a:p>
+        </p:txBody>
+      </p:sp>
     </p:spTree>
     <p:extLst>
       <p:ext uri="{BB962C8B-B14F-4D97-AF65-F5344CB8AC3E}">
-        <p14:creationId xmlns:p14="http://schemas.microsoft.com/office/powerpoint/2010/main" val="1785562625"/>
+        <p14:creationId xmlns:p14="http://schemas.microsoft.com/office/powerpoint/2010/main" val="82651112"/>
       </p:ext>
     </p:extLst>
   </p:cSld>
@@ -16408,9 +17410,59 @@
               <a:rPr lang="en-US" sz="4000" dirty="0" smtClean="0">
                 <a:cs typeface="Times New Roman" pitchFamily="18" charset="0"/>
               </a:rPr>
-              <a:t>Conclusion</a:t>
+              <a:t>Lesson learnt</a:t>
             </a:r>
             <a:endParaRPr lang="en-US" sz="4000" dirty="0"/>
+          </a:p>
+        </p:txBody>
+      </p:sp>
+      <p:sp>
+        <p:nvSpPr>
+          <p:cNvPr id="3" name="Text Placeholder 2"/>
+          <p:cNvSpPr>
+            <a:spLocks noGrp="1"/>
+          </p:cNvSpPr>
+          <p:nvPr>
+            <p:ph type="body" idx="1"/>
+          </p:nvPr>
+        </p:nvSpPr>
+        <p:spPr/>
+        <p:txBody>
+          <a:bodyPr/>
+          <a:lstStyle/>
+          <a:p>
+            <a:r>
+              <a:rPr lang="en-US" dirty="0">
+                <a:cs typeface="Times New Roman" pitchFamily="18" charset="0"/>
+              </a:rPr>
+              <a:t>Obstacles</a:t>
+            </a:r>
+            <a:endParaRPr lang="en-US" dirty="0"/>
+          </a:p>
+        </p:txBody>
+      </p:sp>
+      <p:sp>
+        <p:nvSpPr>
+          <p:cNvPr id="4" name="Text Placeholder 3"/>
+          <p:cNvSpPr>
+            <a:spLocks noGrp="1"/>
+          </p:cNvSpPr>
+          <p:nvPr>
+            <p:ph type="body" sz="half" idx="3"/>
+          </p:nvPr>
+        </p:nvSpPr>
+        <p:spPr/>
+        <p:txBody>
+          <a:bodyPr/>
+          <a:lstStyle/>
+          <a:p>
+            <a:r>
+              <a:rPr lang="en-US" dirty="0" smtClean="0">
+                <a:cs typeface="Times New Roman" pitchFamily="18" charset="0"/>
+              </a:rPr>
+              <a:t>Solution</a:t>
+            </a:r>
+            <a:endParaRPr lang="en-US" dirty="0"/>
           </a:p>
         </p:txBody>
       </p:sp>
@@ -16421,15 +17473,10 @@
             <a:spLocks noGrp="1" noChangeArrowheads="1"/>
           </p:cNvSpPr>
           <p:nvPr>
-            <p:ph type="body" idx="1"/>
+            <p:ph sz="quarter" idx="2"/>
           </p:nvPr>
         </p:nvSpPr>
-        <p:spPr>
-          <a:xfrm>
-            <a:off x="436491" y="1828800"/>
-            <a:ext cx="8382000" cy="4648200"/>
-          </a:xfrm>
-        </p:spPr>
+        <p:spPr/>
         <p:txBody>
           <a:bodyPr/>
           <a:lstStyle/>
@@ -16439,42 +17486,23 @@
               <a:buChar char="Ø"/>
             </a:pPr>
             <a:r>
-              <a:rPr lang="en-US" dirty="0"/>
-              <a:t>P</a:t>
-            </a:r>
-            <a:r>
               <a:rPr lang="en-US" dirty="0" smtClean="0">
                 <a:solidFill>
-                  <a:schemeClr val="tx1"/>
-                </a:solidFill>
-                <a:latin typeface="+mn-lt"/>
-                <a:ea typeface="+mn-ea"/>
-                <a:cs typeface="+mn-cs"/>
+                  <a:schemeClr val="accent5">
+                    <a:lumMod val="10000"/>
+                  </a:schemeClr>
+                </a:solidFill>
+                <a:latin typeface="Arial" pitchFamily="34" charset="0"/>
+                <a:cs typeface="Arial" pitchFamily="34" charset="0"/>
               </a:rPr>
-              <a:t>ropeller </a:t>
-            </a:r>
-            <a:r>
-              <a:rPr lang="en-US" dirty="0">
-                <a:solidFill>
-                  <a:schemeClr val="tx1"/>
-                </a:solidFill>
-                <a:latin typeface="+mn-lt"/>
-                <a:ea typeface="+mn-ea"/>
-                <a:cs typeface="+mn-cs"/>
-              </a:rPr>
-              <a:t>only have 16 </a:t>
-            </a:r>
-            <a:r>
-              <a:rPr lang="en-US" dirty="0" smtClean="0">
-                <a:solidFill>
-                  <a:schemeClr val="tx1"/>
-                </a:solidFill>
-                <a:latin typeface="+mn-lt"/>
-                <a:ea typeface="+mn-ea"/>
-                <a:cs typeface="+mn-cs"/>
-              </a:rPr>
-              <a:t>LEDs </a:t>
-            </a:r>
+              <a:t>Limited hardware option</a:t>
+            </a:r>
+          </a:p>
+          <a:p>
+            <a:pPr>
+              <a:buFont typeface="Wingdings" pitchFamily="2" charset="2"/>
+              <a:buChar char="Ø"/>
+            </a:pPr>
             <a:endParaRPr lang="en-US" dirty="0" smtClean="0">
               <a:solidFill>
                 <a:schemeClr val="accent5">
@@ -16484,6 +17512,143 @@
               <a:latin typeface="Arial" pitchFamily="34" charset="0"/>
               <a:cs typeface="Arial" pitchFamily="34" charset="0"/>
             </a:endParaRPr>
+          </a:p>
+          <a:p>
+            <a:pPr>
+              <a:buFont typeface="Wingdings" pitchFamily="2" charset="2"/>
+              <a:buChar char="Ø"/>
+            </a:pPr>
+            <a:r>
+              <a:rPr lang="en-US" dirty="0" smtClean="0">
+                <a:solidFill>
+                  <a:schemeClr val="accent5">
+                    <a:lumMod val="10000"/>
+                  </a:schemeClr>
+                </a:solidFill>
+                <a:latin typeface="Arial" pitchFamily="34" charset="0"/>
+                <a:cs typeface="Arial" pitchFamily="34" charset="0"/>
+              </a:rPr>
+              <a:t>Processing power is a lot lower than expected</a:t>
+            </a:r>
+          </a:p>
+          <a:p>
+            <a:pPr>
+              <a:buFont typeface="Wingdings" pitchFamily="2" charset="2"/>
+              <a:buChar char="Ø"/>
+            </a:pPr>
+            <a:r>
+              <a:rPr lang="en-US" dirty="0" smtClean="0">
+                <a:solidFill>
+                  <a:schemeClr val="accent5">
+                    <a:lumMod val="10000"/>
+                  </a:schemeClr>
+                </a:solidFill>
+                <a:latin typeface="Arial" pitchFamily="34" charset="0"/>
+                <a:cs typeface="Arial" pitchFamily="34" charset="0"/>
+              </a:rPr>
+              <a:t>Soldering quality is low</a:t>
+            </a:r>
+          </a:p>
+          <a:p>
+            <a:pPr>
+              <a:buFont typeface="Wingdings" pitchFamily="2" charset="2"/>
+              <a:buChar char="Ø"/>
+            </a:pPr>
+            <a:endParaRPr lang="en-US" dirty="0" smtClean="0">
+              <a:solidFill>
+                <a:schemeClr val="accent5">
+                  <a:lumMod val="10000"/>
+                </a:schemeClr>
+              </a:solidFill>
+              <a:latin typeface="Arial" pitchFamily="34" charset="0"/>
+              <a:cs typeface="Arial" pitchFamily="34" charset="0"/>
+            </a:endParaRPr>
+          </a:p>
+          <a:p>
+            <a:pPr>
+              <a:buFont typeface="Wingdings" pitchFamily="2" charset="2"/>
+              <a:buChar char="Ø"/>
+            </a:pPr>
+            <a:r>
+              <a:rPr lang="en-US" dirty="0" smtClean="0">
+                <a:solidFill>
+                  <a:schemeClr val="accent5">
+                    <a:lumMod val="10000"/>
+                  </a:schemeClr>
+                </a:solidFill>
+                <a:latin typeface="Arial" pitchFamily="34" charset="0"/>
+                <a:cs typeface="Arial" pitchFamily="34" charset="0"/>
+              </a:rPr>
+              <a:t>Inexperienced in estimate time schedule</a:t>
+            </a:r>
+            <a:endParaRPr lang="en-US" dirty="0" smtClean="0">
+              <a:solidFill>
+                <a:schemeClr val="accent5">
+                  <a:lumMod val="10000"/>
+                </a:schemeClr>
+              </a:solidFill>
+              <a:latin typeface="Arial" pitchFamily="34" charset="0"/>
+              <a:cs typeface="Arial" pitchFamily="34" charset="0"/>
+            </a:endParaRPr>
+          </a:p>
+        </p:txBody>
+      </p:sp>
+      <p:sp>
+        <p:nvSpPr>
+          <p:cNvPr id="5" name="Content Placeholder 4"/>
+          <p:cNvSpPr>
+            <a:spLocks noGrp="1"/>
+          </p:cNvSpPr>
+          <p:nvPr>
+            <p:ph sz="quarter" idx="4"/>
+          </p:nvPr>
+        </p:nvSpPr>
+        <p:spPr/>
+        <p:txBody>
+          <a:bodyPr>
+            <a:noAutofit/>
+          </a:bodyPr>
+          <a:lstStyle/>
+          <a:p>
+            <a:pPr>
+              <a:buFont typeface="Wingdings" pitchFamily="2" charset="2"/>
+              <a:buChar char="ü"/>
+            </a:pPr>
+            <a:r>
+              <a:rPr lang="en-US" dirty="0" smtClean="0"/>
+              <a:t>Re-inspect the market and buy extra amount if possible</a:t>
+            </a:r>
+          </a:p>
+          <a:p>
+            <a:pPr>
+              <a:buFont typeface="Wingdings" pitchFamily="2" charset="2"/>
+              <a:buChar char="ü"/>
+            </a:pPr>
+            <a:r>
+              <a:rPr lang="en-US" dirty="0" smtClean="0"/>
+              <a:t>Optimize driver and using multiple backup algorithms</a:t>
+            </a:r>
+          </a:p>
+          <a:p>
+            <a:pPr>
+              <a:buFont typeface="Wingdings" pitchFamily="2" charset="2"/>
+              <a:buChar char="ü"/>
+            </a:pPr>
+            <a:r>
+              <a:rPr lang="en-US" dirty="0" smtClean="0"/>
+              <a:t>Manually checking circuit board’s completion and self-learn soldering</a:t>
+            </a:r>
+          </a:p>
+          <a:p>
+            <a:pPr>
+              <a:buFont typeface="Wingdings" pitchFamily="2" charset="2"/>
+              <a:buChar char="ü"/>
+            </a:pPr>
+            <a:r>
+              <a:rPr lang="en-US" dirty="0" smtClean="0"/>
+              <a:t>Asking for supervisor suggestion </a:t>
+            </a:r>
+            <a:endParaRPr lang="en-US" dirty="0"/>
           </a:p>
         </p:txBody>
       </p:sp>
@@ -16529,7 +17694,7 @@
     </p:spTree>
     <p:extLst>
       <p:ext uri="{BB962C8B-B14F-4D97-AF65-F5344CB8AC3E}">
-        <p14:creationId xmlns:p14="http://schemas.microsoft.com/office/powerpoint/2010/main" val="2958201841"/>
+        <p14:creationId xmlns:p14="http://schemas.microsoft.com/office/powerpoint/2010/main" val="1616340322"/>
       </p:ext>
     </p:extLst>
   </p:cSld>
@@ -16565,6 +17730,130 @@
       </p:grpSpPr>
       <p:sp>
         <p:nvSpPr>
+          <p:cNvPr id="8" name="Content Placeholder 7"/>
+          <p:cNvSpPr>
+            <a:spLocks noGrp="1"/>
+          </p:cNvSpPr>
+          <p:nvPr>
+            <p:ph idx="1"/>
+          </p:nvPr>
+        </p:nvSpPr>
+        <p:spPr/>
+        <p:txBody>
+          <a:bodyPr/>
+          <a:lstStyle/>
+          <a:p>
+            <a:pPr>
+              <a:buFont typeface="Wingdings" pitchFamily="2" charset="2"/>
+              <a:buChar char="ü"/>
+            </a:pPr>
+            <a:r>
+              <a:rPr lang="en-US" dirty="0" smtClean="0"/>
+              <a:t>Using higher performance controller, 16bits chip is recommended</a:t>
+            </a:r>
+          </a:p>
+          <a:p>
+            <a:pPr>
+              <a:buFont typeface="Wingdings" pitchFamily="2" charset="2"/>
+              <a:buChar char="ü"/>
+            </a:pPr>
+            <a:r>
+              <a:rPr lang="en-US" dirty="0" smtClean="0"/>
+              <a:t>Develop team’s own soldering staff for easier maintain and customization </a:t>
+            </a:r>
+          </a:p>
+          <a:p>
+            <a:pPr>
+              <a:buFont typeface="Wingdings" pitchFamily="2" charset="2"/>
+              <a:buChar char="ü"/>
+            </a:pPr>
+            <a:r>
+              <a:rPr lang="en-US" dirty="0" smtClean="0"/>
+              <a:t>Use popular components for easier acquire, replacing ,and better community’s support.</a:t>
+            </a:r>
+          </a:p>
+          <a:p>
+            <a:pPr>
+              <a:buFont typeface="Wingdings" pitchFamily="2" charset="2"/>
+              <a:buChar char="ü"/>
+            </a:pPr>
+            <a:r>
+              <a:rPr lang="en-US" dirty="0" smtClean="0"/>
+              <a:t>Frequently asking for professional opinion to avoid rookie mistakes. </a:t>
+            </a:r>
+            <a:endParaRPr lang="en-US" dirty="0"/>
+          </a:p>
+        </p:txBody>
+      </p:sp>
+      <p:sp>
+        <p:nvSpPr>
+          <p:cNvPr id="7" name="Title 6"/>
+          <p:cNvSpPr>
+            <a:spLocks noGrp="1"/>
+          </p:cNvSpPr>
+          <p:nvPr>
+            <p:ph type="title"/>
+          </p:nvPr>
+        </p:nvSpPr>
+        <p:spPr>
+          <a:xfrm>
+            <a:off x="914400" y="685800"/>
+            <a:ext cx="7391400" cy="533400"/>
+          </a:xfrm>
+        </p:spPr>
+        <p:txBody>
+          <a:bodyPr/>
+          <a:lstStyle/>
+          <a:p>
+            <a:r>
+              <a:rPr lang="en-US" sz="4400" dirty="0" smtClean="0">
+                <a:cs typeface="Times New Roman" pitchFamily="18" charset="0"/>
+              </a:rPr>
+              <a:t>Suggested improvement</a:t>
+            </a:r>
+            <a:endParaRPr lang="en-US" dirty="0"/>
+          </a:p>
+        </p:txBody>
+      </p:sp>
+    </p:spTree>
+    <p:extLst>
+      <p:ext uri="{BB962C8B-B14F-4D97-AF65-F5344CB8AC3E}">
+        <p14:creationId xmlns:p14="http://schemas.microsoft.com/office/powerpoint/2010/main" val="3863880827"/>
+      </p:ext>
+    </p:extLst>
+  </p:cSld>
+  <p:clrMapOvr>
+    <a:masterClrMapping/>
+  </p:clrMapOvr>
+  <p:timing>
+    <p:tnLst>
+      <p:par>
+        <p:cTn id="1" dur="indefinite" restart="never" nodeType="tmRoot"/>
+      </p:par>
+    </p:tnLst>
+  </p:timing>
+</p:sld>
+</file>
+
+<file path=ppt/slides/slide37.xml><?xml version="1.0" encoding="utf-8"?>
+<p:sld xmlns:a="http://schemas.openxmlformats.org/drawingml/2006/main" xmlns:r="http://schemas.openxmlformats.org/officeDocument/2006/relationships" xmlns:p="http://schemas.openxmlformats.org/presentationml/2006/main">
+  <p:cSld>
+    <p:spTree>
+      <p:nvGrpSpPr>
+        <p:cNvPr id="1" name=""/>
+        <p:cNvGrpSpPr/>
+        <p:nvPr/>
+      </p:nvGrpSpPr>
+      <p:grpSpPr>
+        <a:xfrm>
+          <a:off x="0" y="0"/>
+          <a:ext cx="0" cy="0"/>
+          <a:chOff x="0" y="0"/>
+          <a:chExt cx="0" cy="0"/>
+        </a:xfrm>
+      </p:grpSpPr>
+      <p:sp>
+        <p:nvSpPr>
           <p:cNvPr id="59394" name="Rectangle 2"/>
           <p:cNvSpPr>
             <a:spLocks noGrp="1" noChangeArrowheads="1"/>
@@ -16713,7 +18002,7 @@
 </p:sld>
 </file>
 
-<file path=ppt/slides/slide37.xml><?xml version="1.0" encoding="utf-8"?>
+<file path=ppt/slides/slide38.xml><?xml version="1.0" encoding="utf-8"?>
 <p:sld xmlns:a="http://schemas.openxmlformats.org/drawingml/2006/main" xmlns:r="http://schemas.openxmlformats.org/officeDocument/2006/relationships" xmlns:p="http://schemas.openxmlformats.org/presentationml/2006/main">
   <p:cSld>
     <p:spTree>
@@ -17840,11 +19129,7 @@
             </a:r>
             <a:r>
               <a:rPr lang="en-US" dirty="0" smtClean="0"/>
-              <a:t>: 121 million </a:t>
-            </a:r>
-            <a:r>
-              <a:rPr lang="en-US" dirty="0" smtClean="0"/>
-              <a:t>VND </a:t>
+              <a:t>: 121 million VND </a:t>
             </a:r>
             <a:r>
               <a:rPr lang="en-US" dirty="0" smtClean="0">
